--- a/Documents/design review presentation/Design Presentation Final.pptx
+++ b/Documents/design review presentation/Design Presentation Final.pptx
@@ -6258,9 +6258,18 @@
           <a:p>
             <a:pPr lvl="1"/>
             <a:r>
+              <a:rPr lang="en-US"/>
+              <a:t>#Will </a:t>
+            </a:r>
+            <a:r>
               <a:rPr lang="en-US" dirty="0"/>
-              <a:t>In progress</a:t>
-            </a:r>
+              <a:t>be filled after </a:t>
+            </a:r>
+            <a:r>
+              <a:rPr lang="en-US"/>
+              <a:t>all slides are finished</a:t>
+            </a:r>
+            <a:endParaRPr lang="en-US" dirty="0"/>
           </a:p>
           <a:p>
             <a:pPr lvl="1"/>

--- a/Documents/design review presentation/Design Presentation Final.pptx
+++ b/Documents/design review presentation/Design Presentation Final.pptx
@@ -5,7 +5,7 @@
     <p:sldMasterId id="2147483648" r:id="rId1"/>
   </p:sldMasterIdLst>
   <p:notesMasterIdLst>
-    <p:notesMasterId r:id="rId16"/>
+    <p:notesMasterId r:id="rId25"/>
   </p:notesMasterIdLst>
   <p:sldIdLst>
     <p:sldId id="256" r:id="rId2"/>
@@ -20,8 +20,17 @@
     <p:sldId id="263" r:id="rId11"/>
     <p:sldId id="264" r:id="rId12"/>
     <p:sldId id="265" r:id="rId13"/>
-    <p:sldId id="266" r:id="rId14"/>
-    <p:sldId id="257" r:id="rId15"/>
+    <p:sldId id="278" r:id="rId14"/>
+    <p:sldId id="270" r:id="rId15"/>
+    <p:sldId id="271" r:id="rId16"/>
+    <p:sldId id="272" r:id="rId17"/>
+    <p:sldId id="273" r:id="rId18"/>
+    <p:sldId id="274" r:id="rId19"/>
+    <p:sldId id="275" r:id="rId20"/>
+    <p:sldId id="276" r:id="rId21"/>
+    <p:sldId id="277" r:id="rId22"/>
+    <p:sldId id="266" r:id="rId23"/>
+    <p:sldId id="257" r:id="rId24"/>
   </p:sldIdLst>
   <p:sldSz cx="12192000" cy="6858000"/>
   <p:notesSz cx="6858000" cy="9144000"/>
@@ -210,7 +219,7 @@
           <a:p>
             <a:fld id="{3F0E71EC-2BBA-7A43-8105-73C7E64C1571}" type="datetimeFigureOut">
               <a:rPr lang="en-US" smtClean="0"/>
-              <a:t>10/20/19</a:t>
+              <a:t>10/21/19</a:t>
             </a:fld>
             <a:endParaRPr lang="en-US"/>
           </a:p>
@@ -586,6 +595,530 @@
 </p:notes>
 </file>
 
+<file path=ppt/notesSlides/notesSlide10.xml><?xml version="1.0" encoding="utf-8"?>
+<p:notes xmlns:a="http://schemas.openxmlformats.org/drawingml/2006/main" xmlns:r="http://schemas.openxmlformats.org/officeDocument/2006/relationships" xmlns:p="http://schemas.openxmlformats.org/presentationml/2006/main">
+  <p:cSld>
+    <p:spTree>
+      <p:nvGrpSpPr>
+        <p:cNvPr id="1" name=""/>
+        <p:cNvGrpSpPr/>
+        <p:nvPr/>
+      </p:nvGrpSpPr>
+      <p:grpSpPr>
+        <a:xfrm>
+          <a:off x="0" y="0"/>
+          <a:ext cx="0" cy="0"/>
+          <a:chOff x="0" y="0"/>
+          <a:chExt cx="0" cy="0"/>
+        </a:xfrm>
+      </p:grpSpPr>
+      <p:sp>
+        <p:nvSpPr>
+          <p:cNvPr id="2" name="Slide Image Placeholder 1"/>
+          <p:cNvSpPr>
+            <a:spLocks noGrp="1" noRot="1" noChangeAspect="1"/>
+          </p:cNvSpPr>
+          <p:nvPr>
+            <p:ph type="sldImg"/>
+          </p:nvPr>
+        </p:nvSpPr>
+        <p:spPr/>
+      </p:sp>
+      <p:sp>
+        <p:nvSpPr>
+          <p:cNvPr id="3" name="Notes Placeholder 2"/>
+          <p:cNvSpPr>
+            <a:spLocks noGrp="1"/>
+          </p:cNvSpPr>
+          <p:nvPr>
+            <p:ph type="body" idx="1"/>
+          </p:nvPr>
+        </p:nvSpPr>
+        <p:spPr/>
+        <p:txBody>
+          <a:bodyPr/>
+          <a:lstStyle/>
+          <a:p>
+            <a:r>
+              <a:rPr lang="en-US" dirty="0"/>
+              <a:t>Time: 7 seconds</a:t>
+            </a:r>
+            <a:endParaRPr lang="en-CA" dirty="0"/>
+          </a:p>
+        </p:txBody>
+      </p:sp>
+      <p:sp>
+        <p:nvSpPr>
+          <p:cNvPr id="4" name="Slide Number Placeholder 3"/>
+          <p:cNvSpPr>
+            <a:spLocks noGrp="1"/>
+          </p:cNvSpPr>
+          <p:nvPr>
+            <p:ph type="sldNum" sz="quarter" idx="5"/>
+          </p:nvPr>
+        </p:nvSpPr>
+        <p:spPr/>
+        <p:txBody>
+          <a:bodyPr/>
+          <a:lstStyle/>
+          <a:p>
+            <a:fld id="{54273BDC-7817-48C8-AC9A-82012B735B31}" type="slidenum">
+              <a:rPr lang="en-CA" smtClean="0"/>
+              <a:t>17</a:t>
+            </a:fld>
+            <a:endParaRPr lang="en-CA"/>
+          </a:p>
+        </p:txBody>
+      </p:sp>
+    </p:spTree>
+    <p:extLst>
+      <p:ext uri="{BB962C8B-B14F-4D97-AF65-F5344CB8AC3E}">
+        <p14:creationId xmlns:p14="http://schemas.microsoft.com/office/powerpoint/2010/main" val="1463628208"/>
+      </p:ext>
+    </p:extLst>
+  </p:cSld>
+  <p:clrMapOvr>
+    <a:masterClrMapping/>
+  </p:clrMapOvr>
+</p:notes>
+</file>
+
+<file path=ppt/notesSlides/notesSlide11.xml><?xml version="1.0" encoding="utf-8"?>
+<p:notes xmlns:a="http://schemas.openxmlformats.org/drawingml/2006/main" xmlns:r="http://schemas.openxmlformats.org/officeDocument/2006/relationships" xmlns:p="http://schemas.openxmlformats.org/presentationml/2006/main">
+  <p:cSld>
+    <p:spTree>
+      <p:nvGrpSpPr>
+        <p:cNvPr id="1" name=""/>
+        <p:cNvGrpSpPr/>
+        <p:nvPr/>
+      </p:nvGrpSpPr>
+      <p:grpSpPr>
+        <a:xfrm>
+          <a:off x="0" y="0"/>
+          <a:ext cx="0" cy="0"/>
+          <a:chOff x="0" y="0"/>
+          <a:chExt cx="0" cy="0"/>
+        </a:xfrm>
+      </p:grpSpPr>
+      <p:sp>
+        <p:nvSpPr>
+          <p:cNvPr id="2" name="Slide Image Placeholder 1"/>
+          <p:cNvSpPr>
+            <a:spLocks noGrp="1" noRot="1" noChangeAspect="1"/>
+          </p:cNvSpPr>
+          <p:nvPr>
+            <p:ph type="sldImg"/>
+          </p:nvPr>
+        </p:nvSpPr>
+        <p:spPr/>
+      </p:sp>
+      <p:sp>
+        <p:nvSpPr>
+          <p:cNvPr id="3" name="Notes Placeholder 2"/>
+          <p:cNvSpPr>
+            <a:spLocks noGrp="1"/>
+          </p:cNvSpPr>
+          <p:nvPr>
+            <p:ph type="body" idx="1"/>
+          </p:nvPr>
+        </p:nvSpPr>
+        <p:spPr/>
+        <p:txBody>
+          <a:bodyPr/>
+          <a:lstStyle/>
+          <a:p>
+            <a:r>
+              <a:rPr lang="en-US" dirty="0"/>
+              <a:t>Time: 5 seconds</a:t>
+            </a:r>
+            <a:endParaRPr lang="en-CA" dirty="0"/>
+          </a:p>
+        </p:txBody>
+      </p:sp>
+      <p:sp>
+        <p:nvSpPr>
+          <p:cNvPr id="4" name="Slide Number Placeholder 3"/>
+          <p:cNvSpPr>
+            <a:spLocks noGrp="1"/>
+          </p:cNvSpPr>
+          <p:nvPr>
+            <p:ph type="sldNum" sz="quarter" idx="5"/>
+          </p:nvPr>
+        </p:nvSpPr>
+        <p:spPr/>
+        <p:txBody>
+          <a:bodyPr/>
+          <a:lstStyle/>
+          <a:p>
+            <a:fld id="{54273BDC-7817-48C8-AC9A-82012B735B31}" type="slidenum">
+              <a:rPr lang="en-CA" smtClean="0"/>
+              <a:t>18</a:t>
+            </a:fld>
+            <a:endParaRPr lang="en-CA"/>
+          </a:p>
+        </p:txBody>
+      </p:sp>
+    </p:spTree>
+    <p:extLst>
+      <p:ext uri="{BB962C8B-B14F-4D97-AF65-F5344CB8AC3E}">
+        <p14:creationId xmlns:p14="http://schemas.microsoft.com/office/powerpoint/2010/main" val="2450918904"/>
+      </p:ext>
+    </p:extLst>
+  </p:cSld>
+  <p:clrMapOvr>
+    <a:masterClrMapping/>
+  </p:clrMapOvr>
+</p:notes>
+</file>
+
+<file path=ppt/notesSlides/notesSlide12.xml><?xml version="1.0" encoding="utf-8"?>
+<p:notes xmlns:a="http://schemas.openxmlformats.org/drawingml/2006/main" xmlns:r="http://schemas.openxmlformats.org/officeDocument/2006/relationships" xmlns:p="http://schemas.openxmlformats.org/presentationml/2006/main">
+  <p:cSld>
+    <p:spTree>
+      <p:nvGrpSpPr>
+        <p:cNvPr id="1" name=""/>
+        <p:cNvGrpSpPr/>
+        <p:nvPr/>
+      </p:nvGrpSpPr>
+      <p:grpSpPr>
+        <a:xfrm>
+          <a:off x="0" y="0"/>
+          <a:ext cx="0" cy="0"/>
+          <a:chOff x="0" y="0"/>
+          <a:chExt cx="0" cy="0"/>
+        </a:xfrm>
+      </p:grpSpPr>
+      <p:sp>
+        <p:nvSpPr>
+          <p:cNvPr id="2" name="Slide Image Placeholder 1"/>
+          <p:cNvSpPr>
+            <a:spLocks noGrp="1" noRot="1" noChangeAspect="1"/>
+          </p:cNvSpPr>
+          <p:nvPr>
+            <p:ph type="sldImg"/>
+          </p:nvPr>
+        </p:nvSpPr>
+        <p:spPr/>
+      </p:sp>
+      <p:sp>
+        <p:nvSpPr>
+          <p:cNvPr id="3" name="Notes Placeholder 2"/>
+          <p:cNvSpPr>
+            <a:spLocks noGrp="1"/>
+          </p:cNvSpPr>
+          <p:nvPr>
+            <p:ph type="body" idx="1"/>
+          </p:nvPr>
+        </p:nvSpPr>
+        <p:spPr/>
+        <p:txBody>
+          <a:bodyPr/>
+          <a:lstStyle/>
+          <a:p>
+            <a:r>
+              <a:rPr lang="en-US" dirty="0"/>
+              <a:t>Time: 3 seconds</a:t>
+            </a:r>
+            <a:endParaRPr lang="en-CA" dirty="0"/>
+          </a:p>
+        </p:txBody>
+      </p:sp>
+      <p:sp>
+        <p:nvSpPr>
+          <p:cNvPr id="4" name="Slide Number Placeholder 3"/>
+          <p:cNvSpPr>
+            <a:spLocks noGrp="1"/>
+          </p:cNvSpPr>
+          <p:nvPr>
+            <p:ph type="sldNum" sz="quarter" idx="5"/>
+          </p:nvPr>
+        </p:nvSpPr>
+        <p:spPr/>
+        <p:txBody>
+          <a:bodyPr/>
+          <a:lstStyle/>
+          <a:p>
+            <a:fld id="{54273BDC-7817-48C8-AC9A-82012B735B31}" type="slidenum">
+              <a:rPr lang="en-CA" smtClean="0"/>
+              <a:t>19</a:t>
+            </a:fld>
+            <a:endParaRPr lang="en-CA"/>
+          </a:p>
+        </p:txBody>
+      </p:sp>
+    </p:spTree>
+    <p:extLst>
+      <p:ext uri="{BB962C8B-B14F-4D97-AF65-F5344CB8AC3E}">
+        <p14:creationId xmlns:p14="http://schemas.microsoft.com/office/powerpoint/2010/main" val="2317693815"/>
+      </p:ext>
+    </p:extLst>
+  </p:cSld>
+  <p:clrMapOvr>
+    <a:masterClrMapping/>
+  </p:clrMapOvr>
+</p:notes>
+</file>
+
+<file path=ppt/notesSlides/notesSlide13.xml><?xml version="1.0" encoding="utf-8"?>
+<p:notes xmlns:a="http://schemas.openxmlformats.org/drawingml/2006/main" xmlns:r="http://schemas.openxmlformats.org/officeDocument/2006/relationships" xmlns:p="http://schemas.openxmlformats.org/presentationml/2006/main">
+  <p:cSld>
+    <p:spTree>
+      <p:nvGrpSpPr>
+        <p:cNvPr id="1" name=""/>
+        <p:cNvGrpSpPr/>
+        <p:nvPr/>
+      </p:nvGrpSpPr>
+      <p:grpSpPr>
+        <a:xfrm>
+          <a:off x="0" y="0"/>
+          <a:ext cx="0" cy="0"/>
+          <a:chOff x="0" y="0"/>
+          <a:chExt cx="0" cy="0"/>
+        </a:xfrm>
+      </p:grpSpPr>
+      <p:sp>
+        <p:nvSpPr>
+          <p:cNvPr id="2" name="Slide Image Placeholder 1"/>
+          <p:cNvSpPr>
+            <a:spLocks noGrp="1" noRot="1" noChangeAspect="1"/>
+          </p:cNvSpPr>
+          <p:nvPr>
+            <p:ph type="sldImg"/>
+          </p:nvPr>
+        </p:nvSpPr>
+        <p:spPr/>
+      </p:sp>
+      <p:sp>
+        <p:nvSpPr>
+          <p:cNvPr id="3" name="Notes Placeholder 2"/>
+          <p:cNvSpPr>
+            <a:spLocks noGrp="1"/>
+          </p:cNvSpPr>
+          <p:nvPr>
+            <p:ph type="body" idx="1"/>
+          </p:nvPr>
+        </p:nvSpPr>
+        <p:spPr/>
+        <p:txBody>
+          <a:bodyPr/>
+          <a:lstStyle/>
+          <a:p>
+            <a:r>
+              <a:rPr lang="en-US" dirty="0"/>
+              <a:t>Time: 3 seconds</a:t>
+            </a:r>
+            <a:endParaRPr lang="en-CA" dirty="0"/>
+          </a:p>
+        </p:txBody>
+      </p:sp>
+      <p:sp>
+        <p:nvSpPr>
+          <p:cNvPr id="4" name="Slide Number Placeholder 3"/>
+          <p:cNvSpPr>
+            <a:spLocks noGrp="1"/>
+          </p:cNvSpPr>
+          <p:nvPr>
+            <p:ph type="sldNum" sz="quarter" idx="5"/>
+          </p:nvPr>
+        </p:nvSpPr>
+        <p:spPr/>
+        <p:txBody>
+          <a:bodyPr/>
+          <a:lstStyle/>
+          <a:p>
+            <a:fld id="{54273BDC-7817-48C8-AC9A-82012B735B31}" type="slidenum">
+              <a:rPr lang="en-CA" smtClean="0"/>
+              <a:t>20</a:t>
+            </a:fld>
+            <a:endParaRPr lang="en-CA"/>
+          </a:p>
+        </p:txBody>
+      </p:sp>
+    </p:spTree>
+    <p:extLst>
+      <p:ext uri="{BB962C8B-B14F-4D97-AF65-F5344CB8AC3E}">
+        <p14:creationId xmlns:p14="http://schemas.microsoft.com/office/powerpoint/2010/main" val="314969178"/>
+      </p:ext>
+    </p:extLst>
+  </p:cSld>
+  <p:clrMapOvr>
+    <a:masterClrMapping/>
+  </p:clrMapOvr>
+</p:notes>
+</file>
+
+<file path=ppt/notesSlides/notesSlide14.xml><?xml version="1.0" encoding="utf-8"?>
+<p:notes xmlns:a="http://schemas.openxmlformats.org/drawingml/2006/main" xmlns:r="http://schemas.openxmlformats.org/officeDocument/2006/relationships" xmlns:p="http://schemas.openxmlformats.org/presentationml/2006/main">
+  <p:cSld>
+    <p:spTree>
+      <p:nvGrpSpPr>
+        <p:cNvPr id="1" name=""/>
+        <p:cNvGrpSpPr/>
+        <p:nvPr/>
+      </p:nvGrpSpPr>
+      <p:grpSpPr>
+        <a:xfrm>
+          <a:off x="0" y="0"/>
+          <a:ext cx="0" cy="0"/>
+          <a:chOff x="0" y="0"/>
+          <a:chExt cx="0" cy="0"/>
+        </a:xfrm>
+      </p:grpSpPr>
+      <p:sp>
+        <p:nvSpPr>
+          <p:cNvPr id="2" name="Slide Image Placeholder 1"/>
+          <p:cNvSpPr>
+            <a:spLocks noGrp="1" noRot="1" noChangeAspect="1"/>
+          </p:cNvSpPr>
+          <p:nvPr>
+            <p:ph type="sldImg"/>
+          </p:nvPr>
+        </p:nvSpPr>
+        <p:spPr/>
+      </p:sp>
+      <p:sp>
+        <p:nvSpPr>
+          <p:cNvPr id="3" name="Notes Placeholder 2"/>
+          <p:cNvSpPr>
+            <a:spLocks noGrp="1"/>
+          </p:cNvSpPr>
+          <p:nvPr>
+            <p:ph type="body" idx="1"/>
+          </p:nvPr>
+        </p:nvSpPr>
+        <p:spPr/>
+        <p:txBody>
+          <a:bodyPr/>
+          <a:lstStyle/>
+          <a:p>
+            <a:r>
+              <a:rPr lang="en-US" dirty="0"/>
+              <a:t>Time: 7 seconds</a:t>
+            </a:r>
+            <a:endParaRPr lang="en-CA" dirty="0"/>
+          </a:p>
+        </p:txBody>
+      </p:sp>
+      <p:sp>
+        <p:nvSpPr>
+          <p:cNvPr id="4" name="Slide Number Placeholder 3"/>
+          <p:cNvSpPr>
+            <a:spLocks noGrp="1"/>
+          </p:cNvSpPr>
+          <p:nvPr>
+            <p:ph type="sldNum" sz="quarter" idx="5"/>
+          </p:nvPr>
+        </p:nvSpPr>
+        <p:spPr/>
+        <p:txBody>
+          <a:bodyPr/>
+          <a:lstStyle/>
+          <a:p>
+            <a:fld id="{54273BDC-7817-48C8-AC9A-82012B735B31}" type="slidenum">
+              <a:rPr lang="en-CA" smtClean="0"/>
+              <a:t>21</a:t>
+            </a:fld>
+            <a:endParaRPr lang="en-CA"/>
+          </a:p>
+        </p:txBody>
+      </p:sp>
+    </p:spTree>
+    <p:extLst>
+      <p:ext uri="{BB962C8B-B14F-4D97-AF65-F5344CB8AC3E}">
+        <p14:creationId xmlns:p14="http://schemas.microsoft.com/office/powerpoint/2010/main" val="3005915529"/>
+      </p:ext>
+    </p:extLst>
+  </p:cSld>
+  <p:clrMapOvr>
+    <a:masterClrMapping/>
+  </p:clrMapOvr>
+</p:notes>
+</file>
+
+<file path=ppt/notesSlides/notesSlide15.xml><?xml version="1.0" encoding="utf-8"?>
+<p:notes xmlns:a="http://schemas.openxmlformats.org/drawingml/2006/main" xmlns:r="http://schemas.openxmlformats.org/officeDocument/2006/relationships" xmlns:p="http://schemas.openxmlformats.org/presentationml/2006/main">
+  <p:cSld>
+    <p:spTree>
+      <p:nvGrpSpPr>
+        <p:cNvPr id="1" name=""/>
+        <p:cNvGrpSpPr/>
+        <p:nvPr/>
+      </p:nvGrpSpPr>
+      <p:grpSpPr>
+        <a:xfrm>
+          <a:off x="0" y="0"/>
+          <a:ext cx="0" cy="0"/>
+          <a:chOff x="0" y="0"/>
+          <a:chExt cx="0" cy="0"/>
+        </a:xfrm>
+      </p:grpSpPr>
+      <p:sp>
+        <p:nvSpPr>
+          <p:cNvPr id="2" name="Slide Image Placeholder 1"/>
+          <p:cNvSpPr>
+            <a:spLocks noGrp="1" noRot="1" noChangeAspect="1"/>
+          </p:cNvSpPr>
+          <p:nvPr>
+            <p:ph type="sldImg"/>
+          </p:nvPr>
+        </p:nvSpPr>
+        <p:spPr/>
+      </p:sp>
+      <p:sp>
+        <p:nvSpPr>
+          <p:cNvPr id="3" name="Notes Placeholder 2"/>
+          <p:cNvSpPr>
+            <a:spLocks noGrp="1"/>
+          </p:cNvSpPr>
+          <p:nvPr>
+            <p:ph type="body" idx="1"/>
+          </p:nvPr>
+        </p:nvSpPr>
+        <p:spPr/>
+        <p:txBody>
+          <a:bodyPr/>
+          <a:lstStyle/>
+          <a:p>
+            <a:endParaRPr lang="en-US" dirty="0"/>
+          </a:p>
+        </p:txBody>
+      </p:sp>
+      <p:sp>
+        <p:nvSpPr>
+          <p:cNvPr id="4" name="Slide Number Placeholder 3"/>
+          <p:cNvSpPr>
+            <a:spLocks noGrp="1"/>
+          </p:cNvSpPr>
+          <p:nvPr>
+            <p:ph type="sldNum" sz="quarter" idx="5"/>
+          </p:nvPr>
+        </p:nvSpPr>
+        <p:spPr/>
+        <p:txBody>
+          <a:bodyPr/>
+          <a:lstStyle/>
+          <a:p>
+            <a:fld id="{9B6509E3-235B-084D-854D-A79DEC35FDB6}" type="slidenum">
+              <a:rPr lang="en-US" smtClean="0"/>
+              <a:t>23</a:t>
+            </a:fld>
+            <a:endParaRPr lang="en-US"/>
+          </a:p>
+        </p:txBody>
+      </p:sp>
+    </p:spTree>
+    <p:extLst>
+      <p:ext uri="{BB962C8B-B14F-4D97-AF65-F5344CB8AC3E}">
+        <p14:creationId xmlns:p14="http://schemas.microsoft.com/office/powerpoint/2010/main" val="2757947434"/>
+      </p:ext>
+    </p:extLst>
+  </p:cSld>
+  <p:clrMapOvr>
+    <a:masterClrMapping/>
+  </p:clrMapOvr>
+</p:notes>
+</file>
+
 <file path=ppt/notesSlides/notesSlide2.xml><?xml version="1.0" encoding="utf-8"?>
 <p:notes xmlns:a="http://schemas.openxmlformats.org/drawingml/2006/main" xmlns:r="http://schemas.openxmlformats.org/officeDocument/2006/relationships" xmlns:p="http://schemas.openxmlformats.org/presentationml/2006/main" showMasterSp="0" showMasterPhAnim="0">
   <p:cSld>
@@ -1175,7 +1708,11 @@
           <a:bodyPr/>
           <a:lstStyle/>
           <a:p>
-            <a:endParaRPr lang="en-US" dirty="0"/>
+            <a:r>
+              <a:rPr lang="en-US" dirty="0"/>
+              <a:t>Time: 24 seconds</a:t>
+            </a:r>
+            <a:endParaRPr lang="en-CA" dirty="0"/>
           </a:p>
         </p:txBody>
       </p:sp>
@@ -1194,18 +1731,193 @@
           <a:bodyPr/>
           <a:lstStyle/>
           <a:p>
-            <a:fld id="{9B6509E3-235B-084D-854D-A79DEC35FDB6}" type="slidenum">
-              <a:rPr lang="en-US" smtClean="0"/>
+            <a:fld id="{54273BDC-7817-48C8-AC9A-82012B735B31}" type="slidenum">
+              <a:rPr lang="en-CA" smtClean="0"/>
               <a:t>14</a:t>
             </a:fld>
-            <a:endParaRPr lang="en-US"/>
+            <a:endParaRPr lang="en-CA"/>
           </a:p>
         </p:txBody>
       </p:sp>
     </p:spTree>
     <p:extLst>
       <p:ext uri="{BB962C8B-B14F-4D97-AF65-F5344CB8AC3E}">
-        <p14:creationId xmlns:p14="http://schemas.microsoft.com/office/powerpoint/2010/main" val="2757947434"/>
+        <p14:creationId xmlns:p14="http://schemas.microsoft.com/office/powerpoint/2010/main" val="1383455968"/>
+      </p:ext>
+    </p:extLst>
+  </p:cSld>
+  <p:clrMapOvr>
+    <a:masterClrMapping/>
+  </p:clrMapOvr>
+</p:notes>
+</file>
+
+<file path=ppt/notesSlides/notesSlide8.xml><?xml version="1.0" encoding="utf-8"?>
+<p:notes xmlns:a="http://schemas.openxmlformats.org/drawingml/2006/main" xmlns:r="http://schemas.openxmlformats.org/officeDocument/2006/relationships" xmlns:p="http://schemas.openxmlformats.org/presentationml/2006/main">
+  <p:cSld>
+    <p:spTree>
+      <p:nvGrpSpPr>
+        <p:cNvPr id="1" name=""/>
+        <p:cNvGrpSpPr/>
+        <p:nvPr/>
+      </p:nvGrpSpPr>
+      <p:grpSpPr>
+        <a:xfrm>
+          <a:off x="0" y="0"/>
+          <a:ext cx="0" cy="0"/>
+          <a:chOff x="0" y="0"/>
+          <a:chExt cx="0" cy="0"/>
+        </a:xfrm>
+      </p:grpSpPr>
+      <p:sp>
+        <p:nvSpPr>
+          <p:cNvPr id="2" name="Slide Image Placeholder 1"/>
+          <p:cNvSpPr>
+            <a:spLocks noGrp="1" noRot="1" noChangeAspect="1"/>
+          </p:cNvSpPr>
+          <p:nvPr>
+            <p:ph type="sldImg"/>
+          </p:nvPr>
+        </p:nvSpPr>
+        <p:spPr/>
+      </p:sp>
+      <p:sp>
+        <p:nvSpPr>
+          <p:cNvPr id="3" name="Notes Placeholder 2"/>
+          <p:cNvSpPr>
+            <a:spLocks noGrp="1"/>
+          </p:cNvSpPr>
+          <p:nvPr>
+            <p:ph type="body" idx="1"/>
+          </p:nvPr>
+        </p:nvSpPr>
+        <p:spPr/>
+        <p:txBody>
+          <a:bodyPr/>
+          <a:lstStyle/>
+          <a:p>
+            <a:r>
+              <a:rPr lang="en-US" dirty="0"/>
+              <a:t>Time: 20 seconds</a:t>
+            </a:r>
+            <a:endParaRPr lang="en-CA" dirty="0"/>
+          </a:p>
+        </p:txBody>
+      </p:sp>
+      <p:sp>
+        <p:nvSpPr>
+          <p:cNvPr id="4" name="Slide Number Placeholder 3"/>
+          <p:cNvSpPr>
+            <a:spLocks noGrp="1"/>
+          </p:cNvSpPr>
+          <p:nvPr>
+            <p:ph type="sldNum" sz="quarter" idx="5"/>
+          </p:nvPr>
+        </p:nvSpPr>
+        <p:spPr/>
+        <p:txBody>
+          <a:bodyPr/>
+          <a:lstStyle/>
+          <a:p>
+            <a:fld id="{54273BDC-7817-48C8-AC9A-82012B735B31}" type="slidenum">
+              <a:rPr lang="en-CA" smtClean="0"/>
+              <a:t>15</a:t>
+            </a:fld>
+            <a:endParaRPr lang="en-CA"/>
+          </a:p>
+        </p:txBody>
+      </p:sp>
+    </p:spTree>
+    <p:extLst>
+      <p:ext uri="{BB962C8B-B14F-4D97-AF65-F5344CB8AC3E}">
+        <p14:creationId xmlns:p14="http://schemas.microsoft.com/office/powerpoint/2010/main" val="3456628278"/>
+      </p:ext>
+    </p:extLst>
+  </p:cSld>
+  <p:clrMapOvr>
+    <a:masterClrMapping/>
+  </p:clrMapOvr>
+</p:notes>
+</file>
+
+<file path=ppt/notesSlides/notesSlide9.xml><?xml version="1.0" encoding="utf-8"?>
+<p:notes xmlns:a="http://schemas.openxmlformats.org/drawingml/2006/main" xmlns:r="http://schemas.openxmlformats.org/officeDocument/2006/relationships" xmlns:p="http://schemas.openxmlformats.org/presentationml/2006/main">
+  <p:cSld>
+    <p:spTree>
+      <p:nvGrpSpPr>
+        <p:cNvPr id="1" name=""/>
+        <p:cNvGrpSpPr/>
+        <p:nvPr/>
+      </p:nvGrpSpPr>
+      <p:grpSpPr>
+        <a:xfrm>
+          <a:off x="0" y="0"/>
+          <a:ext cx="0" cy="0"/>
+          <a:chOff x="0" y="0"/>
+          <a:chExt cx="0" cy="0"/>
+        </a:xfrm>
+      </p:grpSpPr>
+      <p:sp>
+        <p:nvSpPr>
+          <p:cNvPr id="2" name="Slide Image Placeholder 1"/>
+          <p:cNvSpPr>
+            <a:spLocks noGrp="1" noRot="1" noChangeAspect="1"/>
+          </p:cNvSpPr>
+          <p:nvPr>
+            <p:ph type="sldImg"/>
+          </p:nvPr>
+        </p:nvSpPr>
+        <p:spPr/>
+      </p:sp>
+      <p:sp>
+        <p:nvSpPr>
+          <p:cNvPr id="3" name="Notes Placeholder 2"/>
+          <p:cNvSpPr>
+            <a:spLocks noGrp="1"/>
+          </p:cNvSpPr>
+          <p:nvPr>
+            <p:ph type="body" idx="1"/>
+          </p:nvPr>
+        </p:nvSpPr>
+        <p:spPr/>
+        <p:txBody>
+          <a:bodyPr/>
+          <a:lstStyle/>
+          <a:p>
+            <a:r>
+              <a:rPr lang="en-CA" dirty="0"/>
+              <a:t>Time: 29 seconds</a:t>
+            </a:r>
+          </a:p>
+        </p:txBody>
+      </p:sp>
+      <p:sp>
+        <p:nvSpPr>
+          <p:cNvPr id="4" name="Slide Number Placeholder 3"/>
+          <p:cNvSpPr>
+            <a:spLocks noGrp="1"/>
+          </p:cNvSpPr>
+          <p:nvPr>
+            <p:ph type="sldNum" sz="quarter" idx="5"/>
+          </p:nvPr>
+        </p:nvSpPr>
+        <p:spPr/>
+        <p:txBody>
+          <a:bodyPr/>
+          <a:lstStyle/>
+          <a:p>
+            <a:fld id="{54273BDC-7817-48C8-AC9A-82012B735B31}" type="slidenum">
+              <a:rPr lang="en-CA" smtClean="0"/>
+              <a:t>16</a:t>
+            </a:fld>
+            <a:endParaRPr lang="en-CA"/>
+          </a:p>
+        </p:txBody>
+      </p:sp>
+    </p:spTree>
+    <p:extLst>
+      <p:ext uri="{BB962C8B-B14F-4D97-AF65-F5344CB8AC3E}">
+        <p14:creationId xmlns:p14="http://schemas.microsoft.com/office/powerpoint/2010/main" val="3255510752"/>
       </p:ext>
     </p:extLst>
   </p:cSld>
@@ -1362,7 +2074,7 @@
           <a:p>
             <a:fld id="{265315E8-DAEB-C24E-942F-33C6996B33C7}" type="datetimeFigureOut">
               <a:rPr lang="en-US" smtClean="0"/>
-              <a:t>10/20/19</a:t>
+              <a:t>10/21/19</a:t>
             </a:fld>
             <a:endParaRPr lang="en-US"/>
           </a:p>
@@ -1560,7 +2272,7 @@
           <a:p>
             <a:fld id="{265315E8-DAEB-C24E-942F-33C6996B33C7}" type="datetimeFigureOut">
               <a:rPr lang="en-US" smtClean="0"/>
-              <a:t>10/20/19</a:t>
+              <a:t>10/21/19</a:t>
             </a:fld>
             <a:endParaRPr lang="en-US"/>
           </a:p>
@@ -1768,7 +2480,7 @@
           <a:p>
             <a:fld id="{265315E8-DAEB-C24E-942F-33C6996B33C7}" type="datetimeFigureOut">
               <a:rPr lang="en-US" smtClean="0"/>
-              <a:t>10/20/19</a:t>
+              <a:t>10/21/19</a:t>
             </a:fld>
             <a:endParaRPr lang="en-US"/>
           </a:p>
@@ -2707,7 +3419,7 @@
           <a:p>
             <a:fld id="{265315E8-DAEB-C24E-942F-33C6996B33C7}" type="datetimeFigureOut">
               <a:rPr lang="en-US" smtClean="0"/>
-              <a:t>10/20/19</a:t>
+              <a:t>10/21/19</a:t>
             </a:fld>
             <a:endParaRPr lang="en-US"/>
           </a:p>
@@ -2982,7 +3694,7 @@
           <a:p>
             <a:fld id="{265315E8-DAEB-C24E-942F-33C6996B33C7}" type="datetimeFigureOut">
               <a:rPr lang="en-US" smtClean="0"/>
-              <a:t>10/20/19</a:t>
+              <a:t>10/21/19</a:t>
             </a:fld>
             <a:endParaRPr lang="en-US"/>
           </a:p>
@@ -3247,7 +3959,7 @@
           <a:p>
             <a:fld id="{265315E8-DAEB-C24E-942F-33C6996B33C7}" type="datetimeFigureOut">
               <a:rPr lang="en-US" smtClean="0"/>
-              <a:t>10/20/19</a:t>
+              <a:t>10/21/19</a:t>
             </a:fld>
             <a:endParaRPr lang="en-US"/>
           </a:p>
@@ -3659,7 +4371,7 @@
           <a:p>
             <a:fld id="{265315E8-DAEB-C24E-942F-33C6996B33C7}" type="datetimeFigureOut">
               <a:rPr lang="en-US" smtClean="0"/>
-              <a:t>10/20/19</a:t>
+              <a:t>10/21/19</a:t>
             </a:fld>
             <a:endParaRPr lang="en-US"/>
           </a:p>
@@ -3800,7 +4512,7 @@
           <a:p>
             <a:fld id="{265315E8-DAEB-C24E-942F-33C6996B33C7}" type="datetimeFigureOut">
               <a:rPr lang="en-US" smtClean="0"/>
-              <a:t>10/20/19</a:t>
+              <a:t>10/21/19</a:t>
             </a:fld>
             <a:endParaRPr lang="en-US"/>
           </a:p>
@@ -3913,7 +4625,7 @@
           <a:p>
             <a:fld id="{265315E8-DAEB-C24E-942F-33C6996B33C7}" type="datetimeFigureOut">
               <a:rPr lang="en-US" smtClean="0"/>
-              <a:t>10/20/19</a:t>
+              <a:t>10/21/19</a:t>
             </a:fld>
             <a:endParaRPr lang="en-US"/>
           </a:p>
@@ -4224,7 +4936,7 @@
           <a:p>
             <a:fld id="{265315E8-DAEB-C24E-942F-33C6996B33C7}" type="datetimeFigureOut">
               <a:rPr lang="en-US" smtClean="0"/>
-              <a:t>10/20/19</a:t>
+              <a:t>10/21/19</a:t>
             </a:fld>
             <a:endParaRPr lang="en-US"/>
           </a:p>
@@ -4512,7 +5224,7 @@
           <a:p>
             <a:fld id="{265315E8-DAEB-C24E-942F-33C6996B33C7}" type="datetimeFigureOut">
               <a:rPr lang="en-US" smtClean="0"/>
-              <a:t>10/20/19</a:t>
+              <a:t>10/21/19</a:t>
             </a:fld>
             <a:endParaRPr lang="en-US"/>
           </a:p>
@@ -4753,7 +5465,7 @@
           <a:p>
             <a:fld id="{265315E8-DAEB-C24E-942F-33C6996B33C7}" type="datetimeFigureOut">
               <a:rPr lang="en-US" smtClean="0"/>
-              <a:t>10/20/19</a:t>
+              <a:t>10/21/19</a:t>
             </a:fld>
             <a:endParaRPr lang="en-US"/>
           </a:p>
@@ -5237,6 +5949,9 @@
   <p:clrMapOvr>
     <a:masterClrMapping/>
   </p:clrMapOvr>
+  <p:transition spd="slow" advTm="5000">
+    <p:push dir="u"/>
+  </p:transition>
 </p:sld>
 </file>
 
@@ -5788,10 +6503,273 @@
       </p:grpSpPr>
       <p:sp>
         <p:nvSpPr>
+          <p:cNvPr id="41" name="TextShape 1"/>
+          <p:cNvSpPr txBox="1"/>
+          <p:nvPr/>
+        </p:nvSpPr>
+        <p:spPr>
+          <a:xfrm>
+            <a:off x="609755" y="273422"/>
+            <a:ext cx="10971300" cy="1144631"/>
+          </a:xfrm>
+          <a:prstGeom prst="rect">
+            <a:avLst/>
+          </a:prstGeom>
+          <a:noFill/>
+          <a:ln>
+            <a:noFill/>
+          </a:ln>
+        </p:spPr>
+        <p:txBody>
+          <a:bodyPr lIns="0" tIns="0" rIns="0" bIns="0" anchor="ctr"/>
+          <a:lstStyle/>
+          <a:p>
+            <a:pPr algn="ctr"/>
+            <a:r>
+              <a:rPr lang="en-CA" sz="5321" spc="-1">
+                <a:latin typeface="Arial"/>
+              </a:rPr>
+              <a:t>Game Elements:</a:t>
+            </a:r>
+          </a:p>
+        </p:txBody>
+      </p:sp>
+      <p:sp>
+        <p:nvSpPr>
+          <p:cNvPr id="42" name="TextShape 2"/>
+          <p:cNvSpPr txBox="1"/>
+          <p:nvPr/>
+        </p:nvSpPr>
+        <p:spPr>
+          <a:xfrm>
+            <a:off x="609755" y="1306159"/>
+            <a:ext cx="10971300" cy="4410028"/>
+          </a:xfrm>
+          <a:prstGeom prst="rect">
+            <a:avLst/>
+          </a:prstGeom>
+          <a:noFill/>
+          <a:ln>
+            <a:noFill/>
+          </a:ln>
+        </p:spPr>
+        <p:txBody>
+          <a:bodyPr lIns="0" tIns="0" rIns="0" bIns="0"/>
+          <a:lstStyle/>
+          <a:p>
+            <a:r>
+              <a:rPr lang="en-CA" sz="3870" spc="-1">
+                <a:latin typeface="Arial"/>
+              </a:rPr>
+              <a:t>Disks: 				  </a:t>
+            </a:r>
+          </a:p>
+          <a:p>
+            <a:r>
+              <a:rPr lang="en-CA" sz="3870" spc="-1">
+                <a:latin typeface="Arial"/>
+              </a:rPr>
+              <a:t>	Player 1: red  </a:t>
+            </a:r>
+          </a:p>
+          <a:p>
+            <a:r>
+              <a:rPr lang="en-CA" sz="3870" spc="-1">
+                <a:latin typeface="Arial"/>
+              </a:rPr>
+              <a:t>	Player 2: blue</a:t>
+            </a:r>
+          </a:p>
+          <a:p>
+            <a:r>
+              <a:rPr lang="en-CA" sz="3870" spc="-1">
+                <a:latin typeface="Arial"/>
+              </a:rPr>
+              <a:t> </a:t>
+            </a:r>
+          </a:p>
+          <a:p>
+            <a:r>
+              <a:rPr lang="en-CA" sz="3870" spc="-1">
+                <a:latin typeface="Arial"/>
+              </a:rPr>
+              <a:t>Board:</a:t>
+            </a:r>
+          </a:p>
+          <a:p>
+            <a:endParaRPr lang="en-CA" sz="3870" spc="-1">
+              <a:latin typeface="Arial"/>
+            </a:endParaRPr>
+          </a:p>
+        </p:txBody>
+      </p:sp>
+      <p:sp>
+        <p:nvSpPr>
+          <p:cNvPr id="43" name="TextShape 3"/>
+          <p:cNvSpPr txBox="1"/>
+          <p:nvPr/>
+        </p:nvSpPr>
+        <p:spPr>
+          <a:xfrm>
+            <a:off x="6052084" y="1393236"/>
+            <a:ext cx="6182486" cy="1243028"/>
+          </a:xfrm>
+          <a:prstGeom prst="rect">
+            <a:avLst/>
+          </a:prstGeom>
+          <a:noFill/>
+          <a:ln>
+            <a:noFill/>
+          </a:ln>
+        </p:spPr>
+        <p:txBody>
+          <a:bodyPr lIns="108847" tIns="54423" rIns="108847" bIns="54423"/>
+          <a:lstStyle/>
+          <a:p>
+            <a:r>
+              <a:rPr lang="en-CA" sz="2661" spc="-1">
+                <a:latin typeface="Arial"/>
+              </a:rPr>
+              <a:t> - The disk signifying each players 	  position on the board.</a:t>
+            </a:r>
+          </a:p>
+        </p:txBody>
+      </p:sp>
+      <p:sp>
+        <p:nvSpPr>
+          <p:cNvPr id="44" name="TextShape 4"/>
+          <p:cNvSpPr txBox="1"/>
+          <p:nvPr/>
+        </p:nvSpPr>
+        <p:spPr>
+          <a:xfrm>
+            <a:off x="6139161" y="3197913"/>
+            <a:ext cx="5050482" cy="1243028"/>
+          </a:xfrm>
+          <a:prstGeom prst="rect">
+            <a:avLst/>
+          </a:prstGeom>
+          <a:noFill/>
+          <a:ln>
+            <a:noFill/>
+          </a:ln>
+        </p:spPr>
+        <p:txBody>
+          <a:bodyPr lIns="108847" tIns="54423" rIns="108847" bIns="54423"/>
+          <a:lstStyle/>
+          <a:p>
+            <a:r>
+              <a:rPr lang="en-CA" sz="2661" spc="-1">
+                <a:latin typeface="Arial"/>
+              </a:rPr>
+              <a:t>- A 7x6 board that holds the disks and signifies when there are 4 in a row.</a:t>
+            </a:r>
+          </a:p>
+        </p:txBody>
+      </p:sp>
+      <p:sp>
+        <p:nvSpPr>
+          <p:cNvPr id="45" name="TextShape 5"/>
+          <p:cNvSpPr txBox="1"/>
+          <p:nvPr/>
+        </p:nvSpPr>
+        <p:spPr>
+          <a:xfrm>
+            <a:off x="6095622" y="4615095"/>
+            <a:ext cx="5050482" cy="1243028"/>
+          </a:xfrm>
+          <a:prstGeom prst="rect">
+            <a:avLst/>
+          </a:prstGeom>
+          <a:noFill/>
+          <a:ln>
+            <a:noFill/>
+          </a:ln>
+        </p:spPr>
+        <p:txBody>
+          <a:bodyPr lIns="108847" tIns="54423" rIns="108847" bIns="54423"/>
+          <a:lstStyle/>
+          <a:p>
+            <a:r>
+              <a:rPr lang="en-CA" sz="2661" spc="-1">
+                <a:latin typeface="Arial"/>
+              </a:rPr>
+              <a:t>- Navigation buttons to take the user between different views in the game</a:t>
+            </a:r>
+          </a:p>
+        </p:txBody>
+      </p:sp>
+    </p:spTree>
+    <p:extLst>
+      <p:ext uri="{BB962C8B-B14F-4D97-AF65-F5344CB8AC3E}">
+        <p14:creationId xmlns:p14="http://schemas.microsoft.com/office/powerpoint/2010/main" val="614702703"/>
+      </p:ext>
+    </p:extLst>
+  </p:cSld>
+  <p:clrMapOvr>
+    <a:masterClrMapping/>
+  </p:clrMapOvr>
+  <mc:AlternateContent xmlns:mc="http://schemas.openxmlformats.org/markup-compatibility/2006">
+    <mc:Choice xmlns:p14="http://schemas.microsoft.com/office/powerpoint/2010/main" Requires="p14">
+      <p:transition spd="slow" p14:dur="2000" advTm="10000"/>
+    </mc:Choice>
+    <mc:Fallback>
+      <p:transition spd="slow" advTm="10000"/>
+    </mc:Fallback>
+  </mc:AlternateContent>
+  <p:timing>
+    <p:tnLst>
+      <p:par>
+        <p:cTn id="1" dur="indefinite" restart="never" nodeType="tmRoot">
+          <p:childTnLst>
+            <p:seq>
+              <p:cTn id="2" dur="indefinite" nodeType="mainSeq"/>
+              <p:prevCondLst>
+                <p:cond evt="onPrev" delay="0">
+                  <p:tgtEl>
+                    <p:sldTgt/>
+                  </p:tgtEl>
+                </p:cond>
+              </p:prevCondLst>
+              <p:nextCondLst>
+                <p:cond evt="onNext" delay="0">
+                  <p:tgtEl>
+                    <p:sldTgt/>
+                  </p:tgtEl>
+                </p:cond>
+              </p:nextCondLst>
+            </p:seq>
+          </p:childTnLst>
+        </p:cTn>
+      </p:par>
+    </p:tnLst>
+  </p:timing>
+</p:sld>
+</file>
+
+<file path=ppt/slides/slide14.xml><?xml version="1.0" encoding="utf-8"?>
+<p:sld xmlns:a="http://schemas.openxmlformats.org/drawingml/2006/main" xmlns:r="http://schemas.openxmlformats.org/officeDocument/2006/relationships" xmlns:p="http://schemas.openxmlformats.org/presentationml/2006/main">
+  <p:cSld>
+    <p:spTree>
+      <p:nvGrpSpPr>
+        <p:cNvPr id="1" name=""/>
+        <p:cNvGrpSpPr/>
+        <p:nvPr/>
+      </p:nvGrpSpPr>
+      <p:grpSpPr>
+        <a:xfrm>
+          <a:off x="0" y="0"/>
+          <a:ext cx="0" cy="0"/>
+          <a:chOff x="0" y="0"/>
+          <a:chExt cx="0" cy="0"/>
+        </a:xfrm>
+      </p:grpSpPr>
+      <p:sp>
+        <p:nvSpPr>
           <p:cNvPr id="2" name="Title 1">
             <a:extLst>
               <a:ext uri="{FF2B5EF4-FFF2-40B4-BE49-F238E27FC236}">
-                <a16:creationId xmlns:a16="http://schemas.microsoft.com/office/drawing/2014/main" id="{997BA541-99A3-A342-9179-89358ADED9FD}"/>
+                <a16:creationId xmlns:a16="http://schemas.microsoft.com/office/drawing/2014/main" id="{0B7608E4-EA59-4FB8-B60F-331FEA7CFF05}"/>
               </a:ext>
             </a:extLst>
           </p:cNvPr>
@@ -5804,15 +6782,14 @@
         </p:nvSpPr>
         <p:spPr/>
         <p:txBody>
-          <a:bodyPr>
-            <a:normAutofit/>
-          </a:bodyPr>
+          <a:bodyPr/>
           <a:lstStyle/>
           <a:p>
             <a:r>
-              <a:rPr lang="en-US" sz="2800" dirty="0"/>
-              <a:t>Conclusion</a:t>
-            </a:r>
+              <a:rPr lang="en-US" dirty="0"/>
+              <a:t>Game Mechanics</a:t>
+            </a:r>
+            <a:endParaRPr lang="en-CA" dirty="0"/>
           </a:p>
         </p:txBody>
       </p:sp>
@@ -5821,7 +6798,7 @@
           <p:cNvPr id="3" name="Content Placeholder 2">
             <a:extLst>
               <a:ext uri="{FF2B5EF4-FFF2-40B4-BE49-F238E27FC236}">
-                <a16:creationId xmlns:a16="http://schemas.microsoft.com/office/drawing/2014/main" id="{5CF28A43-A201-3B4C-9F96-6F19A4D9D8B8}"/>
+                <a16:creationId xmlns:a16="http://schemas.microsoft.com/office/drawing/2014/main" id="{7452F7E6-AA62-4BE4-B2F4-6AC5C1A0B2ED}"/>
               </a:ext>
             </a:extLst>
           </p:cNvPr>
@@ -5834,8 +6811,8 @@
         </p:nvSpPr>
         <p:spPr>
           <a:xfrm>
-            <a:off x="838200" y="1471448"/>
-            <a:ext cx="10515600" cy="4705515"/>
+            <a:off x="838200" y="1843210"/>
+            <a:ext cx="10515600" cy="4351338"/>
           </a:xfrm>
         </p:spPr>
         <p:txBody>
@@ -5844,114 +6821,6402 @@
           </a:bodyPr>
           <a:lstStyle/>
           <a:p>
-            <a:pPr marL="0" indent="0">
-              <a:buNone/>
-            </a:pPr>
             <a:r>
               <a:rPr lang="en-US" dirty="0"/>
-              <a:t>The main workflow</a:t>
-            </a:r>
-          </a:p>
-          <a:p>
-            <a:pPr marL="0" indent="0">
-              <a:buNone/>
-            </a:pPr>
+              <a:t>How to Play</a:t>
+            </a:r>
+          </a:p>
+          <a:p>
+            <a:pPr lvl="1"/>
             <a:r>
               <a:rPr lang="en-US" dirty="0"/>
-              <a:t>	Show start view from GUI class</a:t>
-            </a:r>
-          </a:p>
-          <a:p>
-            <a:pPr marL="0" indent="0">
-              <a:buNone/>
-            </a:pPr>
-            <a:endParaRPr lang="en-US" dirty="0"/>
-          </a:p>
-          <a:p>
-            <a:pPr marL="0" indent="0">
-              <a:buNone/>
-            </a:pPr>
+              <a:t>4-to-Connect is a computer program based on the classic game Connect 4.</a:t>
+            </a:r>
+          </a:p>
+          <a:p>
+            <a:pPr lvl="1"/>
             <a:r>
               <a:rPr lang="en-US" dirty="0"/>
-              <a:t>	Initialize all instance</a:t>
-            </a:r>
-          </a:p>
-          <a:p>
-            <a:pPr marL="0" indent="0">
-              <a:buNone/>
-            </a:pPr>
-            <a:endParaRPr lang="en-US" dirty="0"/>
-          </a:p>
-          <a:p>
-            <a:pPr marL="0" indent="0">
-              <a:buNone/>
-            </a:pPr>
+              <a:t>Two Players take turns dropping disks into columns with slots.</a:t>
+            </a:r>
+          </a:p>
+          <a:p>
+            <a:pPr lvl="1"/>
             <a:r>
               <a:rPr lang="en-US" dirty="0"/>
-              <a:t>	Running main loop</a:t>
-            </a:r>
-          </a:p>
-          <a:p>
-            <a:pPr marL="0" indent="0">
-              <a:buNone/>
-            </a:pPr>
-            <a:endParaRPr lang="en-US" dirty="0"/>
-          </a:p>
-          <a:p>
-            <a:pPr marL="0" indent="0">
-              <a:buNone/>
-            </a:pPr>
+              <a:t>First player to make a move plays with red disks and the second with yellow.</a:t>
+            </a:r>
+          </a:p>
+          <a:p>
+            <a:pPr lvl="1"/>
             <a:r>
               <a:rPr lang="en-US" dirty="0"/>
-              <a:t>	Throw the result view once board class detect winner</a:t>
-            </a:r>
-          </a:p>
-          <a:p>
-            <a:pPr marL="0" indent="0">
-              <a:buNone/>
-            </a:pPr>
+              <a:t>Once player 1 or 2 claims victory by having 4 disks connected, no more moves can be made.</a:t>
+            </a:r>
+          </a:p>
+          <a:p>
             <a:r>
               <a:rPr lang="en-US" dirty="0"/>
-              <a:t>	</a:t>
-            </a:r>
-          </a:p>
-          <a:p>
-            <a:pPr marL="0" indent="0">
-              <a:buNone/>
-            </a:pPr>
+              <a:t>Rules</a:t>
+            </a:r>
+          </a:p>
+          <a:p>
+            <a:pPr lvl="1"/>
             <a:r>
               <a:rPr lang="en-US" dirty="0"/>
-              <a:t>	Ask for new game ( If so, redo the </a:t>
-            </a:r>
-            <a:r>
-              <a:rPr lang="en-US" dirty="0" err="1"/>
-              <a:t>inilialization</a:t>
-            </a:r>
+              <a:t>Disks are dropped into the last empty slot of the column.</a:t>
+            </a:r>
+          </a:p>
+          <a:p>
+            <a:pPr lvl="1"/>
             <a:r>
               <a:rPr lang="en-US" dirty="0"/>
-              <a:t>)</a:t>
-            </a:r>
-          </a:p>
-          <a:p>
-            <a:pPr marL="0" indent="0">
-              <a:buNone/>
-            </a:pPr>
-            <a:endParaRPr lang="en-US" dirty="0"/>
-          </a:p>
-          <a:p>
-            <a:pPr marL="0" indent="0">
-              <a:buNone/>
-            </a:pPr>
-            <a:endParaRPr lang="en-US" dirty="0"/>
+              <a:t>Players cannot drop a disk in a column that is filled.</a:t>
+            </a:r>
+          </a:p>
+          <a:p>
+            <a:pPr lvl="1"/>
+            <a:r>
+              <a:rPr lang="en-US" dirty="0"/>
+              <a:t>Once all 42 slots are filled, no more moves can be made. The game is finished and no player wins.</a:t>
+            </a:r>
+            <a:endParaRPr lang="en-CA" dirty="0"/>
           </a:p>
         </p:txBody>
       </p:sp>
-      <p:sp>
-        <p:nvSpPr>
-          <p:cNvPr id="7" name="Down Arrow 6">
+    </p:spTree>
+    <p:extLst>
+      <p:ext uri="{BB962C8B-B14F-4D97-AF65-F5344CB8AC3E}">
+        <p14:creationId xmlns:p14="http://schemas.microsoft.com/office/powerpoint/2010/main" val="2404421516"/>
+      </p:ext>
+    </p:extLst>
+  </p:cSld>
+  <p:clrMapOvr>
+    <a:masterClrMapping/>
+  </p:clrMapOvr>
+  <mc:AlternateContent xmlns:mc="http://schemas.openxmlformats.org/markup-compatibility/2006">
+    <mc:Choice xmlns:p14="http://schemas.microsoft.com/office/powerpoint/2010/main" Requires="p14">
+      <p:transition spd="slow" p14:dur="2000" advTm="24000"/>
+    </mc:Choice>
+    <mc:Fallback>
+      <p:transition spd="slow" advTm="24000"/>
+    </mc:Fallback>
+  </mc:AlternateContent>
+</p:sld>
+</file>
+
+<file path=ppt/slides/slide15.xml><?xml version="1.0" encoding="utf-8"?>
+<p:sld xmlns:a="http://schemas.openxmlformats.org/drawingml/2006/main" xmlns:r="http://schemas.openxmlformats.org/officeDocument/2006/relationships" xmlns:p="http://schemas.openxmlformats.org/presentationml/2006/main">
+  <p:cSld>
+    <p:spTree>
+      <p:nvGrpSpPr>
+        <p:cNvPr id="1" name=""/>
+        <p:cNvGrpSpPr/>
+        <p:nvPr/>
+      </p:nvGrpSpPr>
+      <p:grpSpPr>
+        <a:xfrm>
+          <a:off x="0" y="0"/>
+          <a:ext cx="0" cy="0"/>
+          <a:chOff x="0" y="0"/>
+          <a:chExt cx="0" cy="0"/>
+        </a:xfrm>
+      </p:grpSpPr>
+      <p:sp>
+        <p:nvSpPr>
+          <p:cNvPr id="2" name="Title 1">
             <a:extLst>
               <a:ext uri="{FF2B5EF4-FFF2-40B4-BE49-F238E27FC236}">
-                <a16:creationId xmlns:a16="http://schemas.microsoft.com/office/drawing/2014/main" id="{68D436AF-ADB7-F14E-945C-1A026090FDAA}"/>
+                <a16:creationId xmlns:a16="http://schemas.microsoft.com/office/drawing/2014/main" id="{4DD40DA6-E1E1-48D5-B131-41F8E290B71E}"/>
+              </a:ext>
+            </a:extLst>
+          </p:cNvPr>
+          <p:cNvSpPr>
+            <a:spLocks noGrp="1"/>
+          </p:cNvSpPr>
+          <p:nvPr>
+            <p:ph type="title"/>
+          </p:nvPr>
+        </p:nvSpPr>
+        <p:spPr>
+          <a:xfrm>
+            <a:off x="838200" y="346335"/>
+            <a:ext cx="10515600" cy="1325563"/>
+          </a:xfrm>
+        </p:spPr>
+        <p:txBody>
+          <a:bodyPr/>
+          <a:lstStyle/>
+          <a:p>
+            <a:r>
+              <a:rPr lang="en-US" dirty="0"/>
+              <a:t>Input and Output Devices</a:t>
+            </a:r>
+            <a:endParaRPr lang="en-CA" dirty="0"/>
+          </a:p>
+        </p:txBody>
+      </p:sp>
+      <p:sp>
+        <p:nvSpPr>
+          <p:cNvPr id="3" name="Content Placeholder 2">
+            <a:extLst>
+              <a:ext uri="{FF2B5EF4-FFF2-40B4-BE49-F238E27FC236}">
+                <a16:creationId xmlns:a16="http://schemas.microsoft.com/office/drawing/2014/main" id="{763F3084-A7EA-4C4B-B745-F45E6DC79A4E}"/>
+              </a:ext>
+            </a:extLst>
+          </p:cNvPr>
+          <p:cNvSpPr>
+            <a:spLocks noGrp="1"/>
+          </p:cNvSpPr>
+          <p:nvPr>
+            <p:ph idx="1"/>
+          </p:nvPr>
+        </p:nvSpPr>
+        <p:spPr/>
+        <p:txBody>
+          <a:bodyPr/>
+          <a:lstStyle/>
+          <a:p>
+            <a:r>
+              <a:rPr lang="en-US" dirty="0"/>
+              <a:t>Computer Mouse</a:t>
+            </a:r>
+          </a:p>
+          <a:p>
+            <a:pPr lvl="1"/>
+            <a:r>
+              <a:rPr lang="en-US" dirty="0"/>
+              <a:t>User can click above a column to make a move</a:t>
+            </a:r>
+          </a:p>
+          <a:p>
+            <a:pPr lvl="1"/>
+            <a:r>
+              <a:rPr lang="en-US" dirty="0"/>
+              <a:t>User can press several different buttons that show them different views</a:t>
+            </a:r>
+          </a:p>
+          <a:p>
+            <a:r>
+              <a:rPr lang="en-US" dirty="0"/>
+              <a:t>Computer Monitor</a:t>
+            </a:r>
+          </a:p>
+          <a:p>
+            <a:pPr lvl="1"/>
+            <a:r>
+              <a:rPr lang="en-US" dirty="0"/>
+              <a:t>Screen</a:t>
+            </a:r>
+          </a:p>
+          <a:p>
+            <a:pPr lvl="2"/>
+            <a:r>
+              <a:rPr lang="en-US" dirty="0"/>
+              <a:t>Start View</a:t>
+            </a:r>
+          </a:p>
+          <a:p>
+            <a:pPr lvl="2"/>
+            <a:r>
+              <a:rPr lang="en-US" dirty="0"/>
+              <a:t>Help View</a:t>
+            </a:r>
+          </a:p>
+          <a:p>
+            <a:pPr lvl="2"/>
+            <a:r>
+              <a:rPr lang="en-US" dirty="0"/>
+              <a:t>Play View</a:t>
+            </a:r>
+          </a:p>
+          <a:p>
+            <a:pPr lvl="2"/>
+            <a:r>
+              <a:rPr lang="en-US" dirty="0"/>
+              <a:t>End View</a:t>
+            </a:r>
+          </a:p>
+          <a:p>
+            <a:pPr lvl="1"/>
+            <a:endParaRPr lang="en-US" dirty="0"/>
+          </a:p>
+          <a:p>
+            <a:pPr lvl="1"/>
+            <a:endParaRPr lang="en-US" dirty="0"/>
+          </a:p>
+        </p:txBody>
+      </p:sp>
+      <p:grpSp>
+        <p:nvGrpSpPr>
+          <p:cNvPr id="54" name="Group 53">
+            <a:extLst>
+              <a:ext uri="{FF2B5EF4-FFF2-40B4-BE49-F238E27FC236}">
+                <a16:creationId xmlns:a16="http://schemas.microsoft.com/office/drawing/2014/main" id="{3DFF3D6B-F320-4BDE-905F-ECB102E7B732}"/>
+              </a:ext>
+            </a:extLst>
+          </p:cNvPr>
+          <p:cNvGrpSpPr/>
+          <p:nvPr/>
+        </p:nvGrpSpPr>
+        <p:grpSpPr>
+          <a:xfrm>
+            <a:off x="6096000" y="3270344"/>
+            <a:ext cx="3297974" cy="2906619"/>
+            <a:chOff x="5379926" y="1189392"/>
+            <a:chExt cx="4494569" cy="3961220"/>
+          </a:xfrm>
+        </p:grpSpPr>
+        <p:grpSp>
+          <p:nvGrpSpPr>
+            <p:cNvPr id="55" name="Group 54">
+              <a:extLst>
+                <a:ext uri="{FF2B5EF4-FFF2-40B4-BE49-F238E27FC236}">
+                  <a16:creationId xmlns:a16="http://schemas.microsoft.com/office/drawing/2014/main" id="{5AF0A4D1-D8A1-48AD-B603-F84713F5D114}"/>
+                </a:ext>
+              </a:extLst>
+            </p:cNvPr>
+            <p:cNvGrpSpPr/>
+            <p:nvPr/>
+          </p:nvGrpSpPr>
+          <p:grpSpPr>
+            <a:xfrm>
+              <a:off x="5379926" y="1707388"/>
+              <a:ext cx="4494569" cy="3443224"/>
+              <a:chOff x="3319394" y="2383075"/>
+              <a:chExt cx="4672211" cy="3579313"/>
+            </a:xfrm>
+          </p:grpSpPr>
+          <p:sp>
+            <p:nvSpPr>
+              <p:cNvPr id="58" name="Rectangle: Rounded Corners 57">
+                <a:extLst>
+                  <a:ext uri="{FF2B5EF4-FFF2-40B4-BE49-F238E27FC236}">
+                    <a16:creationId xmlns:a16="http://schemas.microsoft.com/office/drawing/2014/main" id="{2D963159-9698-4E6A-A47F-1AE2DB4C9CF7}"/>
+                  </a:ext>
+                </a:extLst>
+              </p:cNvPr>
+              <p:cNvSpPr/>
+              <p:nvPr/>
+            </p:nvSpPr>
+            <p:spPr>
+              <a:xfrm>
+                <a:off x="3319394" y="2383075"/>
+                <a:ext cx="4672211" cy="3579313"/>
+              </a:xfrm>
+              <a:prstGeom prst="roundRect">
+                <a:avLst/>
+              </a:prstGeom>
+            </p:spPr>
+            <p:style>
+              <a:lnRef idx="2">
+                <a:schemeClr val="accent1">
+                  <a:shade val="50000"/>
+                </a:schemeClr>
+              </a:lnRef>
+              <a:fillRef idx="1">
+                <a:schemeClr val="accent1"/>
+              </a:fillRef>
+              <a:effectRef idx="0">
+                <a:schemeClr val="accent1"/>
+              </a:effectRef>
+              <a:fontRef idx="minor">
+                <a:schemeClr val="lt1"/>
+              </a:fontRef>
+            </p:style>
+            <p:txBody>
+              <a:bodyPr rtlCol="0" anchor="ctr"/>
+              <a:lstStyle/>
+              <a:p>
+                <a:pPr algn="ctr"/>
+                <a:endParaRPr lang="en-CA"/>
+              </a:p>
+            </p:txBody>
+          </p:sp>
+          <p:grpSp>
+            <p:nvGrpSpPr>
+              <p:cNvPr id="59" name="Group 58">
+                <a:extLst>
+                  <a:ext uri="{FF2B5EF4-FFF2-40B4-BE49-F238E27FC236}">
+                    <a16:creationId xmlns:a16="http://schemas.microsoft.com/office/drawing/2014/main" id="{83DC709E-727D-4588-BC85-3CB28BEE383C}"/>
+                  </a:ext>
+                </a:extLst>
+              </p:cNvPr>
+              <p:cNvGrpSpPr/>
+              <p:nvPr/>
+            </p:nvGrpSpPr>
+            <p:grpSpPr>
+              <a:xfrm>
+                <a:off x="3555825" y="2482812"/>
+                <a:ext cx="4175515" cy="458608"/>
+                <a:chOff x="3555825" y="2482812"/>
+                <a:chExt cx="4175515" cy="458608"/>
+              </a:xfrm>
+            </p:grpSpPr>
+            <p:sp>
+              <p:nvSpPr>
+                <p:cNvPr id="100" name="Oval 99">
+                  <a:extLst>
+                    <a:ext uri="{FF2B5EF4-FFF2-40B4-BE49-F238E27FC236}">
+                      <a16:creationId xmlns:a16="http://schemas.microsoft.com/office/drawing/2014/main" id="{DB736FCC-BE01-4D61-B947-F717EAD9C0F6}"/>
+                    </a:ext>
+                  </a:extLst>
+                </p:cNvPr>
+                <p:cNvSpPr/>
+                <p:nvPr/>
+              </p:nvSpPr>
+              <p:spPr>
+                <a:xfrm>
+                  <a:off x="3555825" y="2484619"/>
+                  <a:ext cx="450937" cy="450937"/>
+                </a:xfrm>
+                <a:prstGeom prst="ellipse">
+                  <a:avLst/>
+                </a:prstGeom>
+                <a:solidFill>
+                  <a:schemeClr val="bg1"/>
+                </a:solidFill>
+              </p:spPr>
+              <p:style>
+                <a:lnRef idx="2">
+                  <a:schemeClr val="accent1">
+                    <a:shade val="50000"/>
+                  </a:schemeClr>
+                </a:lnRef>
+                <a:fillRef idx="1">
+                  <a:schemeClr val="accent1"/>
+                </a:fillRef>
+                <a:effectRef idx="0">
+                  <a:schemeClr val="accent1"/>
+                </a:effectRef>
+                <a:fontRef idx="minor">
+                  <a:schemeClr val="lt1"/>
+                </a:fontRef>
+              </p:style>
+              <p:txBody>
+                <a:bodyPr rtlCol="0" anchor="ctr"/>
+                <a:lstStyle/>
+                <a:p>
+                  <a:pPr algn="ctr"/>
+                  <a:endParaRPr lang="en-CA" dirty="0"/>
+                </a:p>
+              </p:txBody>
+            </p:sp>
+            <p:sp>
+              <p:nvSpPr>
+                <p:cNvPr id="101" name="Oval 100">
+                  <a:extLst>
+                    <a:ext uri="{FF2B5EF4-FFF2-40B4-BE49-F238E27FC236}">
+                      <a16:creationId xmlns:a16="http://schemas.microsoft.com/office/drawing/2014/main" id="{C74D5BC4-7188-4184-B9A5-2239398C272D}"/>
+                    </a:ext>
+                  </a:extLst>
+                </p:cNvPr>
+                <p:cNvSpPr/>
+                <p:nvPr/>
+              </p:nvSpPr>
+              <p:spPr>
+                <a:xfrm>
+                  <a:off x="4167862" y="2484615"/>
+                  <a:ext cx="450937" cy="450937"/>
+                </a:xfrm>
+                <a:prstGeom prst="ellipse">
+                  <a:avLst/>
+                </a:prstGeom>
+                <a:solidFill>
+                  <a:schemeClr val="bg1"/>
+                </a:solidFill>
+              </p:spPr>
+              <p:style>
+                <a:lnRef idx="2">
+                  <a:schemeClr val="accent1">
+                    <a:shade val="50000"/>
+                  </a:schemeClr>
+                </a:lnRef>
+                <a:fillRef idx="1">
+                  <a:schemeClr val="accent1"/>
+                </a:fillRef>
+                <a:effectRef idx="0">
+                  <a:schemeClr val="accent1"/>
+                </a:effectRef>
+                <a:fontRef idx="minor">
+                  <a:schemeClr val="lt1"/>
+                </a:fontRef>
+              </p:style>
+              <p:txBody>
+                <a:bodyPr rtlCol="0" anchor="ctr"/>
+                <a:lstStyle/>
+                <a:p>
+                  <a:pPr algn="ctr"/>
+                  <a:endParaRPr lang="en-CA" dirty="0"/>
+                </a:p>
+              </p:txBody>
+            </p:sp>
+            <p:sp>
+              <p:nvSpPr>
+                <p:cNvPr id="102" name="Oval 101">
+                  <a:extLst>
+                    <a:ext uri="{FF2B5EF4-FFF2-40B4-BE49-F238E27FC236}">
+                      <a16:creationId xmlns:a16="http://schemas.microsoft.com/office/drawing/2014/main" id="{B5B017F5-004A-4FE1-BFD1-1CF25856ECF1}"/>
+                    </a:ext>
+                  </a:extLst>
+                </p:cNvPr>
+                <p:cNvSpPr/>
+                <p:nvPr/>
+              </p:nvSpPr>
+              <p:spPr>
+                <a:xfrm>
+                  <a:off x="4798013" y="2484615"/>
+                  <a:ext cx="450937" cy="450937"/>
+                </a:xfrm>
+                <a:prstGeom prst="ellipse">
+                  <a:avLst/>
+                </a:prstGeom>
+                <a:solidFill>
+                  <a:schemeClr val="bg1"/>
+                </a:solidFill>
+              </p:spPr>
+              <p:style>
+                <a:lnRef idx="2">
+                  <a:schemeClr val="accent1">
+                    <a:shade val="50000"/>
+                  </a:schemeClr>
+                </a:lnRef>
+                <a:fillRef idx="1">
+                  <a:schemeClr val="accent1"/>
+                </a:fillRef>
+                <a:effectRef idx="0">
+                  <a:schemeClr val="accent1"/>
+                </a:effectRef>
+                <a:fontRef idx="minor">
+                  <a:schemeClr val="lt1"/>
+                </a:fontRef>
+              </p:style>
+              <p:txBody>
+                <a:bodyPr rtlCol="0" anchor="ctr"/>
+                <a:lstStyle/>
+                <a:p>
+                  <a:pPr algn="ctr"/>
+                  <a:endParaRPr lang="en-CA" dirty="0"/>
+                </a:p>
+              </p:txBody>
+            </p:sp>
+            <p:sp>
+              <p:nvSpPr>
+                <p:cNvPr id="103" name="Oval 102">
+                  <a:extLst>
+                    <a:ext uri="{FF2B5EF4-FFF2-40B4-BE49-F238E27FC236}">
+                      <a16:creationId xmlns:a16="http://schemas.microsoft.com/office/drawing/2014/main" id="{7AEC5441-C662-4BB7-B816-6F50D10FA80D}"/>
+                    </a:ext>
+                  </a:extLst>
+                </p:cNvPr>
+                <p:cNvSpPr/>
+                <p:nvPr/>
+              </p:nvSpPr>
+              <p:spPr>
+                <a:xfrm>
+                  <a:off x="5377144" y="2484616"/>
+                  <a:ext cx="450937" cy="450937"/>
+                </a:xfrm>
+                <a:prstGeom prst="ellipse">
+                  <a:avLst/>
+                </a:prstGeom>
+                <a:solidFill>
+                  <a:schemeClr val="bg1"/>
+                </a:solidFill>
+              </p:spPr>
+              <p:style>
+                <a:lnRef idx="2">
+                  <a:schemeClr val="accent1">
+                    <a:shade val="50000"/>
+                  </a:schemeClr>
+                </a:lnRef>
+                <a:fillRef idx="1">
+                  <a:schemeClr val="accent1"/>
+                </a:fillRef>
+                <a:effectRef idx="0">
+                  <a:schemeClr val="accent1"/>
+                </a:effectRef>
+                <a:fontRef idx="minor">
+                  <a:schemeClr val="lt1"/>
+                </a:fontRef>
+              </p:style>
+              <p:txBody>
+                <a:bodyPr rtlCol="0" anchor="ctr"/>
+                <a:lstStyle/>
+                <a:p>
+                  <a:pPr algn="ctr"/>
+                  <a:endParaRPr lang="en-CA" dirty="0"/>
+                </a:p>
+              </p:txBody>
+            </p:sp>
+            <p:sp>
+              <p:nvSpPr>
+                <p:cNvPr id="104" name="Oval 103">
+                  <a:extLst>
+                    <a:ext uri="{FF2B5EF4-FFF2-40B4-BE49-F238E27FC236}">
+                      <a16:creationId xmlns:a16="http://schemas.microsoft.com/office/drawing/2014/main" id="{D8C569FE-BC87-4C9F-8D40-F7A0D7C0ED07}"/>
+                    </a:ext>
+                  </a:extLst>
+                </p:cNvPr>
+                <p:cNvSpPr/>
+                <p:nvPr/>
+              </p:nvSpPr>
+              <p:spPr>
+                <a:xfrm>
+                  <a:off x="6007295" y="2484614"/>
+                  <a:ext cx="450937" cy="450937"/>
+                </a:xfrm>
+                <a:prstGeom prst="ellipse">
+                  <a:avLst/>
+                </a:prstGeom>
+                <a:solidFill>
+                  <a:schemeClr val="bg1"/>
+                </a:solidFill>
+              </p:spPr>
+              <p:style>
+                <a:lnRef idx="2">
+                  <a:schemeClr val="accent1">
+                    <a:shade val="50000"/>
+                  </a:schemeClr>
+                </a:lnRef>
+                <a:fillRef idx="1">
+                  <a:schemeClr val="accent1"/>
+                </a:fillRef>
+                <a:effectRef idx="0">
+                  <a:schemeClr val="accent1"/>
+                </a:effectRef>
+                <a:fontRef idx="minor">
+                  <a:schemeClr val="lt1"/>
+                </a:fontRef>
+              </p:style>
+              <p:txBody>
+                <a:bodyPr rtlCol="0" anchor="ctr"/>
+                <a:lstStyle/>
+                <a:p>
+                  <a:pPr algn="ctr"/>
+                  <a:endParaRPr lang="en-CA" dirty="0"/>
+                </a:p>
+              </p:txBody>
+            </p:sp>
+            <p:sp>
+              <p:nvSpPr>
+                <p:cNvPr id="105" name="Oval 104">
+                  <a:extLst>
+                    <a:ext uri="{FF2B5EF4-FFF2-40B4-BE49-F238E27FC236}">
+                      <a16:creationId xmlns:a16="http://schemas.microsoft.com/office/drawing/2014/main" id="{733CE00C-56EB-4B01-84EF-BE4FFDEE416E}"/>
+                    </a:ext>
+                  </a:extLst>
+                </p:cNvPr>
+                <p:cNvSpPr/>
+                <p:nvPr/>
+              </p:nvSpPr>
+              <p:spPr>
+                <a:xfrm>
+                  <a:off x="6668366" y="2482812"/>
+                  <a:ext cx="450937" cy="450937"/>
+                </a:xfrm>
+                <a:prstGeom prst="ellipse">
+                  <a:avLst/>
+                </a:prstGeom>
+                <a:solidFill>
+                  <a:schemeClr val="bg1"/>
+                </a:solidFill>
+              </p:spPr>
+              <p:style>
+                <a:lnRef idx="2">
+                  <a:schemeClr val="accent1">
+                    <a:shade val="50000"/>
+                  </a:schemeClr>
+                </a:lnRef>
+                <a:fillRef idx="1">
+                  <a:schemeClr val="accent1"/>
+                </a:fillRef>
+                <a:effectRef idx="0">
+                  <a:schemeClr val="accent1"/>
+                </a:effectRef>
+                <a:fontRef idx="minor">
+                  <a:schemeClr val="lt1"/>
+                </a:fontRef>
+              </p:style>
+              <p:txBody>
+                <a:bodyPr rtlCol="0" anchor="ctr"/>
+                <a:lstStyle/>
+                <a:p>
+                  <a:pPr algn="ctr"/>
+                  <a:endParaRPr lang="en-CA" dirty="0"/>
+                </a:p>
+              </p:txBody>
+            </p:sp>
+            <p:sp>
+              <p:nvSpPr>
+                <p:cNvPr id="106" name="Oval 105">
+                  <a:extLst>
+                    <a:ext uri="{FF2B5EF4-FFF2-40B4-BE49-F238E27FC236}">
+                      <a16:creationId xmlns:a16="http://schemas.microsoft.com/office/drawing/2014/main" id="{D464CCED-8DE0-4DC3-BC97-09E2E78F29BA}"/>
+                    </a:ext>
+                  </a:extLst>
+                </p:cNvPr>
+                <p:cNvSpPr/>
+                <p:nvPr/>
+              </p:nvSpPr>
+              <p:spPr>
+                <a:xfrm>
+                  <a:off x="7280403" y="2490483"/>
+                  <a:ext cx="450937" cy="450937"/>
+                </a:xfrm>
+                <a:prstGeom prst="ellipse">
+                  <a:avLst/>
+                </a:prstGeom>
+                <a:solidFill>
+                  <a:schemeClr val="bg1"/>
+                </a:solidFill>
+              </p:spPr>
+              <p:style>
+                <a:lnRef idx="2">
+                  <a:schemeClr val="accent1">
+                    <a:shade val="50000"/>
+                  </a:schemeClr>
+                </a:lnRef>
+                <a:fillRef idx="1">
+                  <a:schemeClr val="accent1"/>
+                </a:fillRef>
+                <a:effectRef idx="0">
+                  <a:schemeClr val="accent1"/>
+                </a:effectRef>
+                <a:fontRef idx="minor">
+                  <a:schemeClr val="lt1"/>
+                </a:fontRef>
+              </p:style>
+              <p:txBody>
+                <a:bodyPr rtlCol="0" anchor="ctr"/>
+                <a:lstStyle/>
+                <a:p>
+                  <a:pPr algn="ctr"/>
+                  <a:endParaRPr lang="en-CA"/>
+                </a:p>
+              </p:txBody>
+            </p:sp>
+          </p:grpSp>
+          <p:grpSp>
+            <p:nvGrpSpPr>
+              <p:cNvPr id="60" name="Group 59">
+                <a:extLst>
+                  <a:ext uri="{FF2B5EF4-FFF2-40B4-BE49-F238E27FC236}">
+                    <a16:creationId xmlns:a16="http://schemas.microsoft.com/office/drawing/2014/main" id="{AEEEF8D1-8736-4B86-AD69-A4E33EDBA3D5}"/>
+                  </a:ext>
+                </a:extLst>
+              </p:cNvPr>
+              <p:cNvGrpSpPr/>
+              <p:nvPr/>
+            </p:nvGrpSpPr>
+            <p:grpSpPr>
+              <a:xfrm>
+                <a:off x="3555825" y="3048828"/>
+                <a:ext cx="4175515" cy="458608"/>
+                <a:chOff x="3555825" y="2482812"/>
+                <a:chExt cx="4175515" cy="458608"/>
+              </a:xfrm>
+            </p:grpSpPr>
+            <p:sp>
+              <p:nvSpPr>
+                <p:cNvPr id="93" name="Oval 92">
+                  <a:extLst>
+                    <a:ext uri="{FF2B5EF4-FFF2-40B4-BE49-F238E27FC236}">
+                      <a16:creationId xmlns:a16="http://schemas.microsoft.com/office/drawing/2014/main" id="{737CCB93-B57D-474D-A211-4D8488F62266}"/>
+                    </a:ext>
+                  </a:extLst>
+                </p:cNvPr>
+                <p:cNvSpPr/>
+                <p:nvPr/>
+              </p:nvSpPr>
+              <p:spPr>
+                <a:xfrm>
+                  <a:off x="3555825" y="2484619"/>
+                  <a:ext cx="450937" cy="450937"/>
+                </a:xfrm>
+                <a:prstGeom prst="ellipse">
+                  <a:avLst/>
+                </a:prstGeom>
+                <a:solidFill>
+                  <a:schemeClr val="bg1"/>
+                </a:solidFill>
+              </p:spPr>
+              <p:style>
+                <a:lnRef idx="2">
+                  <a:schemeClr val="accent1">
+                    <a:shade val="50000"/>
+                  </a:schemeClr>
+                </a:lnRef>
+                <a:fillRef idx="1">
+                  <a:schemeClr val="accent1"/>
+                </a:fillRef>
+                <a:effectRef idx="0">
+                  <a:schemeClr val="accent1"/>
+                </a:effectRef>
+                <a:fontRef idx="minor">
+                  <a:schemeClr val="lt1"/>
+                </a:fontRef>
+              </p:style>
+              <p:txBody>
+                <a:bodyPr rtlCol="0" anchor="ctr"/>
+                <a:lstStyle/>
+                <a:p>
+                  <a:pPr algn="ctr"/>
+                  <a:endParaRPr lang="en-CA"/>
+                </a:p>
+              </p:txBody>
+            </p:sp>
+            <p:sp>
+              <p:nvSpPr>
+                <p:cNvPr id="94" name="Oval 93">
+                  <a:extLst>
+                    <a:ext uri="{FF2B5EF4-FFF2-40B4-BE49-F238E27FC236}">
+                      <a16:creationId xmlns:a16="http://schemas.microsoft.com/office/drawing/2014/main" id="{29DC3B86-6EED-4702-A1BE-9D957D4D68BF}"/>
+                    </a:ext>
+                  </a:extLst>
+                </p:cNvPr>
+                <p:cNvSpPr/>
+                <p:nvPr/>
+              </p:nvSpPr>
+              <p:spPr>
+                <a:xfrm>
+                  <a:off x="4167862" y="2484615"/>
+                  <a:ext cx="450937" cy="450937"/>
+                </a:xfrm>
+                <a:prstGeom prst="ellipse">
+                  <a:avLst/>
+                </a:prstGeom>
+                <a:solidFill>
+                  <a:schemeClr val="bg1"/>
+                </a:solidFill>
+              </p:spPr>
+              <p:style>
+                <a:lnRef idx="2">
+                  <a:schemeClr val="accent1">
+                    <a:shade val="50000"/>
+                  </a:schemeClr>
+                </a:lnRef>
+                <a:fillRef idx="1">
+                  <a:schemeClr val="accent1"/>
+                </a:fillRef>
+                <a:effectRef idx="0">
+                  <a:schemeClr val="accent1"/>
+                </a:effectRef>
+                <a:fontRef idx="minor">
+                  <a:schemeClr val="lt1"/>
+                </a:fontRef>
+              </p:style>
+              <p:txBody>
+                <a:bodyPr rtlCol="0" anchor="ctr"/>
+                <a:lstStyle/>
+                <a:p>
+                  <a:pPr algn="ctr"/>
+                  <a:endParaRPr lang="en-CA" dirty="0"/>
+                </a:p>
+              </p:txBody>
+            </p:sp>
+            <p:sp>
+              <p:nvSpPr>
+                <p:cNvPr id="95" name="Oval 94">
+                  <a:extLst>
+                    <a:ext uri="{FF2B5EF4-FFF2-40B4-BE49-F238E27FC236}">
+                      <a16:creationId xmlns:a16="http://schemas.microsoft.com/office/drawing/2014/main" id="{A8003ECC-926C-4EEE-A4FF-CB9CE3F870AD}"/>
+                    </a:ext>
+                  </a:extLst>
+                </p:cNvPr>
+                <p:cNvSpPr/>
+                <p:nvPr/>
+              </p:nvSpPr>
+              <p:spPr>
+                <a:xfrm>
+                  <a:off x="4798013" y="2484615"/>
+                  <a:ext cx="450937" cy="450937"/>
+                </a:xfrm>
+                <a:prstGeom prst="ellipse">
+                  <a:avLst/>
+                </a:prstGeom>
+                <a:solidFill>
+                  <a:schemeClr val="bg1"/>
+                </a:solidFill>
+              </p:spPr>
+              <p:style>
+                <a:lnRef idx="2">
+                  <a:schemeClr val="accent1">
+                    <a:shade val="50000"/>
+                  </a:schemeClr>
+                </a:lnRef>
+                <a:fillRef idx="1">
+                  <a:schemeClr val="accent1"/>
+                </a:fillRef>
+                <a:effectRef idx="0">
+                  <a:schemeClr val="accent1"/>
+                </a:effectRef>
+                <a:fontRef idx="minor">
+                  <a:schemeClr val="lt1"/>
+                </a:fontRef>
+              </p:style>
+              <p:txBody>
+                <a:bodyPr rtlCol="0" anchor="ctr"/>
+                <a:lstStyle/>
+                <a:p>
+                  <a:pPr algn="ctr"/>
+                  <a:endParaRPr lang="en-CA" dirty="0"/>
+                </a:p>
+              </p:txBody>
+            </p:sp>
+            <p:sp>
+              <p:nvSpPr>
+                <p:cNvPr id="96" name="Oval 95">
+                  <a:extLst>
+                    <a:ext uri="{FF2B5EF4-FFF2-40B4-BE49-F238E27FC236}">
+                      <a16:creationId xmlns:a16="http://schemas.microsoft.com/office/drawing/2014/main" id="{1798A1E6-A1D3-42F5-A6AC-4BF5876A00D1}"/>
+                    </a:ext>
+                  </a:extLst>
+                </p:cNvPr>
+                <p:cNvSpPr/>
+                <p:nvPr/>
+              </p:nvSpPr>
+              <p:spPr>
+                <a:xfrm>
+                  <a:off x="5377144" y="2484616"/>
+                  <a:ext cx="450937" cy="450937"/>
+                </a:xfrm>
+                <a:prstGeom prst="ellipse">
+                  <a:avLst/>
+                </a:prstGeom>
+                <a:solidFill>
+                  <a:schemeClr val="bg1"/>
+                </a:solidFill>
+              </p:spPr>
+              <p:style>
+                <a:lnRef idx="2">
+                  <a:schemeClr val="accent1">
+                    <a:shade val="50000"/>
+                  </a:schemeClr>
+                </a:lnRef>
+                <a:fillRef idx="1">
+                  <a:schemeClr val="accent1"/>
+                </a:fillRef>
+                <a:effectRef idx="0">
+                  <a:schemeClr val="accent1"/>
+                </a:effectRef>
+                <a:fontRef idx="minor">
+                  <a:schemeClr val="lt1"/>
+                </a:fontRef>
+              </p:style>
+              <p:txBody>
+                <a:bodyPr rtlCol="0" anchor="ctr"/>
+                <a:lstStyle/>
+                <a:p>
+                  <a:pPr algn="ctr"/>
+                  <a:endParaRPr lang="en-CA" dirty="0"/>
+                </a:p>
+              </p:txBody>
+            </p:sp>
+            <p:sp>
+              <p:nvSpPr>
+                <p:cNvPr id="97" name="Oval 96">
+                  <a:extLst>
+                    <a:ext uri="{FF2B5EF4-FFF2-40B4-BE49-F238E27FC236}">
+                      <a16:creationId xmlns:a16="http://schemas.microsoft.com/office/drawing/2014/main" id="{29C38E17-2746-45C4-9DD2-4432A662C541}"/>
+                    </a:ext>
+                  </a:extLst>
+                </p:cNvPr>
+                <p:cNvSpPr/>
+                <p:nvPr/>
+              </p:nvSpPr>
+              <p:spPr>
+                <a:xfrm>
+                  <a:off x="6007295" y="2484614"/>
+                  <a:ext cx="450937" cy="450937"/>
+                </a:xfrm>
+                <a:prstGeom prst="ellipse">
+                  <a:avLst/>
+                </a:prstGeom>
+                <a:solidFill>
+                  <a:schemeClr val="bg1"/>
+                </a:solidFill>
+              </p:spPr>
+              <p:style>
+                <a:lnRef idx="2">
+                  <a:schemeClr val="accent1">
+                    <a:shade val="50000"/>
+                  </a:schemeClr>
+                </a:lnRef>
+                <a:fillRef idx="1">
+                  <a:schemeClr val="accent1"/>
+                </a:fillRef>
+                <a:effectRef idx="0">
+                  <a:schemeClr val="accent1"/>
+                </a:effectRef>
+                <a:fontRef idx="minor">
+                  <a:schemeClr val="lt1"/>
+                </a:fontRef>
+              </p:style>
+              <p:txBody>
+                <a:bodyPr rtlCol="0" anchor="ctr"/>
+                <a:lstStyle/>
+                <a:p>
+                  <a:pPr algn="ctr"/>
+                  <a:endParaRPr lang="en-CA" dirty="0"/>
+                </a:p>
+              </p:txBody>
+            </p:sp>
+            <p:sp>
+              <p:nvSpPr>
+                <p:cNvPr id="98" name="Oval 97">
+                  <a:extLst>
+                    <a:ext uri="{FF2B5EF4-FFF2-40B4-BE49-F238E27FC236}">
+                      <a16:creationId xmlns:a16="http://schemas.microsoft.com/office/drawing/2014/main" id="{99D8C0CF-E72E-470C-8852-4809ECE95ADA}"/>
+                    </a:ext>
+                  </a:extLst>
+                </p:cNvPr>
+                <p:cNvSpPr/>
+                <p:nvPr/>
+              </p:nvSpPr>
+              <p:spPr>
+                <a:xfrm>
+                  <a:off x="6668366" y="2482812"/>
+                  <a:ext cx="450937" cy="450937"/>
+                </a:xfrm>
+                <a:prstGeom prst="ellipse">
+                  <a:avLst/>
+                </a:prstGeom>
+                <a:solidFill>
+                  <a:schemeClr val="bg1"/>
+                </a:solidFill>
+              </p:spPr>
+              <p:style>
+                <a:lnRef idx="2">
+                  <a:schemeClr val="accent1">
+                    <a:shade val="50000"/>
+                  </a:schemeClr>
+                </a:lnRef>
+                <a:fillRef idx="1">
+                  <a:schemeClr val="accent1"/>
+                </a:fillRef>
+                <a:effectRef idx="0">
+                  <a:schemeClr val="accent1"/>
+                </a:effectRef>
+                <a:fontRef idx="minor">
+                  <a:schemeClr val="lt1"/>
+                </a:fontRef>
+              </p:style>
+              <p:txBody>
+                <a:bodyPr rtlCol="0" anchor="ctr"/>
+                <a:lstStyle/>
+                <a:p>
+                  <a:pPr algn="ctr"/>
+                  <a:endParaRPr lang="en-CA" dirty="0"/>
+                </a:p>
+              </p:txBody>
+            </p:sp>
+            <p:sp>
+              <p:nvSpPr>
+                <p:cNvPr id="99" name="Oval 98">
+                  <a:extLst>
+                    <a:ext uri="{FF2B5EF4-FFF2-40B4-BE49-F238E27FC236}">
+                      <a16:creationId xmlns:a16="http://schemas.microsoft.com/office/drawing/2014/main" id="{58E360CC-368D-4CEB-9298-A2AD1B092755}"/>
+                    </a:ext>
+                  </a:extLst>
+                </p:cNvPr>
+                <p:cNvSpPr/>
+                <p:nvPr/>
+              </p:nvSpPr>
+              <p:spPr>
+                <a:xfrm>
+                  <a:off x="7280403" y="2490483"/>
+                  <a:ext cx="450937" cy="450937"/>
+                </a:xfrm>
+                <a:prstGeom prst="ellipse">
+                  <a:avLst/>
+                </a:prstGeom>
+                <a:solidFill>
+                  <a:schemeClr val="bg1"/>
+                </a:solidFill>
+              </p:spPr>
+              <p:style>
+                <a:lnRef idx="2">
+                  <a:schemeClr val="accent1">
+                    <a:shade val="50000"/>
+                  </a:schemeClr>
+                </a:lnRef>
+                <a:fillRef idx="1">
+                  <a:schemeClr val="accent1"/>
+                </a:fillRef>
+                <a:effectRef idx="0">
+                  <a:schemeClr val="accent1"/>
+                </a:effectRef>
+                <a:fontRef idx="minor">
+                  <a:schemeClr val="lt1"/>
+                </a:fontRef>
+              </p:style>
+              <p:txBody>
+                <a:bodyPr rtlCol="0" anchor="ctr"/>
+                <a:lstStyle/>
+                <a:p>
+                  <a:pPr algn="ctr"/>
+                  <a:endParaRPr lang="en-CA"/>
+                </a:p>
+              </p:txBody>
+            </p:sp>
+          </p:grpSp>
+          <p:grpSp>
+            <p:nvGrpSpPr>
+              <p:cNvPr id="61" name="Group 60">
+                <a:extLst>
+                  <a:ext uri="{FF2B5EF4-FFF2-40B4-BE49-F238E27FC236}">
+                    <a16:creationId xmlns:a16="http://schemas.microsoft.com/office/drawing/2014/main" id="{8209FA3C-F758-4E44-A989-D43B675F1440}"/>
+                  </a:ext>
+                </a:extLst>
+              </p:cNvPr>
+              <p:cNvGrpSpPr/>
+              <p:nvPr/>
+            </p:nvGrpSpPr>
+            <p:grpSpPr>
+              <a:xfrm>
+                <a:off x="3567741" y="3616646"/>
+                <a:ext cx="4175515" cy="458608"/>
+                <a:chOff x="3555825" y="2482812"/>
+                <a:chExt cx="4175515" cy="458608"/>
+              </a:xfrm>
+            </p:grpSpPr>
+            <p:sp>
+              <p:nvSpPr>
+                <p:cNvPr id="86" name="Oval 85">
+                  <a:extLst>
+                    <a:ext uri="{FF2B5EF4-FFF2-40B4-BE49-F238E27FC236}">
+                      <a16:creationId xmlns:a16="http://schemas.microsoft.com/office/drawing/2014/main" id="{E0778333-AA27-49DD-AAE9-9D94948175DC}"/>
+                    </a:ext>
+                  </a:extLst>
+                </p:cNvPr>
+                <p:cNvSpPr/>
+                <p:nvPr/>
+              </p:nvSpPr>
+              <p:spPr>
+                <a:xfrm>
+                  <a:off x="3555825" y="2484619"/>
+                  <a:ext cx="450937" cy="450937"/>
+                </a:xfrm>
+                <a:prstGeom prst="ellipse">
+                  <a:avLst/>
+                </a:prstGeom>
+                <a:solidFill>
+                  <a:schemeClr val="bg1"/>
+                </a:solidFill>
+              </p:spPr>
+              <p:style>
+                <a:lnRef idx="2">
+                  <a:schemeClr val="accent1">
+                    <a:shade val="50000"/>
+                  </a:schemeClr>
+                </a:lnRef>
+                <a:fillRef idx="1">
+                  <a:schemeClr val="accent1"/>
+                </a:fillRef>
+                <a:effectRef idx="0">
+                  <a:schemeClr val="accent1"/>
+                </a:effectRef>
+                <a:fontRef idx="minor">
+                  <a:schemeClr val="lt1"/>
+                </a:fontRef>
+              </p:style>
+              <p:txBody>
+                <a:bodyPr rtlCol="0" anchor="ctr"/>
+                <a:lstStyle/>
+                <a:p>
+                  <a:pPr algn="ctr"/>
+                  <a:endParaRPr lang="en-CA"/>
+                </a:p>
+              </p:txBody>
+            </p:sp>
+            <p:sp>
+              <p:nvSpPr>
+                <p:cNvPr id="87" name="Oval 86">
+                  <a:extLst>
+                    <a:ext uri="{FF2B5EF4-FFF2-40B4-BE49-F238E27FC236}">
+                      <a16:creationId xmlns:a16="http://schemas.microsoft.com/office/drawing/2014/main" id="{02B22438-C6A6-4233-8F31-F20FAB1D5334}"/>
+                    </a:ext>
+                  </a:extLst>
+                </p:cNvPr>
+                <p:cNvSpPr/>
+                <p:nvPr/>
+              </p:nvSpPr>
+              <p:spPr>
+                <a:xfrm>
+                  <a:off x="4167862" y="2484615"/>
+                  <a:ext cx="450937" cy="450937"/>
+                </a:xfrm>
+                <a:prstGeom prst="ellipse">
+                  <a:avLst/>
+                </a:prstGeom>
+                <a:solidFill>
+                  <a:schemeClr val="bg1"/>
+                </a:solidFill>
+              </p:spPr>
+              <p:style>
+                <a:lnRef idx="2">
+                  <a:schemeClr val="accent1">
+                    <a:shade val="50000"/>
+                  </a:schemeClr>
+                </a:lnRef>
+                <a:fillRef idx="1">
+                  <a:schemeClr val="accent1"/>
+                </a:fillRef>
+                <a:effectRef idx="0">
+                  <a:schemeClr val="accent1"/>
+                </a:effectRef>
+                <a:fontRef idx="minor">
+                  <a:schemeClr val="lt1"/>
+                </a:fontRef>
+              </p:style>
+              <p:txBody>
+                <a:bodyPr rtlCol="0" anchor="ctr"/>
+                <a:lstStyle/>
+                <a:p>
+                  <a:pPr algn="ctr"/>
+                  <a:endParaRPr lang="en-CA" dirty="0"/>
+                </a:p>
+              </p:txBody>
+            </p:sp>
+            <p:sp>
+              <p:nvSpPr>
+                <p:cNvPr id="88" name="Oval 87">
+                  <a:extLst>
+                    <a:ext uri="{FF2B5EF4-FFF2-40B4-BE49-F238E27FC236}">
+                      <a16:creationId xmlns:a16="http://schemas.microsoft.com/office/drawing/2014/main" id="{A1C0A3B1-0B22-4076-B517-21C1D8167B7A}"/>
+                    </a:ext>
+                  </a:extLst>
+                </p:cNvPr>
+                <p:cNvSpPr/>
+                <p:nvPr/>
+              </p:nvSpPr>
+              <p:spPr>
+                <a:xfrm>
+                  <a:off x="4798013" y="2484615"/>
+                  <a:ext cx="450937" cy="450937"/>
+                </a:xfrm>
+                <a:prstGeom prst="ellipse">
+                  <a:avLst/>
+                </a:prstGeom>
+                <a:solidFill>
+                  <a:schemeClr val="bg1"/>
+                </a:solidFill>
+              </p:spPr>
+              <p:style>
+                <a:lnRef idx="2">
+                  <a:schemeClr val="accent1">
+                    <a:shade val="50000"/>
+                  </a:schemeClr>
+                </a:lnRef>
+                <a:fillRef idx="1">
+                  <a:schemeClr val="accent1"/>
+                </a:fillRef>
+                <a:effectRef idx="0">
+                  <a:schemeClr val="accent1"/>
+                </a:effectRef>
+                <a:fontRef idx="minor">
+                  <a:schemeClr val="lt1"/>
+                </a:fontRef>
+              </p:style>
+              <p:txBody>
+                <a:bodyPr rtlCol="0" anchor="ctr"/>
+                <a:lstStyle/>
+                <a:p>
+                  <a:pPr algn="ctr"/>
+                  <a:endParaRPr lang="en-CA" dirty="0"/>
+                </a:p>
+              </p:txBody>
+            </p:sp>
+            <p:sp>
+              <p:nvSpPr>
+                <p:cNvPr id="89" name="Oval 88">
+                  <a:extLst>
+                    <a:ext uri="{FF2B5EF4-FFF2-40B4-BE49-F238E27FC236}">
+                      <a16:creationId xmlns:a16="http://schemas.microsoft.com/office/drawing/2014/main" id="{B5CB7899-EF66-427F-AD9B-C6A99CE4448A}"/>
+                    </a:ext>
+                  </a:extLst>
+                </p:cNvPr>
+                <p:cNvSpPr/>
+                <p:nvPr/>
+              </p:nvSpPr>
+              <p:spPr>
+                <a:xfrm>
+                  <a:off x="5377144" y="2484616"/>
+                  <a:ext cx="450937" cy="450937"/>
+                </a:xfrm>
+                <a:prstGeom prst="ellipse">
+                  <a:avLst/>
+                </a:prstGeom>
+                <a:solidFill>
+                  <a:schemeClr val="bg1"/>
+                </a:solidFill>
+              </p:spPr>
+              <p:style>
+                <a:lnRef idx="2">
+                  <a:schemeClr val="accent1">
+                    <a:shade val="50000"/>
+                  </a:schemeClr>
+                </a:lnRef>
+                <a:fillRef idx="1">
+                  <a:schemeClr val="accent1"/>
+                </a:fillRef>
+                <a:effectRef idx="0">
+                  <a:schemeClr val="accent1"/>
+                </a:effectRef>
+                <a:fontRef idx="minor">
+                  <a:schemeClr val="lt1"/>
+                </a:fontRef>
+              </p:style>
+              <p:txBody>
+                <a:bodyPr rtlCol="0" anchor="ctr"/>
+                <a:lstStyle/>
+                <a:p>
+                  <a:pPr algn="ctr"/>
+                  <a:endParaRPr lang="en-CA" dirty="0"/>
+                </a:p>
+              </p:txBody>
+            </p:sp>
+            <p:sp>
+              <p:nvSpPr>
+                <p:cNvPr id="90" name="Oval 89">
+                  <a:extLst>
+                    <a:ext uri="{FF2B5EF4-FFF2-40B4-BE49-F238E27FC236}">
+                      <a16:creationId xmlns:a16="http://schemas.microsoft.com/office/drawing/2014/main" id="{AE6AF8C7-32E0-422F-9E28-912D4D282619}"/>
+                    </a:ext>
+                  </a:extLst>
+                </p:cNvPr>
+                <p:cNvSpPr/>
+                <p:nvPr/>
+              </p:nvSpPr>
+              <p:spPr>
+                <a:xfrm>
+                  <a:off x="6007295" y="2484614"/>
+                  <a:ext cx="450937" cy="450937"/>
+                </a:xfrm>
+                <a:prstGeom prst="ellipse">
+                  <a:avLst/>
+                </a:prstGeom>
+                <a:solidFill>
+                  <a:schemeClr val="bg1"/>
+                </a:solidFill>
+              </p:spPr>
+              <p:style>
+                <a:lnRef idx="2">
+                  <a:schemeClr val="accent1">
+                    <a:shade val="50000"/>
+                  </a:schemeClr>
+                </a:lnRef>
+                <a:fillRef idx="1">
+                  <a:schemeClr val="accent1"/>
+                </a:fillRef>
+                <a:effectRef idx="0">
+                  <a:schemeClr val="accent1"/>
+                </a:effectRef>
+                <a:fontRef idx="minor">
+                  <a:schemeClr val="lt1"/>
+                </a:fontRef>
+              </p:style>
+              <p:txBody>
+                <a:bodyPr rtlCol="0" anchor="ctr"/>
+                <a:lstStyle/>
+                <a:p>
+                  <a:pPr algn="ctr"/>
+                  <a:endParaRPr lang="en-CA" dirty="0"/>
+                </a:p>
+              </p:txBody>
+            </p:sp>
+            <p:sp>
+              <p:nvSpPr>
+                <p:cNvPr id="91" name="Oval 90">
+                  <a:extLst>
+                    <a:ext uri="{FF2B5EF4-FFF2-40B4-BE49-F238E27FC236}">
+                      <a16:creationId xmlns:a16="http://schemas.microsoft.com/office/drawing/2014/main" id="{56064D27-A669-4EA2-ABBD-58DD5322F051}"/>
+                    </a:ext>
+                  </a:extLst>
+                </p:cNvPr>
+                <p:cNvSpPr/>
+                <p:nvPr/>
+              </p:nvSpPr>
+              <p:spPr>
+                <a:xfrm>
+                  <a:off x="6668366" y="2482812"/>
+                  <a:ext cx="450937" cy="450937"/>
+                </a:xfrm>
+                <a:prstGeom prst="ellipse">
+                  <a:avLst/>
+                </a:prstGeom>
+                <a:solidFill>
+                  <a:schemeClr val="bg1"/>
+                </a:solidFill>
+              </p:spPr>
+              <p:style>
+                <a:lnRef idx="2">
+                  <a:schemeClr val="accent1">
+                    <a:shade val="50000"/>
+                  </a:schemeClr>
+                </a:lnRef>
+                <a:fillRef idx="1">
+                  <a:schemeClr val="accent1"/>
+                </a:fillRef>
+                <a:effectRef idx="0">
+                  <a:schemeClr val="accent1"/>
+                </a:effectRef>
+                <a:fontRef idx="minor">
+                  <a:schemeClr val="lt1"/>
+                </a:fontRef>
+              </p:style>
+              <p:txBody>
+                <a:bodyPr rtlCol="0" anchor="ctr"/>
+                <a:lstStyle/>
+                <a:p>
+                  <a:pPr algn="ctr"/>
+                  <a:endParaRPr lang="en-CA" dirty="0"/>
+                </a:p>
+              </p:txBody>
+            </p:sp>
+            <p:sp>
+              <p:nvSpPr>
+                <p:cNvPr id="92" name="Oval 91">
+                  <a:extLst>
+                    <a:ext uri="{FF2B5EF4-FFF2-40B4-BE49-F238E27FC236}">
+                      <a16:creationId xmlns:a16="http://schemas.microsoft.com/office/drawing/2014/main" id="{E150941B-E85C-45C8-A1AF-361D446E7456}"/>
+                    </a:ext>
+                  </a:extLst>
+                </p:cNvPr>
+                <p:cNvSpPr/>
+                <p:nvPr/>
+              </p:nvSpPr>
+              <p:spPr>
+                <a:xfrm>
+                  <a:off x="7280403" y="2490483"/>
+                  <a:ext cx="450937" cy="450937"/>
+                </a:xfrm>
+                <a:prstGeom prst="ellipse">
+                  <a:avLst/>
+                </a:prstGeom>
+                <a:solidFill>
+                  <a:schemeClr val="bg1"/>
+                </a:solidFill>
+              </p:spPr>
+              <p:style>
+                <a:lnRef idx="2">
+                  <a:schemeClr val="accent1">
+                    <a:shade val="50000"/>
+                  </a:schemeClr>
+                </a:lnRef>
+                <a:fillRef idx="1">
+                  <a:schemeClr val="accent1"/>
+                </a:fillRef>
+                <a:effectRef idx="0">
+                  <a:schemeClr val="accent1"/>
+                </a:effectRef>
+                <a:fontRef idx="minor">
+                  <a:schemeClr val="lt1"/>
+                </a:fontRef>
+              </p:style>
+              <p:txBody>
+                <a:bodyPr rtlCol="0" anchor="ctr"/>
+                <a:lstStyle/>
+                <a:p>
+                  <a:pPr algn="ctr"/>
+                  <a:endParaRPr lang="en-CA"/>
+                </a:p>
+              </p:txBody>
+            </p:sp>
+          </p:grpSp>
+          <p:grpSp>
+            <p:nvGrpSpPr>
+              <p:cNvPr id="62" name="Group 61">
+                <a:extLst>
+                  <a:ext uri="{FF2B5EF4-FFF2-40B4-BE49-F238E27FC236}">
+                    <a16:creationId xmlns:a16="http://schemas.microsoft.com/office/drawing/2014/main" id="{A5378DCB-4CB7-4D7C-AD01-E7665A54B565}"/>
+                  </a:ext>
+                </a:extLst>
+              </p:cNvPr>
+              <p:cNvGrpSpPr/>
+              <p:nvPr/>
+            </p:nvGrpSpPr>
+            <p:grpSpPr>
+              <a:xfrm>
+                <a:off x="3567741" y="4238511"/>
+                <a:ext cx="4175515" cy="458608"/>
+                <a:chOff x="3555825" y="2482812"/>
+                <a:chExt cx="4175515" cy="458608"/>
+              </a:xfrm>
+            </p:grpSpPr>
+            <p:sp>
+              <p:nvSpPr>
+                <p:cNvPr id="79" name="Oval 78">
+                  <a:extLst>
+                    <a:ext uri="{FF2B5EF4-FFF2-40B4-BE49-F238E27FC236}">
+                      <a16:creationId xmlns:a16="http://schemas.microsoft.com/office/drawing/2014/main" id="{12997617-4FD3-4B2D-8A3C-D11ABFE7D85F}"/>
+                    </a:ext>
+                  </a:extLst>
+                </p:cNvPr>
+                <p:cNvSpPr/>
+                <p:nvPr/>
+              </p:nvSpPr>
+              <p:spPr>
+                <a:xfrm>
+                  <a:off x="3555825" y="2484619"/>
+                  <a:ext cx="450937" cy="450937"/>
+                </a:xfrm>
+                <a:prstGeom prst="ellipse">
+                  <a:avLst/>
+                </a:prstGeom>
+                <a:solidFill>
+                  <a:schemeClr val="bg1"/>
+                </a:solidFill>
+              </p:spPr>
+              <p:style>
+                <a:lnRef idx="2">
+                  <a:schemeClr val="accent1">
+                    <a:shade val="50000"/>
+                  </a:schemeClr>
+                </a:lnRef>
+                <a:fillRef idx="1">
+                  <a:schemeClr val="accent1"/>
+                </a:fillRef>
+                <a:effectRef idx="0">
+                  <a:schemeClr val="accent1"/>
+                </a:effectRef>
+                <a:fontRef idx="minor">
+                  <a:schemeClr val="lt1"/>
+                </a:fontRef>
+              </p:style>
+              <p:txBody>
+                <a:bodyPr rtlCol="0" anchor="ctr"/>
+                <a:lstStyle/>
+                <a:p>
+                  <a:pPr algn="ctr"/>
+                  <a:endParaRPr lang="en-CA"/>
+                </a:p>
+              </p:txBody>
+            </p:sp>
+            <p:sp>
+              <p:nvSpPr>
+                <p:cNvPr id="80" name="Oval 79">
+                  <a:extLst>
+                    <a:ext uri="{FF2B5EF4-FFF2-40B4-BE49-F238E27FC236}">
+                      <a16:creationId xmlns:a16="http://schemas.microsoft.com/office/drawing/2014/main" id="{926FC65E-2CF4-4F0B-8F40-3D00A156108F}"/>
+                    </a:ext>
+                  </a:extLst>
+                </p:cNvPr>
+                <p:cNvSpPr/>
+                <p:nvPr/>
+              </p:nvSpPr>
+              <p:spPr>
+                <a:xfrm>
+                  <a:off x="4167862" y="2484615"/>
+                  <a:ext cx="450937" cy="450937"/>
+                </a:xfrm>
+                <a:prstGeom prst="ellipse">
+                  <a:avLst/>
+                </a:prstGeom>
+                <a:solidFill>
+                  <a:schemeClr val="bg1"/>
+                </a:solidFill>
+              </p:spPr>
+              <p:style>
+                <a:lnRef idx="2">
+                  <a:schemeClr val="accent1">
+                    <a:shade val="50000"/>
+                  </a:schemeClr>
+                </a:lnRef>
+                <a:fillRef idx="1">
+                  <a:schemeClr val="accent1"/>
+                </a:fillRef>
+                <a:effectRef idx="0">
+                  <a:schemeClr val="accent1"/>
+                </a:effectRef>
+                <a:fontRef idx="minor">
+                  <a:schemeClr val="lt1"/>
+                </a:fontRef>
+              </p:style>
+              <p:txBody>
+                <a:bodyPr rtlCol="0" anchor="ctr"/>
+                <a:lstStyle/>
+                <a:p>
+                  <a:pPr algn="ctr"/>
+                  <a:endParaRPr lang="en-CA" dirty="0"/>
+                </a:p>
+              </p:txBody>
+            </p:sp>
+            <p:sp>
+              <p:nvSpPr>
+                <p:cNvPr id="81" name="Oval 80">
+                  <a:extLst>
+                    <a:ext uri="{FF2B5EF4-FFF2-40B4-BE49-F238E27FC236}">
+                      <a16:creationId xmlns:a16="http://schemas.microsoft.com/office/drawing/2014/main" id="{B840E2D4-CFAE-41F4-9313-2AE545517D36}"/>
+                    </a:ext>
+                  </a:extLst>
+                </p:cNvPr>
+                <p:cNvSpPr/>
+                <p:nvPr/>
+              </p:nvSpPr>
+              <p:spPr>
+                <a:xfrm>
+                  <a:off x="4798013" y="2484615"/>
+                  <a:ext cx="450937" cy="450937"/>
+                </a:xfrm>
+                <a:prstGeom prst="ellipse">
+                  <a:avLst/>
+                </a:prstGeom>
+                <a:solidFill>
+                  <a:schemeClr val="bg1"/>
+                </a:solidFill>
+              </p:spPr>
+              <p:style>
+                <a:lnRef idx="2">
+                  <a:schemeClr val="accent1">
+                    <a:shade val="50000"/>
+                  </a:schemeClr>
+                </a:lnRef>
+                <a:fillRef idx="1">
+                  <a:schemeClr val="accent1"/>
+                </a:fillRef>
+                <a:effectRef idx="0">
+                  <a:schemeClr val="accent1"/>
+                </a:effectRef>
+                <a:fontRef idx="minor">
+                  <a:schemeClr val="lt1"/>
+                </a:fontRef>
+              </p:style>
+              <p:txBody>
+                <a:bodyPr rtlCol="0" anchor="ctr"/>
+                <a:lstStyle/>
+                <a:p>
+                  <a:pPr algn="ctr"/>
+                  <a:endParaRPr lang="en-CA" dirty="0"/>
+                </a:p>
+              </p:txBody>
+            </p:sp>
+            <p:sp>
+              <p:nvSpPr>
+                <p:cNvPr id="82" name="Oval 81">
+                  <a:extLst>
+                    <a:ext uri="{FF2B5EF4-FFF2-40B4-BE49-F238E27FC236}">
+                      <a16:creationId xmlns:a16="http://schemas.microsoft.com/office/drawing/2014/main" id="{5FC22A26-A7E6-4093-AC28-0422CF015247}"/>
+                    </a:ext>
+                  </a:extLst>
+                </p:cNvPr>
+                <p:cNvSpPr/>
+                <p:nvPr/>
+              </p:nvSpPr>
+              <p:spPr>
+                <a:xfrm>
+                  <a:off x="5377144" y="2484616"/>
+                  <a:ext cx="450937" cy="450937"/>
+                </a:xfrm>
+                <a:prstGeom prst="ellipse">
+                  <a:avLst/>
+                </a:prstGeom>
+                <a:solidFill>
+                  <a:schemeClr val="bg1"/>
+                </a:solidFill>
+              </p:spPr>
+              <p:style>
+                <a:lnRef idx="2">
+                  <a:schemeClr val="accent1">
+                    <a:shade val="50000"/>
+                  </a:schemeClr>
+                </a:lnRef>
+                <a:fillRef idx="1">
+                  <a:schemeClr val="accent1"/>
+                </a:fillRef>
+                <a:effectRef idx="0">
+                  <a:schemeClr val="accent1"/>
+                </a:effectRef>
+                <a:fontRef idx="minor">
+                  <a:schemeClr val="lt1"/>
+                </a:fontRef>
+              </p:style>
+              <p:txBody>
+                <a:bodyPr rtlCol="0" anchor="ctr"/>
+                <a:lstStyle/>
+                <a:p>
+                  <a:pPr algn="ctr"/>
+                  <a:endParaRPr lang="en-CA" dirty="0"/>
+                </a:p>
+              </p:txBody>
+            </p:sp>
+            <p:sp>
+              <p:nvSpPr>
+                <p:cNvPr id="83" name="Oval 82">
+                  <a:extLst>
+                    <a:ext uri="{FF2B5EF4-FFF2-40B4-BE49-F238E27FC236}">
+                      <a16:creationId xmlns:a16="http://schemas.microsoft.com/office/drawing/2014/main" id="{F25A4215-2779-46F7-8CCE-85A0DAE8BC1E}"/>
+                    </a:ext>
+                  </a:extLst>
+                </p:cNvPr>
+                <p:cNvSpPr/>
+                <p:nvPr/>
+              </p:nvSpPr>
+              <p:spPr>
+                <a:xfrm>
+                  <a:off x="6007295" y="2484614"/>
+                  <a:ext cx="450937" cy="450937"/>
+                </a:xfrm>
+                <a:prstGeom prst="ellipse">
+                  <a:avLst/>
+                </a:prstGeom>
+                <a:solidFill>
+                  <a:schemeClr val="bg1"/>
+                </a:solidFill>
+              </p:spPr>
+              <p:style>
+                <a:lnRef idx="2">
+                  <a:schemeClr val="accent1">
+                    <a:shade val="50000"/>
+                  </a:schemeClr>
+                </a:lnRef>
+                <a:fillRef idx="1">
+                  <a:schemeClr val="accent1"/>
+                </a:fillRef>
+                <a:effectRef idx="0">
+                  <a:schemeClr val="accent1"/>
+                </a:effectRef>
+                <a:fontRef idx="minor">
+                  <a:schemeClr val="lt1"/>
+                </a:fontRef>
+              </p:style>
+              <p:txBody>
+                <a:bodyPr rtlCol="0" anchor="ctr"/>
+                <a:lstStyle/>
+                <a:p>
+                  <a:pPr algn="ctr"/>
+                  <a:endParaRPr lang="en-CA" dirty="0"/>
+                </a:p>
+              </p:txBody>
+            </p:sp>
+            <p:sp>
+              <p:nvSpPr>
+                <p:cNvPr id="84" name="Oval 83">
+                  <a:extLst>
+                    <a:ext uri="{FF2B5EF4-FFF2-40B4-BE49-F238E27FC236}">
+                      <a16:creationId xmlns:a16="http://schemas.microsoft.com/office/drawing/2014/main" id="{7B42D206-5A82-459D-8661-24B3E9D9DD2B}"/>
+                    </a:ext>
+                  </a:extLst>
+                </p:cNvPr>
+                <p:cNvSpPr/>
+                <p:nvPr/>
+              </p:nvSpPr>
+              <p:spPr>
+                <a:xfrm>
+                  <a:off x="6668366" y="2482812"/>
+                  <a:ext cx="450937" cy="450937"/>
+                </a:xfrm>
+                <a:prstGeom prst="ellipse">
+                  <a:avLst/>
+                </a:prstGeom>
+                <a:solidFill>
+                  <a:schemeClr val="bg1"/>
+                </a:solidFill>
+              </p:spPr>
+              <p:style>
+                <a:lnRef idx="2">
+                  <a:schemeClr val="accent1">
+                    <a:shade val="50000"/>
+                  </a:schemeClr>
+                </a:lnRef>
+                <a:fillRef idx="1">
+                  <a:schemeClr val="accent1"/>
+                </a:fillRef>
+                <a:effectRef idx="0">
+                  <a:schemeClr val="accent1"/>
+                </a:effectRef>
+                <a:fontRef idx="minor">
+                  <a:schemeClr val="lt1"/>
+                </a:fontRef>
+              </p:style>
+              <p:txBody>
+                <a:bodyPr rtlCol="0" anchor="ctr"/>
+                <a:lstStyle/>
+                <a:p>
+                  <a:pPr algn="ctr"/>
+                  <a:endParaRPr lang="en-CA" dirty="0"/>
+                </a:p>
+              </p:txBody>
+            </p:sp>
+            <p:sp>
+              <p:nvSpPr>
+                <p:cNvPr id="85" name="Oval 84">
+                  <a:extLst>
+                    <a:ext uri="{FF2B5EF4-FFF2-40B4-BE49-F238E27FC236}">
+                      <a16:creationId xmlns:a16="http://schemas.microsoft.com/office/drawing/2014/main" id="{12524836-C8DA-4F98-988A-0571BDC4EB73}"/>
+                    </a:ext>
+                  </a:extLst>
+                </p:cNvPr>
+                <p:cNvSpPr/>
+                <p:nvPr/>
+              </p:nvSpPr>
+              <p:spPr>
+                <a:xfrm>
+                  <a:off x="7280403" y="2490483"/>
+                  <a:ext cx="450937" cy="450937"/>
+                </a:xfrm>
+                <a:prstGeom prst="ellipse">
+                  <a:avLst/>
+                </a:prstGeom>
+                <a:solidFill>
+                  <a:schemeClr val="bg1"/>
+                </a:solidFill>
+              </p:spPr>
+              <p:style>
+                <a:lnRef idx="2">
+                  <a:schemeClr val="accent1">
+                    <a:shade val="50000"/>
+                  </a:schemeClr>
+                </a:lnRef>
+                <a:fillRef idx="1">
+                  <a:schemeClr val="accent1"/>
+                </a:fillRef>
+                <a:effectRef idx="0">
+                  <a:schemeClr val="accent1"/>
+                </a:effectRef>
+                <a:fontRef idx="minor">
+                  <a:schemeClr val="lt1"/>
+                </a:fontRef>
+              </p:style>
+              <p:txBody>
+                <a:bodyPr rtlCol="0" anchor="ctr"/>
+                <a:lstStyle/>
+                <a:p>
+                  <a:pPr algn="ctr"/>
+                  <a:endParaRPr lang="en-CA"/>
+                </a:p>
+              </p:txBody>
+            </p:sp>
+          </p:grpSp>
+          <p:grpSp>
+            <p:nvGrpSpPr>
+              <p:cNvPr id="63" name="Group 62">
+                <a:extLst>
+                  <a:ext uri="{FF2B5EF4-FFF2-40B4-BE49-F238E27FC236}">
+                    <a16:creationId xmlns:a16="http://schemas.microsoft.com/office/drawing/2014/main" id="{A9BACBC6-5534-4503-9D26-F396B1E420F4}"/>
+                  </a:ext>
+                </a:extLst>
+              </p:cNvPr>
+              <p:cNvGrpSpPr/>
+              <p:nvPr/>
+            </p:nvGrpSpPr>
+            <p:grpSpPr>
+              <a:xfrm>
+                <a:off x="3570112" y="4822406"/>
+                <a:ext cx="4175515" cy="458608"/>
+                <a:chOff x="3555825" y="2482812"/>
+                <a:chExt cx="4175515" cy="458608"/>
+              </a:xfrm>
+            </p:grpSpPr>
+            <p:sp>
+              <p:nvSpPr>
+                <p:cNvPr id="72" name="Oval 71">
+                  <a:extLst>
+                    <a:ext uri="{FF2B5EF4-FFF2-40B4-BE49-F238E27FC236}">
+                      <a16:creationId xmlns:a16="http://schemas.microsoft.com/office/drawing/2014/main" id="{EB68370A-AA1F-4B63-B8E1-8F33ADF2AFD9}"/>
+                    </a:ext>
+                  </a:extLst>
+                </p:cNvPr>
+                <p:cNvSpPr/>
+                <p:nvPr/>
+              </p:nvSpPr>
+              <p:spPr>
+                <a:xfrm>
+                  <a:off x="3555825" y="2484619"/>
+                  <a:ext cx="450937" cy="450937"/>
+                </a:xfrm>
+                <a:prstGeom prst="ellipse">
+                  <a:avLst/>
+                </a:prstGeom>
+                <a:solidFill>
+                  <a:schemeClr val="bg1"/>
+                </a:solidFill>
+              </p:spPr>
+              <p:style>
+                <a:lnRef idx="2">
+                  <a:schemeClr val="accent1">
+                    <a:shade val="50000"/>
+                  </a:schemeClr>
+                </a:lnRef>
+                <a:fillRef idx="1">
+                  <a:schemeClr val="accent1"/>
+                </a:fillRef>
+                <a:effectRef idx="0">
+                  <a:schemeClr val="accent1"/>
+                </a:effectRef>
+                <a:fontRef idx="minor">
+                  <a:schemeClr val="lt1"/>
+                </a:fontRef>
+              </p:style>
+              <p:txBody>
+                <a:bodyPr rtlCol="0" anchor="ctr"/>
+                <a:lstStyle/>
+                <a:p>
+                  <a:pPr algn="ctr"/>
+                  <a:endParaRPr lang="en-CA"/>
+                </a:p>
+              </p:txBody>
+            </p:sp>
+            <p:sp>
+              <p:nvSpPr>
+                <p:cNvPr id="73" name="Oval 72">
+                  <a:extLst>
+                    <a:ext uri="{FF2B5EF4-FFF2-40B4-BE49-F238E27FC236}">
+                      <a16:creationId xmlns:a16="http://schemas.microsoft.com/office/drawing/2014/main" id="{7EEB567F-71BE-419A-AC4C-4CA8D2125768}"/>
+                    </a:ext>
+                  </a:extLst>
+                </p:cNvPr>
+                <p:cNvSpPr/>
+                <p:nvPr/>
+              </p:nvSpPr>
+              <p:spPr>
+                <a:xfrm>
+                  <a:off x="4167862" y="2484615"/>
+                  <a:ext cx="450937" cy="450937"/>
+                </a:xfrm>
+                <a:prstGeom prst="ellipse">
+                  <a:avLst/>
+                </a:prstGeom>
+                <a:solidFill>
+                  <a:schemeClr val="bg1"/>
+                </a:solidFill>
+              </p:spPr>
+              <p:style>
+                <a:lnRef idx="2">
+                  <a:schemeClr val="accent1">
+                    <a:shade val="50000"/>
+                  </a:schemeClr>
+                </a:lnRef>
+                <a:fillRef idx="1">
+                  <a:schemeClr val="accent1"/>
+                </a:fillRef>
+                <a:effectRef idx="0">
+                  <a:schemeClr val="accent1"/>
+                </a:effectRef>
+                <a:fontRef idx="minor">
+                  <a:schemeClr val="lt1"/>
+                </a:fontRef>
+              </p:style>
+              <p:txBody>
+                <a:bodyPr rtlCol="0" anchor="ctr"/>
+                <a:lstStyle/>
+                <a:p>
+                  <a:pPr algn="ctr"/>
+                  <a:endParaRPr lang="en-CA" dirty="0"/>
+                </a:p>
+              </p:txBody>
+            </p:sp>
+            <p:sp>
+              <p:nvSpPr>
+                <p:cNvPr id="74" name="Oval 73">
+                  <a:extLst>
+                    <a:ext uri="{FF2B5EF4-FFF2-40B4-BE49-F238E27FC236}">
+                      <a16:creationId xmlns:a16="http://schemas.microsoft.com/office/drawing/2014/main" id="{F6BFE538-BEFC-4E25-A41A-05912713D86D}"/>
+                    </a:ext>
+                  </a:extLst>
+                </p:cNvPr>
+                <p:cNvSpPr/>
+                <p:nvPr/>
+              </p:nvSpPr>
+              <p:spPr>
+                <a:xfrm>
+                  <a:off x="4798013" y="2484615"/>
+                  <a:ext cx="450937" cy="450937"/>
+                </a:xfrm>
+                <a:prstGeom prst="ellipse">
+                  <a:avLst/>
+                </a:prstGeom>
+                <a:solidFill>
+                  <a:schemeClr val="bg1"/>
+                </a:solidFill>
+              </p:spPr>
+              <p:style>
+                <a:lnRef idx="2">
+                  <a:schemeClr val="accent1">
+                    <a:shade val="50000"/>
+                  </a:schemeClr>
+                </a:lnRef>
+                <a:fillRef idx="1">
+                  <a:schemeClr val="accent1"/>
+                </a:fillRef>
+                <a:effectRef idx="0">
+                  <a:schemeClr val="accent1"/>
+                </a:effectRef>
+                <a:fontRef idx="minor">
+                  <a:schemeClr val="lt1"/>
+                </a:fontRef>
+              </p:style>
+              <p:txBody>
+                <a:bodyPr rtlCol="0" anchor="ctr"/>
+                <a:lstStyle/>
+                <a:p>
+                  <a:pPr algn="ctr"/>
+                  <a:endParaRPr lang="en-CA" dirty="0"/>
+                </a:p>
+              </p:txBody>
+            </p:sp>
+            <p:sp>
+              <p:nvSpPr>
+                <p:cNvPr id="75" name="Oval 74">
+                  <a:extLst>
+                    <a:ext uri="{FF2B5EF4-FFF2-40B4-BE49-F238E27FC236}">
+                      <a16:creationId xmlns:a16="http://schemas.microsoft.com/office/drawing/2014/main" id="{BB3E202F-AADD-4478-B378-6EE26FBF7782}"/>
+                    </a:ext>
+                  </a:extLst>
+                </p:cNvPr>
+                <p:cNvSpPr/>
+                <p:nvPr/>
+              </p:nvSpPr>
+              <p:spPr>
+                <a:xfrm>
+                  <a:off x="5377144" y="2484616"/>
+                  <a:ext cx="450937" cy="450937"/>
+                </a:xfrm>
+                <a:prstGeom prst="ellipse">
+                  <a:avLst/>
+                </a:prstGeom>
+                <a:solidFill>
+                  <a:schemeClr val="bg1"/>
+                </a:solidFill>
+              </p:spPr>
+              <p:style>
+                <a:lnRef idx="2">
+                  <a:schemeClr val="accent1">
+                    <a:shade val="50000"/>
+                  </a:schemeClr>
+                </a:lnRef>
+                <a:fillRef idx="1">
+                  <a:schemeClr val="accent1"/>
+                </a:fillRef>
+                <a:effectRef idx="0">
+                  <a:schemeClr val="accent1"/>
+                </a:effectRef>
+                <a:fontRef idx="minor">
+                  <a:schemeClr val="lt1"/>
+                </a:fontRef>
+              </p:style>
+              <p:txBody>
+                <a:bodyPr rtlCol="0" anchor="ctr"/>
+                <a:lstStyle/>
+                <a:p>
+                  <a:pPr algn="ctr"/>
+                  <a:endParaRPr lang="en-CA" dirty="0"/>
+                </a:p>
+              </p:txBody>
+            </p:sp>
+            <p:sp>
+              <p:nvSpPr>
+                <p:cNvPr id="76" name="Oval 75">
+                  <a:extLst>
+                    <a:ext uri="{FF2B5EF4-FFF2-40B4-BE49-F238E27FC236}">
+                      <a16:creationId xmlns:a16="http://schemas.microsoft.com/office/drawing/2014/main" id="{93AA38D2-C86F-4B41-B559-D514231D5859}"/>
+                    </a:ext>
+                  </a:extLst>
+                </p:cNvPr>
+                <p:cNvSpPr/>
+                <p:nvPr/>
+              </p:nvSpPr>
+              <p:spPr>
+                <a:xfrm>
+                  <a:off x="6007295" y="2484614"/>
+                  <a:ext cx="450937" cy="450937"/>
+                </a:xfrm>
+                <a:prstGeom prst="ellipse">
+                  <a:avLst/>
+                </a:prstGeom>
+                <a:solidFill>
+                  <a:schemeClr val="bg1"/>
+                </a:solidFill>
+              </p:spPr>
+              <p:style>
+                <a:lnRef idx="2">
+                  <a:schemeClr val="accent1">
+                    <a:shade val="50000"/>
+                  </a:schemeClr>
+                </a:lnRef>
+                <a:fillRef idx="1">
+                  <a:schemeClr val="accent1"/>
+                </a:fillRef>
+                <a:effectRef idx="0">
+                  <a:schemeClr val="accent1"/>
+                </a:effectRef>
+                <a:fontRef idx="minor">
+                  <a:schemeClr val="lt1"/>
+                </a:fontRef>
+              </p:style>
+              <p:txBody>
+                <a:bodyPr rtlCol="0" anchor="ctr"/>
+                <a:lstStyle/>
+                <a:p>
+                  <a:pPr algn="ctr"/>
+                  <a:endParaRPr lang="en-CA" dirty="0"/>
+                </a:p>
+              </p:txBody>
+            </p:sp>
+            <p:sp>
+              <p:nvSpPr>
+                <p:cNvPr id="77" name="Oval 76">
+                  <a:extLst>
+                    <a:ext uri="{FF2B5EF4-FFF2-40B4-BE49-F238E27FC236}">
+                      <a16:creationId xmlns:a16="http://schemas.microsoft.com/office/drawing/2014/main" id="{A165864B-06FF-4716-97DC-B7B6BCAA1273}"/>
+                    </a:ext>
+                  </a:extLst>
+                </p:cNvPr>
+                <p:cNvSpPr/>
+                <p:nvPr/>
+              </p:nvSpPr>
+              <p:spPr>
+                <a:xfrm>
+                  <a:off x="6668366" y="2482812"/>
+                  <a:ext cx="450937" cy="450937"/>
+                </a:xfrm>
+                <a:prstGeom prst="ellipse">
+                  <a:avLst/>
+                </a:prstGeom>
+                <a:solidFill>
+                  <a:schemeClr val="bg1"/>
+                </a:solidFill>
+              </p:spPr>
+              <p:style>
+                <a:lnRef idx="2">
+                  <a:schemeClr val="accent1">
+                    <a:shade val="50000"/>
+                  </a:schemeClr>
+                </a:lnRef>
+                <a:fillRef idx="1">
+                  <a:schemeClr val="accent1"/>
+                </a:fillRef>
+                <a:effectRef idx="0">
+                  <a:schemeClr val="accent1"/>
+                </a:effectRef>
+                <a:fontRef idx="minor">
+                  <a:schemeClr val="lt1"/>
+                </a:fontRef>
+              </p:style>
+              <p:txBody>
+                <a:bodyPr rtlCol="0" anchor="ctr"/>
+                <a:lstStyle/>
+                <a:p>
+                  <a:pPr algn="ctr"/>
+                  <a:endParaRPr lang="en-CA" dirty="0"/>
+                </a:p>
+              </p:txBody>
+            </p:sp>
+            <p:sp>
+              <p:nvSpPr>
+                <p:cNvPr id="78" name="Oval 77">
+                  <a:extLst>
+                    <a:ext uri="{FF2B5EF4-FFF2-40B4-BE49-F238E27FC236}">
+                      <a16:creationId xmlns:a16="http://schemas.microsoft.com/office/drawing/2014/main" id="{20DECC42-2686-408F-8FB1-1555494844F8}"/>
+                    </a:ext>
+                  </a:extLst>
+                </p:cNvPr>
+                <p:cNvSpPr/>
+                <p:nvPr/>
+              </p:nvSpPr>
+              <p:spPr>
+                <a:xfrm>
+                  <a:off x="7280403" y="2490483"/>
+                  <a:ext cx="450937" cy="450937"/>
+                </a:xfrm>
+                <a:prstGeom prst="ellipse">
+                  <a:avLst/>
+                </a:prstGeom>
+                <a:solidFill>
+                  <a:schemeClr val="bg1"/>
+                </a:solidFill>
+              </p:spPr>
+              <p:style>
+                <a:lnRef idx="2">
+                  <a:schemeClr val="accent1">
+                    <a:shade val="50000"/>
+                  </a:schemeClr>
+                </a:lnRef>
+                <a:fillRef idx="1">
+                  <a:schemeClr val="accent1"/>
+                </a:fillRef>
+                <a:effectRef idx="0">
+                  <a:schemeClr val="accent1"/>
+                </a:effectRef>
+                <a:fontRef idx="minor">
+                  <a:schemeClr val="lt1"/>
+                </a:fontRef>
+              </p:style>
+              <p:txBody>
+                <a:bodyPr rtlCol="0" anchor="ctr"/>
+                <a:lstStyle/>
+                <a:p>
+                  <a:pPr algn="ctr"/>
+                  <a:endParaRPr lang="en-CA"/>
+                </a:p>
+              </p:txBody>
+            </p:sp>
+          </p:grpSp>
+          <p:grpSp>
+            <p:nvGrpSpPr>
+              <p:cNvPr id="64" name="Group 63">
+                <a:extLst>
+                  <a:ext uri="{FF2B5EF4-FFF2-40B4-BE49-F238E27FC236}">
+                    <a16:creationId xmlns:a16="http://schemas.microsoft.com/office/drawing/2014/main" id="{6ACC6B8A-C301-4901-BA83-5CB732C949BA}"/>
+                  </a:ext>
+                </a:extLst>
+              </p:cNvPr>
+              <p:cNvGrpSpPr/>
+              <p:nvPr/>
+            </p:nvGrpSpPr>
+            <p:grpSpPr>
+              <a:xfrm>
+                <a:off x="3567741" y="5398631"/>
+                <a:ext cx="4175515" cy="458608"/>
+                <a:chOff x="3555825" y="2482812"/>
+                <a:chExt cx="4175515" cy="458608"/>
+              </a:xfrm>
+            </p:grpSpPr>
+            <p:sp>
+              <p:nvSpPr>
+                <p:cNvPr id="65" name="Oval 64">
+                  <a:extLst>
+                    <a:ext uri="{FF2B5EF4-FFF2-40B4-BE49-F238E27FC236}">
+                      <a16:creationId xmlns:a16="http://schemas.microsoft.com/office/drawing/2014/main" id="{FF3CFEB6-7748-4A56-9016-B6D170E9DB32}"/>
+                    </a:ext>
+                  </a:extLst>
+                </p:cNvPr>
+                <p:cNvSpPr/>
+                <p:nvPr/>
+              </p:nvSpPr>
+              <p:spPr>
+                <a:xfrm>
+                  <a:off x="3555825" y="2484619"/>
+                  <a:ext cx="450937" cy="450937"/>
+                </a:xfrm>
+                <a:prstGeom prst="ellipse">
+                  <a:avLst/>
+                </a:prstGeom>
+                <a:solidFill>
+                  <a:schemeClr val="bg1"/>
+                </a:solidFill>
+              </p:spPr>
+              <p:style>
+                <a:lnRef idx="2">
+                  <a:schemeClr val="accent1">
+                    <a:shade val="50000"/>
+                  </a:schemeClr>
+                </a:lnRef>
+                <a:fillRef idx="1">
+                  <a:schemeClr val="accent1"/>
+                </a:fillRef>
+                <a:effectRef idx="0">
+                  <a:schemeClr val="accent1"/>
+                </a:effectRef>
+                <a:fontRef idx="minor">
+                  <a:schemeClr val="lt1"/>
+                </a:fontRef>
+              </p:style>
+              <p:txBody>
+                <a:bodyPr rtlCol="0" anchor="ctr"/>
+                <a:lstStyle/>
+                <a:p>
+                  <a:pPr algn="ctr"/>
+                  <a:endParaRPr lang="en-CA"/>
+                </a:p>
+              </p:txBody>
+            </p:sp>
+            <p:sp>
+              <p:nvSpPr>
+                <p:cNvPr id="66" name="Oval 65">
+                  <a:extLst>
+                    <a:ext uri="{FF2B5EF4-FFF2-40B4-BE49-F238E27FC236}">
+                      <a16:creationId xmlns:a16="http://schemas.microsoft.com/office/drawing/2014/main" id="{B4775F6B-C048-45A5-87B2-06E70AE143DB}"/>
+                    </a:ext>
+                  </a:extLst>
+                </p:cNvPr>
+                <p:cNvSpPr/>
+                <p:nvPr/>
+              </p:nvSpPr>
+              <p:spPr>
+                <a:xfrm>
+                  <a:off x="4167862" y="2484615"/>
+                  <a:ext cx="450937" cy="450937"/>
+                </a:xfrm>
+                <a:prstGeom prst="ellipse">
+                  <a:avLst/>
+                </a:prstGeom>
+                <a:solidFill>
+                  <a:schemeClr val="bg1"/>
+                </a:solidFill>
+              </p:spPr>
+              <p:style>
+                <a:lnRef idx="2">
+                  <a:schemeClr val="accent1">
+                    <a:shade val="50000"/>
+                  </a:schemeClr>
+                </a:lnRef>
+                <a:fillRef idx="1">
+                  <a:schemeClr val="accent1"/>
+                </a:fillRef>
+                <a:effectRef idx="0">
+                  <a:schemeClr val="accent1"/>
+                </a:effectRef>
+                <a:fontRef idx="minor">
+                  <a:schemeClr val="lt1"/>
+                </a:fontRef>
+              </p:style>
+              <p:txBody>
+                <a:bodyPr rtlCol="0" anchor="ctr"/>
+                <a:lstStyle/>
+                <a:p>
+                  <a:pPr algn="ctr"/>
+                  <a:endParaRPr lang="en-CA" dirty="0"/>
+                </a:p>
+              </p:txBody>
+            </p:sp>
+            <p:sp>
+              <p:nvSpPr>
+                <p:cNvPr id="67" name="Oval 66">
+                  <a:extLst>
+                    <a:ext uri="{FF2B5EF4-FFF2-40B4-BE49-F238E27FC236}">
+                      <a16:creationId xmlns:a16="http://schemas.microsoft.com/office/drawing/2014/main" id="{80620DD0-2892-4CE0-A1B7-3BE50D463C0E}"/>
+                    </a:ext>
+                  </a:extLst>
+                </p:cNvPr>
+                <p:cNvSpPr/>
+                <p:nvPr/>
+              </p:nvSpPr>
+              <p:spPr>
+                <a:xfrm>
+                  <a:off x="4798013" y="2484615"/>
+                  <a:ext cx="450937" cy="450937"/>
+                </a:xfrm>
+                <a:prstGeom prst="ellipse">
+                  <a:avLst/>
+                </a:prstGeom>
+                <a:solidFill>
+                  <a:schemeClr val="bg1"/>
+                </a:solidFill>
+              </p:spPr>
+              <p:style>
+                <a:lnRef idx="2">
+                  <a:schemeClr val="accent1">
+                    <a:shade val="50000"/>
+                  </a:schemeClr>
+                </a:lnRef>
+                <a:fillRef idx="1">
+                  <a:schemeClr val="accent1"/>
+                </a:fillRef>
+                <a:effectRef idx="0">
+                  <a:schemeClr val="accent1"/>
+                </a:effectRef>
+                <a:fontRef idx="minor">
+                  <a:schemeClr val="lt1"/>
+                </a:fontRef>
+              </p:style>
+              <p:txBody>
+                <a:bodyPr rtlCol="0" anchor="ctr"/>
+                <a:lstStyle/>
+                <a:p>
+                  <a:pPr algn="ctr"/>
+                  <a:endParaRPr lang="en-CA" dirty="0"/>
+                </a:p>
+              </p:txBody>
+            </p:sp>
+            <p:sp>
+              <p:nvSpPr>
+                <p:cNvPr id="68" name="Oval 67">
+                  <a:extLst>
+                    <a:ext uri="{FF2B5EF4-FFF2-40B4-BE49-F238E27FC236}">
+                      <a16:creationId xmlns:a16="http://schemas.microsoft.com/office/drawing/2014/main" id="{E2474A12-B290-4712-97CF-1C66CB92BAB6}"/>
+                    </a:ext>
+                  </a:extLst>
+                </p:cNvPr>
+                <p:cNvSpPr/>
+                <p:nvPr/>
+              </p:nvSpPr>
+              <p:spPr>
+                <a:xfrm>
+                  <a:off x="5377144" y="2484616"/>
+                  <a:ext cx="450937" cy="450937"/>
+                </a:xfrm>
+                <a:prstGeom prst="ellipse">
+                  <a:avLst/>
+                </a:prstGeom>
+                <a:solidFill>
+                  <a:schemeClr val="bg1"/>
+                </a:solidFill>
+              </p:spPr>
+              <p:style>
+                <a:lnRef idx="2">
+                  <a:schemeClr val="accent1">
+                    <a:shade val="50000"/>
+                  </a:schemeClr>
+                </a:lnRef>
+                <a:fillRef idx="1">
+                  <a:schemeClr val="accent1"/>
+                </a:fillRef>
+                <a:effectRef idx="0">
+                  <a:schemeClr val="accent1"/>
+                </a:effectRef>
+                <a:fontRef idx="minor">
+                  <a:schemeClr val="lt1"/>
+                </a:fontRef>
+              </p:style>
+              <p:txBody>
+                <a:bodyPr rtlCol="0" anchor="ctr"/>
+                <a:lstStyle/>
+                <a:p>
+                  <a:pPr algn="ctr"/>
+                  <a:endParaRPr lang="en-CA" dirty="0"/>
+                </a:p>
+              </p:txBody>
+            </p:sp>
+            <p:sp>
+              <p:nvSpPr>
+                <p:cNvPr id="69" name="Oval 68">
+                  <a:extLst>
+                    <a:ext uri="{FF2B5EF4-FFF2-40B4-BE49-F238E27FC236}">
+                      <a16:creationId xmlns:a16="http://schemas.microsoft.com/office/drawing/2014/main" id="{658577BE-AA67-48F9-9EC5-3149E7958A40}"/>
+                    </a:ext>
+                  </a:extLst>
+                </p:cNvPr>
+                <p:cNvSpPr/>
+                <p:nvPr/>
+              </p:nvSpPr>
+              <p:spPr>
+                <a:xfrm>
+                  <a:off x="6007295" y="2484614"/>
+                  <a:ext cx="450937" cy="450937"/>
+                </a:xfrm>
+                <a:prstGeom prst="ellipse">
+                  <a:avLst/>
+                </a:prstGeom>
+                <a:solidFill>
+                  <a:schemeClr val="bg1"/>
+                </a:solidFill>
+              </p:spPr>
+              <p:style>
+                <a:lnRef idx="2">
+                  <a:schemeClr val="accent1">
+                    <a:shade val="50000"/>
+                  </a:schemeClr>
+                </a:lnRef>
+                <a:fillRef idx="1">
+                  <a:schemeClr val="accent1"/>
+                </a:fillRef>
+                <a:effectRef idx="0">
+                  <a:schemeClr val="accent1"/>
+                </a:effectRef>
+                <a:fontRef idx="minor">
+                  <a:schemeClr val="lt1"/>
+                </a:fontRef>
+              </p:style>
+              <p:txBody>
+                <a:bodyPr rtlCol="0" anchor="ctr"/>
+                <a:lstStyle/>
+                <a:p>
+                  <a:pPr algn="ctr"/>
+                  <a:endParaRPr lang="en-CA" dirty="0"/>
+                </a:p>
+              </p:txBody>
+            </p:sp>
+            <p:sp>
+              <p:nvSpPr>
+                <p:cNvPr id="70" name="Oval 69">
+                  <a:extLst>
+                    <a:ext uri="{FF2B5EF4-FFF2-40B4-BE49-F238E27FC236}">
+                      <a16:creationId xmlns:a16="http://schemas.microsoft.com/office/drawing/2014/main" id="{D0BAE185-DDFD-4214-9CA8-42FA0978491E}"/>
+                    </a:ext>
+                  </a:extLst>
+                </p:cNvPr>
+                <p:cNvSpPr/>
+                <p:nvPr/>
+              </p:nvSpPr>
+              <p:spPr>
+                <a:xfrm>
+                  <a:off x="6668366" y="2482812"/>
+                  <a:ext cx="450937" cy="450937"/>
+                </a:xfrm>
+                <a:prstGeom prst="ellipse">
+                  <a:avLst/>
+                </a:prstGeom>
+                <a:solidFill>
+                  <a:schemeClr val="bg1"/>
+                </a:solidFill>
+              </p:spPr>
+              <p:style>
+                <a:lnRef idx="2">
+                  <a:schemeClr val="accent1">
+                    <a:shade val="50000"/>
+                  </a:schemeClr>
+                </a:lnRef>
+                <a:fillRef idx="1">
+                  <a:schemeClr val="accent1"/>
+                </a:fillRef>
+                <a:effectRef idx="0">
+                  <a:schemeClr val="accent1"/>
+                </a:effectRef>
+                <a:fontRef idx="minor">
+                  <a:schemeClr val="lt1"/>
+                </a:fontRef>
+              </p:style>
+              <p:txBody>
+                <a:bodyPr rtlCol="0" anchor="ctr"/>
+                <a:lstStyle/>
+                <a:p>
+                  <a:pPr algn="ctr"/>
+                  <a:endParaRPr lang="en-CA" dirty="0"/>
+                </a:p>
+              </p:txBody>
+            </p:sp>
+            <p:sp>
+              <p:nvSpPr>
+                <p:cNvPr id="71" name="Oval 70">
+                  <a:extLst>
+                    <a:ext uri="{FF2B5EF4-FFF2-40B4-BE49-F238E27FC236}">
+                      <a16:creationId xmlns:a16="http://schemas.microsoft.com/office/drawing/2014/main" id="{418C8C49-8673-49AB-B266-1906EF9D22F9}"/>
+                    </a:ext>
+                  </a:extLst>
+                </p:cNvPr>
+                <p:cNvSpPr/>
+                <p:nvPr/>
+              </p:nvSpPr>
+              <p:spPr>
+                <a:xfrm>
+                  <a:off x="7280403" y="2490483"/>
+                  <a:ext cx="450937" cy="450937"/>
+                </a:xfrm>
+                <a:prstGeom prst="ellipse">
+                  <a:avLst/>
+                </a:prstGeom>
+                <a:solidFill>
+                  <a:schemeClr val="bg1"/>
+                </a:solidFill>
+              </p:spPr>
+              <p:style>
+                <a:lnRef idx="2">
+                  <a:schemeClr val="accent1">
+                    <a:shade val="50000"/>
+                  </a:schemeClr>
+                </a:lnRef>
+                <a:fillRef idx="1">
+                  <a:schemeClr val="accent1"/>
+                </a:fillRef>
+                <a:effectRef idx="0">
+                  <a:schemeClr val="accent1"/>
+                </a:effectRef>
+                <a:fontRef idx="minor">
+                  <a:schemeClr val="lt1"/>
+                </a:fontRef>
+              </p:style>
+              <p:txBody>
+                <a:bodyPr rtlCol="0" anchor="ctr"/>
+                <a:lstStyle/>
+                <a:p>
+                  <a:pPr algn="ctr"/>
+                  <a:endParaRPr lang="en-CA"/>
+                </a:p>
+              </p:txBody>
+            </p:sp>
+          </p:grpSp>
+        </p:grpSp>
+        <p:sp>
+          <p:nvSpPr>
+            <p:cNvPr id="56" name="Oval 55">
+              <a:extLst>
+                <a:ext uri="{FF2B5EF4-FFF2-40B4-BE49-F238E27FC236}">
+                  <a16:creationId xmlns:a16="http://schemas.microsoft.com/office/drawing/2014/main" id="{9BE5B500-0270-4696-9900-397040DB61FD}"/>
+                </a:ext>
+              </a:extLst>
+            </p:cNvPr>
+            <p:cNvSpPr/>
+            <p:nvPr/>
+          </p:nvSpPr>
+          <p:spPr>
+            <a:xfrm>
+              <a:off x="6821373" y="4617402"/>
+              <a:ext cx="433792" cy="433792"/>
+            </a:xfrm>
+            <a:prstGeom prst="ellipse">
+              <a:avLst/>
+            </a:prstGeom>
+            <a:solidFill>
+              <a:srgbClr val="FF0000"/>
+            </a:solidFill>
+          </p:spPr>
+          <p:style>
+            <a:lnRef idx="2">
+              <a:schemeClr val="accent1">
+                <a:shade val="50000"/>
+              </a:schemeClr>
+            </a:lnRef>
+            <a:fillRef idx="1">
+              <a:schemeClr val="accent1"/>
+            </a:fillRef>
+            <a:effectRef idx="0">
+              <a:schemeClr val="accent1"/>
+            </a:effectRef>
+            <a:fontRef idx="minor">
+              <a:schemeClr val="lt1"/>
+            </a:fontRef>
+          </p:style>
+          <p:txBody>
+            <a:bodyPr rtlCol="0" anchor="ctr"/>
+            <a:lstStyle/>
+            <a:p>
+              <a:pPr algn="ctr"/>
+              <a:endParaRPr lang="en-CA" dirty="0"/>
+            </a:p>
+          </p:txBody>
+        </p:sp>
+        <p:pic>
+          <p:nvPicPr>
+            <p:cNvPr id="57" name="Picture 2" descr="Image result for pointer cursor">
+              <a:extLst>
+                <a:ext uri="{FF2B5EF4-FFF2-40B4-BE49-F238E27FC236}">
+                  <a16:creationId xmlns:a16="http://schemas.microsoft.com/office/drawing/2014/main" id="{2149B1E0-B936-4C1D-BFB6-35E417ABEADD}"/>
+                </a:ext>
+              </a:extLst>
+            </p:cNvPr>
+            <p:cNvPicPr>
+              <a:picLocks noChangeAspect="1" noChangeArrowheads="1"/>
+            </p:cNvPicPr>
+            <p:nvPr/>
+          </p:nvPicPr>
+          <p:blipFill>
+            <a:blip r:embed="rId3">
+              <a:extLst>
+                <a:ext uri="{28A0092B-C50C-407E-A947-70E740481C1C}">
+                  <a14:useLocalDpi xmlns:a14="http://schemas.microsoft.com/office/drawing/2010/main" val="0"/>
+                </a:ext>
+              </a:extLst>
+            </a:blip>
+            <a:srcRect/>
+            <a:stretch>
+              <a:fillRect/>
+            </a:stretch>
+          </p:blipFill>
+          <p:spPr bwMode="auto">
+            <a:xfrm>
+              <a:off x="6809910" y="1189392"/>
+              <a:ext cx="418578" cy="418578"/>
+            </a:xfrm>
+            <a:prstGeom prst="rect">
+              <a:avLst/>
+            </a:prstGeom>
+            <a:noFill/>
+            <a:extLst>
+              <a:ext uri="{909E8E84-426E-40DD-AFC4-6F175D3DCCD1}">
+                <a14:hiddenFill xmlns:a14="http://schemas.microsoft.com/office/drawing/2010/main">
+                  <a:solidFill>
+                    <a:srgbClr val="FFFFFF"/>
+                  </a:solidFill>
+                </a14:hiddenFill>
+              </a:ext>
+            </a:extLst>
+          </p:spPr>
+        </p:pic>
+      </p:grpSp>
+    </p:spTree>
+    <p:extLst>
+      <p:ext uri="{BB962C8B-B14F-4D97-AF65-F5344CB8AC3E}">
+        <p14:creationId xmlns:p14="http://schemas.microsoft.com/office/powerpoint/2010/main" val="1244991069"/>
+      </p:ext>
+    </p:extLst>
+  </p:cSld>
+  <p:clrMapOvr>
+    <a:masterClrMapping/>
+  </p:clrMapOvr>
+  <mc:AlternateContent xmlns:mc="http://schemas.openxmlformats.org/markup-compatibility/2006">
+    <mc:Choice xmlns:p14="http://schemas.microsoft.com/office/powerpoint/2010/main" Requires="p14">
+      <p:transition spd="slow" p14:dur="2000" advTm="20000"/>
+    </mc:Choice>
+    <mc:Fallback>
+      <p:transition spd="slow" advTm="20000"/>
+    </mc:Fallback>
+  </mc:AlternateContent>
+</p:sld>
+</file>
+
+<file path=ppt/slides/slide16.xml><?xml version="1.0" encoding="utf-8"?>
+<p:sld xmlns:a="http://schemas.openxmlformats.org/drawingml/2006/main" xmlns:r="http://schemas.openxmlformats.org/officeDocument/2006/relationships" xmlns:p="http://schemas.openxmlformats.org/presentationml/2006/main">
+  <p:cSld>
+    <p:spTree>
+      <p:nvGrpSpPr>
+        <p:cNvPr id="1" name=""/>
+        <p:cNvGrpSpPr/>
+        <p:nvPr/>
+      </p:nvGrpSpPr>
+      <p:grpSpPr>
+        <a:xfrm>
+          <a:off x="0" y="0"/>
+          <a:ext cx="0" cy="0"/>
+          <a:chOff x="0" y="0"/>
+          <a:chExt cx="0" cy="0"/>
+        </a:xfrm>
+      </p:grpSpPr>
+      <p:sp>
+        <p:nvSpPr>
+          <p:cNvPr id="2" name="Title 1">
+            <a:extLst>
+              <a:ext uri="{FF2B5EF4-FFF2-40B4-BE49-F238E27FC236}">
+                <a16:creationId xmlns:a16="http://schemas.microsoft.com/office/drawing/2014/main" id="{0DD0F053-0211-4356-87B2-E9A0BC51074E}"/>
+              </a:ext>
+            </a:extLst>
+          </p:cNvPr>
+          <p:cNvSpPr>
+            <a:spLocks noGrp="1"/>
+          </p:cNvSpPr>
+          <p:nvPr>
+            <p:ph type="title"/>
+          </p:nvPr>
+        </p:nvSpPr>
+        <p:spPr/>
+        <p:txBody>
+          <a:bodyPr/>
+          <a:lstStyle/>
+          <a:p>
+            <a:r>
+              <a:rPr lang="en-US" dirty="0"/>
+              <a:t>GUI Components</a:t>
+            </a:r>
+            <a:endParaRPr lang="en-CA" dirty="0"/>
+          </a:p>
+        </p:txBody>
+      </p:sp>
+      <p:sp>
+        <p:nvSpPr>
+          <p:cNvPr id="3" name="Content Placeholder 2">
+            <a:extLst>
+              <a:ext uri="{FF2B5EF4-FFF2-40B4-BE49-F238E27FC236}">
+                <a16:creationId xmlns:a16="http://schemas.microsoft.com/office/drawing/2014/main" id="{AC5C79FF-5D92-42BB-A6F9-C4850BBDD67E}"/>
+              </a:ext>
+            </a:extLst>
+          </p:cNvPr>
+          <p:cNvSpPr>
+            <a:spLocks noGrp="1"/>
+          </p:cNvSpPr>
+          <p:nvPr>
+            <p:ph idx="1"/>
+          </p:nvPr>
+        </p:nvSpPr>
+        <p:spPr>
+          <a:xfrm>
+            <a:off x="838200" y="1406003"/>
+            <a:ext cx="10515600" cy="4863274"/>
+          </a:xfrm>
+        </p:spPr>
+        <p:txBody>
+          <a:bodyPr>
+            <a:normAutofit fontScale="77500" lnSpcReduction="20000"/>
+          </a:bodyPr>
+          <a:lstStyle/>
+          <a:p>
+            <a:r>
+              <a:rPr lang="en-US" dirty="0" err="1"/>
+              <a:t>Pygame</a:t>
+            </a:r>
+            <a:r>
+              <a:rPr lang="en-US" dirty="0"/>
+              <a:t> display surface represents the only screen of the game.</a:t>
+            </a:r>
+          </a:p>
+          <a:p>
+            <a:r>
+              <a:rPr lang="en-US" dirty="0"/>
+              <a:t>Display Surface</a:t>
+            </a:r>
+          </a:p>
+          <a:p>
+            <a:pPr lvl="1"/>
+            <a:r>
+              <a:rPr lang="en-US" dirty="0"/>
+              <a:t>Display Surface Major Update 1 – Start View</a:t>
+            </a:r>
+          </a:p>
+          <a:p>
+            <a:pPr lvl="2"/>
+            <a:r>
+              <a:rPr lang="en-US" dirty="0"/>
+              <a:t>Start, Help, Exit and Close Window Button</a:t>
+            </a:r>
+          </a:p>
+          <a:p>
+            <a:pPr lvl="2"/>
+            <a:r>
+              <a:rPr lang="en-US" dirty="0"/>
+              <a:t>Text Fields</a:t>
+            </a:r>
+          </a:p>
+          <a:p>
+            <a:pPr lvl="2"/>
+            <a:r>
+              <a:rPr lang="en-US" dirty="0"/>
+              <a:t>Few updates</a:t>
+            </a:r>
+          </a:p>
+          <a:p>
+            <a:pPr lvl="1"/>
+            <a:r>
+              <a:rPr lang="en-US" dirty="0"/>
+              <a:t>Display Surface Major Update 2 – Help View</a:t>
+            </a:r>
+          </a:p>
+          <a:p>
+            <a:pPr lvl="2"/>
+            <a:r>
+              <a:rPr lang="en-US" dirty="0"/>
+              <a:t>Start, Exit and Close Window Button</a:t>
+            </a:r>
+          </a:p>
+          <a:p>
+            <a:pPr lvl="2"/>
+            <a:r>
+              <a:rPr lang="en-US" dirty="0"/>
+              <a:t>Text Fields</a:t>
+            </a:r>
+          </a:p>
+          <a:p>
+            <a:pPr lvl="2"/>
+            <a:r>
+              <a:rPr lang="en-US" dirty="0"/>
+              <a:t>Few updates</a:t>
+            </a:r>
+          </a:p>
+          <a:p>
+            <a:pPr lvl="1"/>
+            <a:r>
+              <a:rPr lang="en-US" dirty="0"/>
+              <a:t>Display Surface Major Update 3 – Play View</a:t>
+            </a:r>
+          </a:p>
+          <a:p>
+            <a:pPr lvl="2"/>
+            <a:r>
+              <a:rPr lang="en-US" dirty="0"/>
+              <a:t>Help, Exit and Close Window Button</a:t>
+            </a:r>
+          </a:p>
+          <a:p>
+            <a:pPr lvl="2"/>
+            <a:r>
+              <a:rPr lang="en-US" dirty="0"/>
+              <a:t>Board</a:t>
+            </a:r>
+          </a:p>
+          <a:p>
+            <a:pPr lvl="2"/>
+            <a:r>
+              <a:rPr lang="en-US" dirty="0"/>
+              <a:t>Text Fields</a:t>
+            </a:r>
+          </a:p>
+          <a:p>
+            <a:pPr lvl="2"/>
+            <a:r>
+              <a:rPr lang="en-US" dirty="0"/>
+              <a:t>Multiple updates</a:t>
+            </a:r>
+          </a:p>
+          <a:p>
+            <a:pPr lvl="1"/>
+            <a:r>
+              <a:rPr lang="en-US" dirty="0"/>
+              <a:t>Display Surface Major Update 4 – End View</a:t>
+            </a:r>
+          </a:p>
+          <a:p>
+            <a:pPr lvl="2"/>
+            <a:r>
+              <a:rPr lang="en-US" dirty="0"/>
+              <a:t>Play Again, Help and Close Window Button</a:t>
+            </a:r>
+          </a:p>
+          <a:p>
+            <a:pPr lvl="2"/>
+            <a:r>
+              <a:rPr lang="en-US" dirty="0"/>
+              <a:t>Text Fields</a:t>
+            </a:r>
+          </a:p>
+          <a:p>
+            <a:pPr lvl="2"/>
+            <a:r>
+              <a:rPr lang="en-US" dirty="0"/>
+              <a:t>Few updates</a:t>
+            </a:r>
+          </a:p>
+          <a:p>
+            <a:endParaRPr lang="en-CA" dirty="0"/>
+          </a:p>
+        </p:txBody>
+      </p:sp>
+    </p:spTree>
+    <p:extLst>
+      <p:ext uri="{BB962C8B-B14F-4D97-AF65-F5344CB8AC3E}">
+        <p14:creationId xmlns:p14="http://schemas.microsoft.com/office/powerpoint/2010/main" val="147447768"/>
+      </p:ext>
+    </p:extLst>
+  </p:cSld>
+  <p:clrMapOvr>
+    <a:masterClrMapping/>
+  </p:clrMapOvr>
+  <mc:AlternateContent xmlns:mc="http://schemas.openxmlformats.org/markup-compatibility/2006">
+    <mc:Choice xmlns:p14="http://schemas.microsoft.com/office/powerpoint/2010/main" Requires="p14">
+      <p:transition spd="slow" p14:dur="2000" advTm="29000"/>
+    </mc:Choice>
+    <mc:Fallback>
+      <p:transition spd="slow" advTm="29000"/>
+    </mc:Fallback>
+  </mc:AlternateContent>
+</p:sld>
+</file>
+
+<file path=ppt/slides/slide17.xml><?xml version="1.0" encoding="utf-8"?>
+<p:sld xmlns:a="http://schemas.openxmlformats.org/drawingml/2006/main" xmlns:r="http://schemas.openxmlformats.org/officeDocument/2006/relationships" xmlns:p="http://schemas.openxmlformats.org/presentationml/2006/main">
+  <p:cSld>
+    <p:spTree>
+      <p:nvGrpSpPr>
+        <p:cNvPr id="1" name=""/>
+        <p:cNvGrpSpPr/>
+        <p:nvPr/>
+      </p:nvGrpSpPr>
+      <p:grpSpPr>
+        <a:xfrm>
+          <a:off x="0" y="0"/>
+          <a:ext cx="0" cy="0"/>
+          <a:chOff x="0" y="0"/>
+          <a:chExt cx="0" cy="0"/>
+        </a:xfrm>
+      </p:grpSpPr>
+      <p:sp>
+        <p:nvSpPr>
+          <p:cNvPr id="2" name="Title 1">
+            <a:extLst>
+              <a:ext uri="{FF2B5EF4-FFF2-40B4-BE49-F238E27FC236}">
+                <a16:creationId xmlns:a16="http://schemas.microsoft.com/office/drawing/2014/main" id="{2BCFBD11-EEA8-4932-9487-3F97E72FFFEF}"/>
+              </a:ext>
+            </a:extLst>
+          </p:cNvPr>
+          <p:cNvSpPr>
+            <a:spLocks noGrp="1"/>
+          </p:cNvSpPr>
+          <p:nvPr>
+            <p:ph type="title"/>
+          </p:nvPr>
+        </p:nvSpPr>
+        <p:spPr>
+          <a:xfrm>
+            <a:off x="838200" y="346336"/>
+            <a:ext cx="10515600" cy="1325563"/>
+          </a:xfrm>
+        </p:spPr>
+        <p:txBody>
+          <a:bodyPr/>
+          <a:lstStyle/>
+          <a:p>
+            <a:r>
+              <a:rPr lang="en-US" dirty="0"/>
+              <a:t>Start View</a:t>
+            </a:r>
+            <a:endParaRPr lang="en-CA" dirty="0"/>
+          </a:p>
+        </p:txBody>
+      </p:sp>
+      <p:grpSp>
+        <p:nvGrpSpPr>
+          <p:cNvPr id="16" name="Group 15">
+            <a:extLst>
+              <a:ext uri="{FF2B5EF4-FFF2-40B4-BE49-F238E27FC236}">
+                <a16:creationId xmlns:a16="http://schemas.microsoft.com/office/drawing/2014/main" id="{1DF0CCE6-A04F-4FC1-8AA9-630030BB79F8}"/>
+              </a:ext>
+            </a:extLst>
+          </p:cNvPr>
+          <p:cNvGrpSpPr/>
+          <p:nvPr/>
+        </p:nvGrpSpPr>
+        <p:grpSpPr>
+          <a:xfrm>
+            <a:off x="1903953" y="1346245"/>
+            <a:ext cx="7891401" cy="5010633"/>
+            <a:chOff x="1903953" y="1346245"/>
+            <a:chExt cx="7891401" cy="5010633"/>
+          </a:xfrm>
+        </p:grpSpPr>
+        <p:sp>
+          <p:nvSpPr>
+            <p:cNvPr id="4" name="Rectangle 3">
+              <a:extLst>
+                <a:ext uri="{FF2B5EF4-FFF2-40B4-BE49-F238E27FC236}">
+                  <a16:creationId xmlns:a16="http://schemas.microsoft.com/office/drawing/2014/main" id="{57469499-FA82-47EB-AF1A-FEA577C17922}"/>
+                </a:ext>
+              </a:extLst>
+            </p:cNvPr>
+            <p:cNvSpPr/>
+            <p:nvPr/>
+          </p:nvSpPr>
+          <p:spPr>
+            <a:xfrm>
+              <a:off x="1903954" y="1390389"/>
+              <a:ext cx="7340253" cy="4954044"/>
+            </a:xfrm>
+            <a:prstGeom prst="rect">
+              <a:avLst/>
+            </a:prstGeom>
+            <a:solidFill>
+              <a:schemeClr val="accent6">
+                <a:lumMod val="20000"/>
+                <a:lumOff val="80000"/>
+              </a:schemeClr>
+            </a:solidFill>
+          </p:spPr>
+          <p:style>
+            <a:lnRef idx="2">
+              <a:schemeClr val="accent1">
+                <a:shade val="50000"/>
+              </a:schemeClr>
+            </a:lnRef>
+            <a:fillRef idx="1">
+              <a:schemeClr val="accent1"/>
+            </a:fillRef>
+            <a:effectRef idx="0">
+              <a:schemeClr val="accent1"/>
+            </a:effectRef>
+            <a:fontRef idx="minor">
+              <a:schemeClr val="lt1"/>
+            </a:fontRef>
+          </p:style>
+          <p:txBody>
+            <a:bodyPr rtlCol="0" anchor="ctr"/>
+            <a:lstStyle/>
+            <a:p>
+              <a:pPr algn="ctr"/>
+              <a:endParaRPr lang="en-CA"/>
+            </a:p>
+          </p:txBody>
+        </p:sp>
+        <p:sp>
+          <p:nvSpPr>
+            <p:cNvPr id="5" name="Rectangle 4">
+              <a:extLst>
+                <a:ext uri="{FF2B5EF4-FFF2-40B4-BE49-F238E27FC236}">
+                  <a16:creationId xmlns:a16="http://schemas.microsoft.com/office/drawing/2014/main" id="{9FD59F1B-1A9E-4CAC-B416-FF78C407DE57}"/>
+                </a:ext>
+              </a:extLst>
+            </p:cNvPr>
+            <p:cNvSpPr/>
+            <p:nvPr/>
+          </p:nvSpPr>
+          <p:spPr>
+            <a:xfrm>
+              <a:off x="1903953" y="1390389"/>
+              <a:ext cx="7340253" cy="300299"/>
+            </a:xfrm>
+            <a:prstGeom prst="rect">
+              <a:avLst/>
+            </a:prstGeom>
+          </p:spPr>
+          <p:style>
+            <a:lnRef idx="2">
+              <a:schemeClr val="accent1">
+                <a:shade val="50000"/>
+              </a:schemeClr>
+            </a:lnRef>
+            <a:fillRef idx="1">
+              <a:schemeClr val="accent1"/>
+            </a:fillRef>
+            <a:effectRef idx="0">
+              <a:schemeClr val="accent1"/>
+            </a:effectRef>
+            <a:fontRef idx="minor">
+              <a:schemeClr val="lt1"/>
+            </a:fontRef>
+          </p:style>
+          <p:txBody>
+            <a:bodyPr rtlCol="0" anchor="ctr"/>
+            <a:lstStyle/>
+            <a:p>
+              <a:pPr algn="ctr"/>
+              <a:endParaRPr lang="en-CA" dirty="0"/>
+            </a:p>
+          </p:txBody>
+        </p:sp>
+        <p:sp>
+          <p:nvSpPr>
+            <p:cNvPr id="6" name="TextBox 5">
+              <a:extLst>
+                <a:ext uri="{FF2B5EF4-FFF2-40B4-BE49-F238E27FC236}">
+                  <a16:creationId xmlns:a16="http://schemas.microsoft.com/office/drawing/2014/main" id="{46CA2BC5-E23F-489C-94AC-06CE1BAC9903}"/>
+                </a:ext>
+              </a:extLst>
+            </p:cNvPr>
+            <p:cNvSpPr txBox="1"/>
+            <p:nvPr/>
+          </p:nvSpPr>
+          <p:spPr>
+            <a:xfrm>
+              <a:off x="1960324" y="1346245"/>
+              <a:ext cx="1697276" cy="369332"/>
+            </a:xfrm>
+            <a:prstGeom prst="rect">
+              <a:avLst/>
+            </a:prstGeom>
+            <a:noFill/>
+          </p:spPr>
+          <p:txBody>
+            <a:bodyPr wrap="square" rtlCol="0">
+              <a:spAutoFit/>
+            </a:bodyPr>
+            <a:lstStyle/>
+            <a:p>
+              <a:r>
+                <a:rPr lang="en-US" b="1" dirty="0"/>
+                <a:t>4 to Connect</a:t>
+              </a:r>
+              <a:endParaRPr lang="en-CA" b="1" dirty="0"/>
+            </a:p>
+          </p:txBody>
+        </p:sp>
+        <p:sp>
+          <p:nvSpPr>
+            <p:cNvPr id="8" name="Cross 7">
+              <a:extLst>
+                <a:ext uri="{FF2B5EF4-FFF2-40B4-BE49-F238E27FC236}">
+                  <a16:creationId xmlns:a16="http://schemas.microsoft.com/office/drawing/2014/main" id="{837F8689-E5A0-4EC3-A299-A2C38637EE8C}"/>
+                </a:ext>
+              </a:extLst>
+            </p:cNvPr>
+            <p:cNvSpPr/>
+            <p:nvPr/>
+          </p:nvSpPr>
+          <p:spPr>
+            <a:xfrm rot="18715618">
+              <a:off x="8858964" y="1371204"/>
+              <a:ext cx="319414" cy="319414"/>
+            </a:xfrm>
+            <a:prstGeom prst="plus">
+              <a:avLst>
+                <a:gd name="adj" fmla="val 38726"/>
+              </a:avLst>
+            </a:prstGeom>
+            <a:solidFill>
+              <a:srgbClr val="C00000"/>
+            </a:solidFill>
+            <a:ln>
+              <a:solidFill>
+                <a:srgbClr val="C00000"/>
+              </a:solidFill>
+            </a:ln>
+          </p:spPr>
+          <p:style>
+            <a:lnRef idx="2">
+              <a:schemeClr val="accent1">
+                <a:shade val="50000"/>
+              </a:schemeClr>
+            </a:lnRef>
+            <a:fillRef idx="1">
+              <a:schemeClr val="accent1"/>
+            </a:fillRef>
+            <a:effectRef idx="0">
+              <a:schemeClr val="accent1"/>
+            </a:effectRef>
+            <a:fontRef idx="minor">
+              <a:schemeClr val="lt1"/>
+            </a:fontRef>
+          </p:style>
+          <p:txBody>
+            <a:bodyPr rtlCol="0" anchor="ctr"/>
+            <a:lstStyle/>
+            <a:p>
+              <a:pPr algn="ctr"/>
+              <a:endParaRPr lang="en-CA"/>
+            </a:p>
+          </p:txBody>
+        </p:sp>
+        <p:sp>
+          <p:nvSpPr>
+            <p:cNvPr id="9" name="TextBox 8">
+              <a:extLst>
+                <a:ext uri="{FF2B5EF4-FFF2-40B4-BE49-F238E27FC236}">
+                  <a16:creationId xmlns:a16="http://schemas.microsoft.com/office/drawing/2014/main" id="{8D858671-D367-48CF-BBDB-33E37FDF1EAE}"/>
+                </a:ext>
+              </a:extLst>
+            </p:cNvPr>
+            <p:cNvSpPr txBox="1"/>
+            <p:nvPr/>
+          </p:nvSpPr>
+          <p:spPr>
+            <a:xfrm>
+              <a:off x="3657600" y="2611677"/>
+              <a:ext cx="4415425" cy="861774"/>
+            </a:xfrm>
+            <a:prstGeom prst="rect">
+              <a:avLst/>
+            </a:prstGeom>
+            <a:noFill/>
+          </p:spPr>
+          <p:txBody>
+            <a:bodyPr wrap="square" rtlCol="0">
+              <a:spAutoFit/>
+            </a:bodyPr>
+            <a:lstStyle/>
+            <a:p>
+              <a:r>
+                <a:rPr lang="en-US" sz="5000" dirty="0"/>
+                <a:t>4-to-Connect</a:t>
+              </a:r>
+              <a:endParaRPr lang="en-CA" sz="5000" dirty="0"/>
+            </a:p>
+          </p:txBody>
+        </p:sp>
+        <p:sp>
+          <p:nvSpPr>
+            <p:cNvPr id="11" name="Oval 10">
+              <a:extLst>
+                <a:ext uri="{FF2B5EF4-FFF2-40B4-BE49-F238E27FC236}">
+                  <a16:creationId xmlns:a16="http://schemas.microsoft.com/office/drawing/2014/main" id="{CA430BA5-0944-4069-882A-EF4307B2385C}"/>
+                </a:ext>
+              </a:extLst>
+            </p:cNvPr>
+            <p:cNvSpPr/>
+            <p:nvPr/>
+          </p:nvSpPr>
+          <p:spPr>
+            <a:xfrm>
+              <a:off x="4789637" y="4010200"/>
+              <a:ext cx="1222332" cy="507304"/>
+            </a:xfrm>
+            <a:prstGeom prst="ellipse">
+              <a:avLst/>
+            </a:prstGeom>
+          </p:spPr>
+          <p:style>
+            <a:lnRef idx="2">
+              <a:schemeClr val="accent1">
+                <a:shade val="50000"/>
+              </a:schemeClr>
+            </a:lnRef>
+            <a:fillRef idx="1">
+              <a:schemeClr val="accent1"/>
+            </a:fillRef>
+            <a:effectRef idx="0">
+              <a:schemeClr val="accent1"/>
+            </a:effectRef>
+            <a:fontRef idx="minor">
+              <a:schemeClr val="lt1"/>
+            </a:fontRef>
+          </p:style>
+          <p:txBody>
+            <a:bodyPr rtlCol="0" anchor="ctr"/>
+            <a:lstStyle/>
+            <a:p>
+              <a:pPr algn="ctr"/>
+              <a:r>
+                <a:rPr lang="en-US" dirty="0"/>
+                <a:t>Start</a:t>
+              </a:r>
+              <a:endParaRPr lang="en-CA" dirty="0"/>
+            </a:p>
+          </p:txBody>
+        </p:sp>
+        <p:sp>
+          <p:nvSpPr>
+            <p:cNvPr id="13" name="Oval 12">
+              <a:extLst>
+                <a:ext uri="{FF2B5EF4-FFF2-40B4-BE49-F238E27FC236}">
+                  <a16:creationId xmlns:a16="http://schemas.microsoft.com/office/drawing/2014/main" id="{2A132F00-0681-4E38-96D1-3BF1A3E6E9D8}"/>
+                </a:ext>
+              </a:extLst>
+            </p:cNvPr>
+            <p:cNvSpPr/>
+            <p:nvPr/>
+          </p:nvSpPr>
+          <p:spPr>
+            <a:xfrm>
+              <a:off x="4789637" y="4735611"/>
+              <a:ext cx="1222332" cy="507304"/>
+            </a:xfrm>
+            <a:prstGeom prst="ellipse">
+              <a:avLst/>
+            </a:prstGeom>
+          </p:spPr>
+          <p:style>
+            <a:lnRef idx="2">
+              <a:schemeClr val="accent1">
+                <a:shade val="50000"/>
+              </a:schemeClr>
+            </a:lnRef>
+            <a:fillRef idx="1">
+              <a:schemeClr val="accent1"/>
+            </a:fillRef>
+            <a:effectRef idx="0">
+              <a:schemeClr val="accent1"/>
+            </a:effectRef>
+            <a:fontRef idx="minor">
+              <a:schemeClr val="lt1"/>
+            </a:fontRef>
+          </p:style>
+          <p:txBody>
+            <a:bodyPr rtlCol="0" anchor="ctr"/>
+            <a:lstStyle/>
+            <a:p>
+              <a:pPr algn="ctr"/>
+              <a:r>
+                <a:rPr lang="en-US" dirty="0"/>
+                <a:t>Help</a:t>
+              </a:r>
+              <a:endParaRPr lang="en-CA" dirty="0"/>
+            </a:p>
+          </p:txBody>
+        </p:sp>
+        <p:sp>
+          <p:nvSpPr>
+            <p:cNvPr id="14" name="TextBox 13">
+              <a:extLst>
+                <a:ext uri="{FF2B5EF4-FFF2-40B4-BE49-F238E27FC236}">
+                  <a16:creationId xmlns:a16="http://schemas.microsoft.com/office/drawing/2014/main" id="{ACC8AE97-370D-4745-B489-3899B08359B3}"/>
+                </a:ext>
+              </a:extLst>
+            </p:cNvPr>
+            <p:cNvSpPr txBox="1"/>
+            <p:nvPr/>
+          </p:nvSpPr>
+          <p:spPr>
+            <a:xfrm>
+              <a:off x="7628351" y="4879550"/>
+              <a:ext cx="2167003" cy="1477328"/>
+            </a:xfrm>
+            <a:prstGeom prst="rect">
+              <a:avLst/>
+            </a:prstGeom>
+            <a:noFill/>
+          </p:spPr>
+          <p:txBody>
+            <a:bodyPr wrap="square" rtlCol="0">
+              <a:spAutoFit/>
+            </a:bodyPr>
+            <a:lstStyle/>
+            <a:p>
+              <a:r>
+                <a:rPr lang="en-US" b="1" dirty="0"/>
+                <a:t>Creators</a:t>
+              </a:r>
+            </a:p>
+            <a:p>
+              <a:r>
+                <a:rPr lang="en-US" dirty="0"/>
+                <a:t>Calvin </a:t>
+              </a:r>
+              <a:r>
+                <a:rPr lang="en-US" dirty="0" err="1"/>
+                <a:t>Vadivelu</a:t>
+              </a:r>
+              <a:endParaRPr lang="en-US" dirty="0"/>
+            </a:p>
+            <a:p>
+              <a:r>
+                <a:rPr lang="en-US" dirty="0"/>
+                <a:t>Gen Tomita</a:t>
+              </a:r>
+            </a:p>
+            <a:p>
+              <a:r>
+                <a:rPr lang="en-US" dirty="0"/>
+                <a:t>Hafsah </a:t>
+              </a:r>
+              <a:r>
+                <a:rPr lang="en-US" dirty="0" err="1"/>
+                <a:t>Moalim</a:t>
+              </a:r>
+              <a:endParaRPr lang="en-US" dirty="0"/>
+            </a:p>
+            <a:p>
+              <a:r>
+                <a:rPr lang="en-US" dirty="0" err="1"/>
+                <a:t>Ilija</a:t>
+              </a:r>
+              <a:r>
+                <a:rPr lang="en-US" dirty="0"/>
+                <a:t> </a:t>
+              </a:r>
+              <a:r>
+                <a:rPr lang="en-US" dirty="0" err="1"/>
+                <a:t>Zivkovic</a:t>
+              </a:r>
+              <a:endParaRPr lang="en-CA" dirty="0"/>
+            </a:p>
+          </p:txBody>
+        </p:sp>
+        <p:sp>
+          <p:nvSpPr>
+            <p:cNvPr id="15" name="Oval 14">
+              <a:extLst>
+                <a:ext uri="{FF2B5EF4-FFF2-40B4-BE49-F238E27FC236}">
+                  <a16:creationId xmlns:a16="http://schemas.microsoft.com/office/drawing/2014/main" id="{D5187D88-4395-4BA5-AF35-1686C9A5EE0A}"/>
+                </a:ext>
+              </a:extLst>
+            </p:cNvPr>
+            <p:cNvSpPr/>
+            <p:nvPr/>
+          </p:nvSpPr>
+          <p:spPr>
+            <a:xfrm>
+              <a:off x="4789637" y="5467611"/>
+              <a:ext cx="1222332" cy="507304"/>
+            </a:xfrm>
+            <a:prstGeom prst="ellipse">
+              <a:avLst/>
+            </a:prstGeom>
+          </p:spPr>
+          <p:style>
+            <a:lnRef idx="2">
+              <a:schemeClr val="accent1">
+                <a:shade val="50000"/>
+              </a:schemeClr>
+            </a:lnRef>
+            <a:fillRef idx="1">
+              <a:schemeClr val="accent1"/>
+            </a:fillRef>
+            <a:effectRef idx="0">
+              <a:schemeClr val="accent1"/>
+            </a:effectRef>
+            <a:fontRef idx="minor">
+              <a:schemeClr val="lt1"/>
+            </a:fontRef>
+          </p:style>
+          <p:txBody>
+            <a:bodyPr rtlCol="0" anchor="ctr"/>
+            <a:lstStyle/>
+            <a:p>
+              <a:pPr algn="ctr"/>
+              <a:r>
+                <a:rPr lang="en-US" dirty="0"/>
+                <a:t>Exit</a:t>
+              </a:r>
+              <a:endParaRPr lang="en-CA" dirty="0"/>
+            </a:p>
+          </p:txBody>
+        </p:sp>
+      </p:grpSp>
+    </p:spTree>
+    <p:extLst>
+      <p:ext uri="{BB962C8B-B14F-4D97-AF65-F5344CB8AC3E}">
+        <p14:creationId xmlns:p14="http://schemas.microsoft.com/office/powerpoint/2010/main" val="3972459084"/>
+      </p:ext>
+    </p:extLst>
+  </p:cSld>
+  <p:clrMapOvr>
+    <a:masterClrMapping/>
+  </p:clrMapOvr>
+  <mc:AlternateContent xmlns:mc="http://schemas.openxmlformats.org/markup-compatibility/2006">
+    <mc:Choice xmlns:p14="http://schemas.microsoft.com/office/powerpoint/2010/main" Requires="p14">
+      <p:transition spd="slow" p14:dur="2000" advTm="7000"/>
+    </mc:Choice>
+    <mc:Fallback>
+      <p:transition spd="slow" advTm="7000"/>
+    </mc:Fallback>
+  </mc:AlternateContent>
+</p:sld>
+</file>
+
+<file path=ppt/slides/slide18.xml><?xml version="1.0" encoding="utf-8"?>
+<p:sld xmlns:a="http://schemas.openxmlformats.org/drawingml/2006/main" xmlns:r="http://schemas.openxmlformats.org/officeDocument/2006/relationships" xmlns:p="http://schemas.openxmlformats.org/presentationml/2006/main">
+  <p:cSld>
+    <p:spTree>
+      <p:nvGrpSpPr>
+        <p:cNvPr id="1" name=""/>
+        <p:cNvGrpSpPr/>
+        <p:nvPr/>
+      </p:nvGrpSpPr>
+      <p:grpSpPr>
+        <a:xfrm>
+          <a:off x="0" y="0"/>
+          <a:ext cx="0" cy="0"/>
+          <a:chOff x="0" y="0"/>
+          <a:chExt cx="0" cy="0"/>
+        </a:xfrm>
+      </p:grpSpPr>
+      <p:sp>
+        <p:nvSpPr>
+          <p:cNvPr id="2" name="Title 1">
+            <a:extLst>
+              <a:ext uri="{FF2B5EF4-FFF2-40B4-BE49-F238E27FC236}">
+                <a16:creationId xmlns:a16="http://schemas.microsoft.com/office/drawing/2014/main" id="{983987B3-7AC8-45E1-A840-7C210FB897D2}"/>
+              </a:ext>
+            </a:extLst>
+          </p:cNvPr>
+          <p:cNvSpPr>
+            <a:spLocks noGrp="1"/>
+          </p:cNvSpPr>
+          <p:nvPr>
+            <p:ph type="title"/>
+          </p:nvPr>
+        </p:nvSpPr>
+        <p:spPr/>
+        <p:txBody>
+          <a:bodyPr/>
+          <a:lstStyle/>
+          <a:p>
+            <a:r>
+              <a:rPr lang="en-US" dirty="0"/>
+              <a:t>Help View</a:t>
+            </a:r>
+            <a:endParaRPr lang="en-CA" dirty="0"/>
+          </a:p>
+        </p:txBody>
+      </p:sp>
+      <p:grpSp>
+        <p:nvGrpSpPr>
+          <p:cNvPr id="4" name="Group 3">
+            <a:extLst>
+              <a:ext uri="{FF2B5EF4-FFF2-40B4-BE49-F238E27FC236}">
+                <a16:creationId xmlns:a16="http://schemas.microsoft.com/office/drawing/2014/main" id="{78372F76-6B0F-4A87-9148-1A93BC724BB7}"/>
+              </a:ext>
+            </a:extLst>
+          </p:cNvPr>
+          <p:cNvGrpSpPr/>
+          <p:nvPr/>
+        </p:nvGrpSpPr>
+        <p:grpSpPr>
+          <a:xfrm>
+            <a:off x="2135685" y="1421401"/>
+            <a:ext cx="7340254" cy="4998188"/>
+            <a:chOff x="1903953" y="1346245"/>
+            <a:chExt cx="7340254" cy="4998188"/>
+          </a:xfrm>
+        </p:grpSpPr>
+        <p:sp>
+          <p:nvSpPr>
+            <p:cNvPr id="5" name="Rectangle 4">
+              <a:extLst>
+                <a:ext uri="{FF2B5EF4-FFF2-40B4-BE49-F238E27FC236}">
+                  <a16:creationId xmlns:a16="http://schemas.microsoft.com/office/drawing/2014/main" id="{EC552B10-C155-45C0-AB90-CAA664C0DB66}"/>
+                </a:ext>
+              </a:extLst>
+            </p:cNvPr>
+            <p:cNvSpPr/>
+            <p:nvPr/>
+          </p:nvSpPr>
+          <p:spPr>
+            <a:xfrm>
+              <a:off x="1903954" y="1390389"/>
+              <a:ext cx="7340253" cy="4954044"/>
+            </a:xfrm>
+            <a:prstGeom prst="rect">
+              <a:avLst/>
+            </a:prstGeom>
+            <a:solidFill>
+              <a:schemeClr val="accent6">
+                <a:lumMod val="20000"/>
+                <a:lumOff val="80000"/>
+              </a:schemeClr>
+            </a:solidFill>
+          </p:spPr>
+          <p:style>
+            <a:lnRef idx="2">
+              <a:schemeClr val="accent1">
+                <a:shade val="50000"/>
+              </a:schemeClr>
+            </a:lnRef>
+            <a:fillRef idx="1">
+              <a:schemeClr val="accent1"/>
+            </a:fillRef>
+            <a:effectRef idx="0">
+              <a:schemeClr val="accent1"/>
+            </a:effectRef>
+            <a:fontRef idx="minor">
+              <a:schemeClr val="lt1"/>
+            </a:fontRef>
+          </p:style>
+          <p:txBody>
+            <a:bodyPr rtlCol="0" anchor="ctr"/>
+            <a:lstStyle/>
+            <a:p>
+              <a:pPr algn="ctr"/>
+              <a:endParaRPr lang="en-CA"/>
+            </a:p>
+          </p:txBody>
+        </p:sp>
+        <p:sp>
+          <p:nvSpPr>
+            <p:cNvPr id="6" name="Rectangle 5">
+              <a:extLst>
+                <a:ext uri="{FF2B5EF4-FFF2-40B4-BE49-F238E27FC236}">
+                  <a16:creationId xmlns:a16="http://schemas.microsoft.com/office/drawing/2014/main" id="{6B401907-C718-4D55-AC8F-5EDA4319B32B}"/>
+                </a:ext>
+              </a:extLst>
+            </p:cNvPr>
+            <p:cNvSpPr/>
+            <p:nvPr/>
+          </p:nvSpPr>
+          <p:spPr>
+            <a:xfrm>
+              <a:off x="1903953" y="1390389"/>
+              <a:ext cx="7340253" cy="300299"/>
+            </a:xfrm>
+            <a:prstGeom prst="rect">
+              <a:avLst/>
+            </a:prstGeom>
+          </p:spPr>
+          <p:style>
+            <a:lnRef idx="2">
+              <a:schemeClr val="accent1">
+                <a:shade val="50000"/>
+              </a:schemeClr>
+            </a:lnRef>
+            <a:fillRef idx="1">
+              <a:schemeClr val="accent1"/>
+            </a:fillRef>
+            <a:effectRef idx="0">
+              <a:schemeClr val="accent1"/>
+            </a:effectRef>
+            <a:fontRef idx="minor">
+              <a:schemeClr val="lt1"/>
+            </a:fontRef>
+          </p:style>
+          <p:txBody>
+            <a:bodyPr rtlCol="0" anchor="ctr"/>
+            <a:lstStyle/>
+            <a:p>
+              <a:pPr algn="ctr"/>
+              <a:endParaRPr lang="en-CA" dirty="0"/>
+            </a:p>
+          </p:txBody>
+        </p:sp>
+        <p:sp>
+          <p:nvSpPr>
+            <p:cNvPr id="7" name="TextBox 6">
+              <a:extLst>
+                <a:ext uri="{FF2B5EF4-FFF2-40B4-BE49-F238E27FC236}">
+                  <a16:creationId xmlns:a16="http://schemas.microsoft.com/office/drawing/2014/main" id="{79572C14-8D26-4096-9840-F6337CFC1E22}"/>
+                </a:ext>
+              </a:extLst>
+            </p:cNvPr>
+            <p:cNvSpPr txBox="1"/>
+            <p:nvPr/>
+          </p:nvSpPr>
+          <p:spPr>
+            <a:xfrm>
+              <a:off x="1960324" y="1346245"/>
+              <a:ext cx="1697276" cy="369332"/>
+            </a:xfrm>
+            <a:prstGeom prst="rect">
+              <a:avLst/>
+            </a:prstGeom>
+            <a:noFill/>
+          </p:spPr>
+          <p:txBody>
+            <a:bodyPr wrap="square" rtlCol="0">
+              <a:spAutoFit/>
+            </a:bodyPr>
+            <a:lstStyle/>
+            <a:p>
+              <a:r>
+                <a:rPr lang="en-US" b="1" dirty="0"/>
+                <a:t>4 to Connect</a:t>
+              </a:r>
+              <a:endParaRPr lang="en-CA" b="1" dirty="0"/>
+            </a:p>
+          </p:txBody>
+        </p:sp>
+        <p:sp>
+          <p:nvSpPr>
+            <p:cNvPr id="8" name="Cross 7">
+              <a:extLst>
+                <a:ext uri="{FF2B5EF4-FFF2-40B4-BE49-F238E27FC236}">
+                  <a16:creationId xmlns:a16="http://schemas.microsoft.com/office/drawing/2014/main" id="{0E094B84-679F-449B-B5D2-7D74DCDAC7FD}"/>
+                </a:ext>
+              </a:extLst>
+            </p:cNvPr>
+            <p:cNvSpPr/>
+            <p:nvPr/>
+          </p:nvSpPr>
+          <p:spPr>
+            <a:xfrm rot="18715618">
+              <a:off x="8858964" y="1371204"/>
+              <a:ext cx="319414" cy="319414"/>
+            </a:xfrm>
+            <a:prstGeom prst="plus">
+              <a:avLst>
+                <a:gd name="adj" fmla="val 38726"/>
+              </a:avLst>
+            </a:prstGeom>
+            <a:solidFill>
+              <a:srgbClr val="C00000"/>
+            </a:solidFill>
+            <a:ln>
+              <a:solidFill>
+                <a:srgbClr val="C00000"/>
+              </a:solidFill>
+            </a:ln>
+          </p:spPr>
+          <p:style>
+            <a:lnRef idx="2">
+              <a:schemeClr val="accent1">
+                <a:shade val="50000"/>
+              </a:schemeClr>
+            </a:lnRef>
+            <a:fillRef idx="1">
+              <a:schemeClr val="accent1"/>
+            </a:fillRef>
+            <a:effectRef idx="0">
+              <a:schemeClr val="accent1"/>
+            </a:effectRef>
+            <a:fontRef idx="minor">
+              <a:schemeClr val="lt1"/>
+            </a:fontRef>
+          </p:style>
+          <p:txBody>
+            <a:bodyPr rtlCol="0" anchor="ctr"/>
+            <a:lstStyle/>
+            <a:p>
+              <a:pPr algn="ctr"/>
+              <a:endParaRPr lang="en-CA"/>
+            </a:p>
+          </p:txBody>
+        </p:sp>
+        <p:sp>
+          <p:nvSpPr>
+            <p:cNvPr id="10" name="Oval 9">
+              <a:extLst>
+                <a:ext uri="{FF2B5EF4-FFF2-40B4-BE49-F238E27FC236}">
+                  <a16:creationId xmlns:a16="http://schemas.microsoft.com/office/drawing/2014/main" id="{AE73647E-B6A1-4ED9-8706-71F698961CB7}"/>
+                </a:ext>
+              </a:extLst>
+            </p:cNvPr>
+            <p:cNvSpPr/>
+            <p:nvPr/>
+          </p:nvSpPr>
+          <p:spPr>
+            <a:xfrm>
+              <a:off x="2197796" y="5532112"/>
+              <a:ext cx="1222332" cy="507304"/>
+            </a:xfrm>
+            <a:prstGeom prst="ellipse">
+              <a:avLst/>
+            </a:prstGeom>
+          </p:spPr>
+          <p:style>
+            <a:lnRef idx="2">
+              <a:schemeClr val="accent1">
+                <a:shade val="50000"/>
+              </a:schemeClr>
+            </a:lnRef>
+            <a:fillRef idx="1">
+              <a:schemeClr val="accent1"/>
+            </a:fillRef>
+            <a:effectRef idx="0">
+              <a:schemeClr val="accent1"/>
+            </a:effectRef>
+            <a:fontRef idx="minor">
+              <a:schemeClr val="lt1"/>
+            </a:fontRef>
+          </p:style>
+          <p:txBody>
+            <a:bodyPr rtlCol="0" anchor="ctr"/>
+            <a:lstStyle/>
+            <a:p>
+              <a:pPr algn="ctr"/>
+              <a:r>
+                <a:rPr lang="en-US" dirty="0"/>
+                <a:t>Start</a:t>
+              </a:r>
+              <a:endParaRPr lang="en-CA" dirty="0"/>
+            </a:p>
+          </p:txBody>
+        </p:sp>
+        <p:sp>
+          <p:nvSpPr>
+            <p:cNvPr id="13" name="Oval 12">
+              <a:extLst>
+                <a:ext uri="{FF2B5EF4-FFF2-40B4-BE49-F238E27FC236}">
+                  <a16:creationId xmlns:a16="http://schemas.microsoft.com/office/drawing/2014/main" id="{06D20EEC-328A-46F1-8367-F081C5B7D6DF}"/>
+                </a:ext>
+              </a:extLst>
+            </p:cNvPr>
+            <p:cNvSpPr/>
+            <p:nvPr/>
+          </p:nvSpPr>
+          <p:spPr>
+            <a:xfrm>
+              <a:off x="7697244" y="5532112"/>
+              <a:ext cx="1222332" cy="507304"/>
+            </a:xfrm>
+            <a:prstGeom prst="ellipse">
+              <a:avLst/>
+            </a:prstGeom>
+          </p:spPr>
+          <p:style>
+            <a:lnRef idx="2">
+              <a:schemeClr val="accent1">
+                <a:shade val="50000"/>
+              </a:schemeClr>
+            </a:lnRef>
+            <a:fillRef idx="1">
+              <a:schemeClr val="accent1"/>
+            </a:fillRef>
+            <a:effectRef idx="0">
+              <a:schemeClr val="accent1"/>
+            </a:effectRef>
+            <a:fontRef idx="minor">
+              <a:schemeClr val="lt1"/>
+            </a:fontRef>
+          </p:style>
+          <p:txBody>
+            <a:bodyPr rtlCol="0" anchor="ctr"/>
+            <a:lstStyle/>
+            <a:p>
+              <a:pPr algn="ctr"/>
+              <a:r>
+                <a:rPr lang="en-US" dirty="0"/>
+                <a:t>Exit</a:t>
+              </a:r>
+              <a:endParaRPr lang="en-CA" dirty="0"/>
+            </a:p>
+          </p:txBody>
+        </p:sp>
+      </p:grpSp>
+      <p:sp>
+        <p:nvSpPr>
+          <p:cNvPr id="14" name="TextBox 13">
+            <a:extLst>
+              <a:ext uri="{FF2B5EF4-FFF2-40B4-BE49-F238E27FC236}">
+                <a16:creationId xmlns:a16="http://schemas.microsoft.com/office/drawing/2014/main" id="{FB329672-BFCF-4A16-A62E-A65B3CC92EFB}"/>
+              </a:ext>
+            </a:extLst>
+          </p:cNvPr>
+          <p:cNvSpPr txBox="1"/>
+          <p:nvPr/>
+        </p:nvSpPr>
+        <p:spPr>
+          <a:xfrm>
+            <a:off x="2192056" y="1916617"/>
+            <a:ext cx="7283882" cy="3647152"/>
+          </a:xfrm>
+          <a:prstGeom prst="rect">
+            <a:avLst/>
+          </a:prstGeom>
+          <a:noFill/>
+        </p:spPr>
+        <p:txBody>
+          <a:bodyPr wrap="square" rtlCol="0">
+            <a:spAutoFit/>
+          </a:bodyPr>
+          <a:lstStyle/>
+          <a:p>
+            <a:r>
+              <a:rPr lang="en-US" sz="1650" dirty="0"/>
+              <a:t>4-to-Connect is a computer program based on the classic game Connect 4. To begin playing, press the start button.</a:t>
+            </a:r>
+          </a:p>
+          <a:p>
+            <a:endParaRPr lang="en-CA" sz="1650" b="1" dirty="0"/>
+          </a:p>
+          <a:p>
+            <a:r>
+              <a:rPr lang="en-CA" sz="1650" b="1" dirty="0"/>
+              <a:t>How to Play</a:t>
+            </a:r>
+          </a:p>
+          <a:p>
+            <a:r>
+              <a:rPr lang="en-CA" sz="1650" dirty="0"/>
+              <a:t>This game requires two players, a 7x6 board and disks that are either red or yellow. Players take turns dropping disks into columns until a player wins or no more moves are possible. To win, a player must have made 4 disks of their colour be in a row, column or diagonal. The game is a tie when all 42 slots are filled with disks.</a:t>
+            </a:r>
+            <a:endParaRPr lang="en-CA" sz="1650" b="1" dirty="0"/>
+          </a:p>
+          <a:p>
+            <a:endParaRPr lang="en-CA" sz="1650" dirty="0"/>
+          </a:p>
+          <a:p>
+            <a:r>
+              <a:rPr lang="en-CA" sz="1650" b="1" dirty="0"/>
+              <a:t>Controls</a:t>
+            </a:r>
+          </a:p>
+          <a:p>
+            <a:r>
+              <a:rPr lang="en-CA" sz="1650" dirty="0"/>
+              <a:t>The first player to make a move will be player 1 and have a red disk. When it is your turn to make a move, click the a unfilled column that you would like to drop a disk in. The disk representing your colour will appear in the last empty slot of the column and the other player can then make a move.</a:t>
+            </a:r>
+          </a:p>
+        </p:txBody>
+      </p:sp>
+    </p:spTree>
+    <p:extLst>
+      <p:ext uri="{BB962C8B-B14F-4D97-AF65-F5344CB8AC3E}">
+        <p14:creationId xmlns:p14="http://schemas.microsoft.com/office/powerpoint/2010/main" val="3275420928"/>
+      </p:ext>
+    </p:extLst>
+  </p:cSld>
+  <p:clrMapOvr>
+    <a:masterClrMapping/>
+  </p:clrMapOvr>
+  <mc:AlternateContent xmlns:mc="http://schemas.openxmlformats.org/markup-compatibility/2006">
+    <mc:Choice xmlns:p14="http://schemas.microsoft.com/office/powerpoint/2010/main" Requires="p14">
+      <p:transition spd="slow" p14:dur="2000" advTm="5000"/>
+    </mc:Choice>
+    <mc:Fallback>
+      <p:transition spd="slow" advTm="5000"/>
+    </mc:Fallback>
+  </mc:AlternateContent>
+</p:sld>
+</file>
+
+<file path=ppt/slides/slide19.xml><?xml version="1.0" encoding="utf-8"?>
+<p:sld xmlns:a="http://schemas.openxmlformats.org/drawingml/2006/main" xmlns:r="http://schemas.openxmlformats.org/officeDocument/2006/relationships" xmlns:p="http://schemas.openxmlformats.org/presentationml/2006/main">
+  <p:cSld>
+    <p:spTree>
+      <p:nvGrpSpPr>
+        <p:cNvPr id="1" name=""/>
+        <p:cNvGrpSpPr/>
+        <p:nvPr/>
+      </p:nvGrpSpPr>
+      <p:grpSpPr>
+        <a:xfrm>
+          <a:off x="0" y="0"/>
+          <a:ext cx="0" cy="0"/>
+          <a:chOff x="0" y="0"/>
+          <a:chExt cx="0" cy="0"/>
+        </a:xfrm>
+      </p:grpSpPr>
+      <p:sp>
+        <p:nvSpPr>
+          <p:cNvPr id="2" name="Title 1">
+            <a:extLst>
+              <a:ext uri="{FF2B5EF4-FFF2-40B4-BE49-F238E27FC236}">
+                <a16:creationId xmlns:a16="http://schemas.microsoft.com/office/drawing/2014/main" id="{1713B023-1EE8-4DA9-A16D-66B7A50340FF}"/>
+              </a:ext>
+            </a:extLst>
+          </p:cNvPr>
+          <p:cNvSpPr>
+            <a:spLocks noGrp="1"/>
+          </p:cNvSpPr>
+          <p:nvPr>
+            <p:ph type="title"/>
+          </p:nvPr>
+        </p:nvSpPr>
+        <p:spPr>
+          <a:xfrm>
+            <a:off x="838200" y="346336"/>
+            <a:ext cx="10515600" cy="1325563"/>
+          </a:xfrm>
+        </p:spPr>
+        <p:txBody>
+          <a:bodyPr/>
+          <a:lstStyle/>
+          <a:p>
+            <a:r>
+              <a:rPr lang="en-US" dirty="0"/>
+              <a:t>Play View</a:t>
+            </a:r>
+            <a:endParaRPr lang="en-CA" dirty="0"/>
+          </a:p>
+        </p:txBody>
+      </p:sp>
+      <p:grpSp>
+        <p:nvGrpSpPr>
+          <p:cNvPr id="4" name="Group 3">
+            <a:extLst>
+              <a:ext uri="{FF2B5EF4-FFF2-40B4-BE49-F238E27FC236}">
+                <a16:creationId xmlns:a16="http://schemas.microsoft.com/office/drawing/2014/main" id="{45864D19-5D3E-4268-871E-359ABC71A6C2}"/>
+              </a:ext>
+            </a:extLst>
+          </p:cNvPr>
+          <p:cNvGrpSpPr/>
+          <p:nvPr/>
+        </p:nvGrpSpPr>
+        <p:grpSpPr>
+          <a:xfrm>
+            <a:off x="1877761" y="1480215"/>
+            <a:ext cx="7340254" cy="4998188"/>
+            <a:chOff x="1903953" y="1346245"/>
+            <a:chExt cx="7340254" cy="4998188"/>
+          </a:xfrm>
+        </p:grpSpPr>
+        <p:sp>
+          <p:nvSpPr>
+            <p:cNvPr id="5" name="Rectangle 4">
+              <a:extLst>
+                <a:ext uri="{FF2B5EF4-FFF2-40B4-BE49-F238E27FC236}">
+                  <a16:creationId xmlns:a16="http://schemas.microsoft.com/office/drawing/2014/main" id="{80E1D06B-B9E5-4818-9E33-17894FAE5217}"/>
+                </a:ext>
+              </a:extLst>
+            </p:cNvPr>
+            <p:cNvSpPr/>
+            <p:nvPr/>
+          </p:nvSpPr>
+          <p:spPr>
+            <a:xfrm>
+              <a:off x="1903954" y="1390389"/>
+              <a:ext cx="7340253" cy="4954044"/>
+            </a:xfrm>
+            <a:prstGeom prst="rect">
+              <a:avLst/>
+            </a:prstGeom>
+            <a:solidFill>
+              <a:schemeClr val="accent6">
+                <a:lumMod val="20000"/>
+                <a:lumOff val="80000"/>
+              </a:schemeClr>
+            </a:solidFill>
+          </p:spPr>
+          <p:style>
+            <a:lnRef idx="2">
+              <a:schemeClr val="accent1">
+                <a:shade val="50000"/>
+              </a:schemeClr>
+            </a:lnRef>
+            <a:fillRef idx="1">
+              <a:schemeClr val="accent1"/>
+            </a:fillRef>
+            <a:effectRef idx="0">
+              <a:schemeClr val="accent1"/>
+            </a:effectRef>
+            <a:fontRef idx="minor">
+              <a:schemeClr val="lt1"/>
+            </a:fontRef>
+          </p:style>
+          <p:txBody>
+            <a:bodyPr rtlCol="0" anchor="ctr"/>
+            <a:lstStyle/>
+            <a:p>
+              <a:pPr algn="ctr"/>
+              <a:endParaRPr lang="en-CA"/>
+            </a:p>
+          </p:txBody>
+        </p:sp>
+        <p:sp>
+          <p:nvSpPr>
+            <p:cNvPr id="6" name="Rectangle 5">
+              <a:extLst>
+                <a:ext uri="{FF2B5EF4-FFF2-40B4-BE49-F238E27FC236}">
+                  <a16:creationId xmlns:a16="http://schemas.microsoft.com/office/drawing/2014/main" id="{48B5652A-53E0-478B-B520-256CFB331EFD}"/>
+                </a:ext>
+              </a:extLst>
+            </p:cNvPr>
+            <p:cNvSpPr/>
+            <p:nvPr/>
+          </p:nvSpPr>
+          <p:spPr>
+            <a:xfrm>
+              <a:off x="1903953" y="1390389"/>
+              <a:ext cx="7340253" cy="300299"/>
+            </a:xfrm>
+            <a:prstGeom prst="rect">
+              <a:avLst/>
+            </a:prstGeom>
+          </p:spPr>
+          <p:style>
+            <a:lnRef idx="2">
+              <a:schemeClr val="accent1">
+                <a:shade val="50000"/>
+              </a:schemeClr>
+            </a:lnRef>
+            <a:fillRef idx="1">
+              <a:schemeClr val="accent1"/>
+            </a:fillRef>
+            <a:effectRef idx="0">
+              <a:schemeClr val="accent1"/>
+            </a:effectRef>
+            <a:fontRef idx="minor">
+              <a:schemeClr val="lt1"/>
+            </a:fontRef>
+          </p:style>
+          <p:txBody>
+            <a:bodyPr rtlCol="0" anchor="ctr"/>
+            <a:lstStyle/>
+            <a:p>
+              <a:pPr algn="ctr"/>
+              <a:endParaRPr lang="en-CA" dirty="0"/>
+            </a:p>
+          </p:txBody>
+        </p:sp>
+        <p:sp>
+          <p:nvSpPr>
+            <p:cNvPr id="7" name="TextBox 6">
+              <a:extLst>
+                <a:ext uri="{FF2B5EF4-FFF2-40B4-BE49-F238E27FC236}">
+                  <a16:creationId xmlns:a16="http://schemas.microsoft.com/office/drawing/2014/main" id="{FDB2F2C7-5FE2-4ED7-82B6-1C5964894D21}"/>
+                </a:ext>
+              </a:extLst>
+            </p:cNvPr>
+            <p:cNvSpPr txBox="1"/>
+            <p:nvPr/>
+          </p:nvSpPr>
+          <p:spPr>
+            <a:xfrm>
+              <a:off x="1960324" y="1346245"/>
+              <a:ext cx="1697276" cy="369332"/>
+            </a:xfrm>
+            <a:prstGeom prst="rect">
+              <a:avLst/>
+            </a:prstGeom>
+            <a:noFill/>
+          </p:spPr>
+          <p:txBody>
+            <a:bodyPr wrap="square" rtlCol="0">
+              <a:spAutoFit/>
+            </a:bodyPr>
+            <a:lstStyle/>
+            <a:p>
+              <a:r>
+                <a:rPr lang="en-US" b="1" dirty="0"/>
+                <a:t>4 to Connect</a:t>
+              </a:r>
+              <a:endParaRPr lang="en-CA" b="1" dirty="0"/>
+            </a:p>
+          </p:txBody>
+        </p:sp>
+        <p:sp>
+          <p:nvSpPr>
+            <p:cNvPr id="8" name="Cross 7">
+              <a:extLst>
+                <a:ext uri="{FF2B5EF4-FFF2-40B4-BE49-F238E27FC236}">
+                  <a16:creationId xmlns:a16="http://schemas.microsoft.com/office/drawing/2014/main" id="{257FE375-D6D9-47D9-B3C1-DC0A921C332E}"/>
+                </a:ext>
+              </a:extLst>
+            </p:cNvPr>
+            <p:cNvSpPr/>
+            <p:nvPr/>
+          </p:nvSpPr>
+          <p:spPr>
+            <a:xfrm rot="18715618">
+              <a:off x="8858964" y="1371204"/>
+              <a:ext cx="319414" cy="319414"/>
+            </a:xfrm>
+            <a:prstGeom prst="plus">
+              <a:avLst>
+                <a:gd name="adj" fmla="val 38726"/>
+              </a:avLst>
+            </a:prstGeom>
+            <a:solidFill>
+              <a:srgbClr val="C00000"/>
+            </a:solidFill>
+            <a:ln>
+              <a:solidFill>
+                <a:srgbClr val="C00000"/>
+              </a:solidFill>
+            </a:ln>
+          </p:spPr>
+          <p:style>
+            <a:lnRef idx="2">
+              <a:schemeClr val="accent1">
+                <a:shade val="50000"/>
+              </a:schemeClr>
+            </a:lnRef>
+            <a:fillRef idx="1">
+              <a:schemeClr val="accent1"/>
+            </a:fillRef>
+            <a:effectRef idx="0">
+              <a:schemeClr val="accent1"/>
+            </a:effectRef>
+            <a:fontRef idx="minor">
+              <a:schemeClr val="lt1"/>
+            </a:fontRef>
+          </p:style>
+          <p:txBody>
+            <a:bodyPr rtlCol="0" anchor="ctr"/>
+            <a:lstStyle/>
+            <a:p>
+              <a:pPr algn="ctr"/>
+              <a:endParaRPr lang="en-CA"/>
+            </a:p>
+          </p:txBody>
+        </p:sp>
+      </p:grpSp>
+      <p:grpSp>
+        <p:nvGrpSpPr>
+          <p:cNvPr id="65" name="Group 64">
+            <a:extLst>
+              <a:ext uri="{FF2B5EF4-FFF2-40B4-BE49-F238E27FC236}">
+                <a16:creationId xmlns:a16="http://schemas.microsoft.com/office/drawing/2014/main" id="{16BCE33F-B371-4F13-9277-41AD07DD2CD5}"/>
+              </a:ext>
+            </a:extLst>
+          </p:cNvPr>
+          <p:cNvGrpSpPr/>
+          <p:nvPr/>
+        </p:nvGrpSpPr>
+        <p:grpSpPr>
+          <a:xfrm>
+            <a:off x="3300605" y="2293698"/>
+            <a:ext cx="4494569" cy="3443224"/>
+            <a:chOff x="3319394" y="2383075"/>
+            <a:chExt cx="4672211" cy="3579313"/>
+          </a:xfrm>
+        </p:grpSpPr>
+        <p:sp>
+          <p:nvSpPr>
+            <p:cNvPr id="14" name="Rectangle: Rounded Corners 13">
+              <a:extLst>
+                <a:ext uri="{FF2B5EF4-FFF2-40B4-BE49-F238E27FC236}">
+                  <a16:creationId xmlns:a16="http://schemas.microsoft.com/office/drawing/2014/main" id="{7093568F-7E47-4280-AA80-E2F195AA544C}"/>
+                </a:ext>
+              </a:extLst>
+            </p:cNvPr>
+            <p:cNvSpPr/>
+            <p:nvPr/>
+          </p:nvSpPr>
+          <p:spPr>
+            <a:xfrm>
+              <a:off x="3319394" y="2383075"/>
+              <a:ext cx="4672211" cy="3579313"/>
+            </a:xfrm>
+            <a:prstGeom prst="roundRect">
+              <a:avLst/>
+            </a:prstGeom>
+          </p:spPr>
+          <p:style>
+            <a:lnRef idx="2">
+              <a:schemeClr val="accent1">
+                <a:shade val="50000"/>
+              </a:schemeClr>
+            </a:lnRef>
+            <a:fillRef idx="1">
+              <a:schemeClr val="accent1"/>
+            </a:fillRef>
+            <a:effectRef idx="0">
+              <a:schemeClr val="accent1"/>
+            </a:effectRef>
+            <a:fontRef idx="minor">
+              <a:schemeClr val="lt1"/>
+            </a:fontRef>
+          </p:style>
+          <p:txBody>
+            <a:bodyPr rtlCol="0" anchor="ctr"/>
+            <a:lstStyle/>
+            <a:p>
+              <a:pPr algn="ctr"/>
+              <a:endParaRPr lang="en-CA"/>
+            </a:p>
+          </p:txBody>
+        </p:sp>
+        <p:grpSp>
+          <p:nvGrpSpPr>
+            <p:cNvPr id="9" name="Group 8">
+              <a:extLst>
+                <a:ext uri="{FF2B5EF4-FFF2-40B4-BE49-F238E27FC236}">
+                  <a16:creationId xmlns:a16="http://schemas.microsoft.com/office/drawing/2014/main" id="{A3CD8FDD-09A3-4211-9FB9-65AB2F0D5C65}"/>
+                </a:ext>
+              </a:extLst>
+            </p:cNvPr>
+            <p:cNvGrpSpPr/>
+            <p:nvPr/>
+          </p:nvGrpSpPr>
+          <p:grpSpPr>
+            <a:xfrm>
+              <a:off x="3555825" y="2482812"/>
+              <a:ext cx="4175515" cy="458608"/>
+              <a:chOff x="3555825" y="2482812"/>
+              <a:chExt cx="4175515" cy="458608"/>
+            </a:xfrm>
+          </p:grpSpPr>
+          <p:sp>
+            <p:nvSpPr>
+              <p:cNvPr id="3" name="Oval 2">
+                <a:extLst>
+                  <a:ext uri="{FF2B5EF4-FFF2-40B4-BE49-F238E27FC236}">
+                    <a16:creationId xmlns:a16="http://schemas.microsoft.com/office/drawing/2014/main" id="{5DE7C419-6D15-412D-882D-DE8BA17A7827}"/>
+                  </a:ext>
+                </a:extLst>
+              </p:cNvPr>
+              <p:cNvSpPr/>
+              <p:nvPr/>
+            </p:nvSpPr>
+            <p:spPr>
+              <a:xfrm>
+                <a:off x="3555825" y="2484619"/>
+                <a:ext cx="450937" cy="450937"/>
+              </a:xfrm>
+              <a:prstGeom prst="ellipse">
+                <a:avLst/>
+              </a:prstGeom>
+              <a:solidFill>
+                <a:schemeClr val="bg1"/>
+              </a:solidFill>
+            </p:spPr>
+            <p:style>
+              <a:lnRef idx="2">
+                <a:schemeClr val="accent1">
+                  <a:shade val="50000"/>
+                </a:schemeClr>
+              </a:lnRef>
+              <a:fillRef idx="1">
+                <a:schemeClr val="accent1"/>
+              </a:fillRef>
+              <a:effectRef idx="0">
+                <a:schemeClr val="accent1"/>
+              </a:effectRef>
+              <a:fontRef idx="minor">
+                <a:schemeClr val="lt1"/>
+              </a:fontRef>
+            </p:style>
+            <p:txBody>
+              <a:bodyPr rtlCol="0" anchor="ctr"/>
+              <a:lstStyle/>
+              <a:p>
+                <a:pPr algn="ctr"/>
+                <a:endParaRPr lang="en-CA" dirty="0"/>
+              </a:p>
+            </p:txBody>
+          </p:sp>
+          <p:sp>
+            <p:nvSpPr>
+              <p:cNvPr id="10" name="Oval 9">
+                <a:extLst>
+                  <a:ext uri="{FF2B5EF4-FFF2-40B4-BE49-F238E27FC236}">
+                    <a16:creationId xmlns:a16="http://schemas.microsoft.com/office/drawing/2014/main" id="{70200D9A-436B-416A-925F-D4BCEF492513}"/>
+                  </a:ext>
+                </a:extLst>
+              </p:cNvPr>
+              <p:cNvSpPr/>
+              <p:nvPr/>
+            </p:nvSpPr>
+            <p:spPr>
+              <a:xfrm>
+                <a:off x="4167862" y="2484615"/>
+                <a:ext cx="450937" cy="450937"/>
+              </a:xfrm>
+              <a:prstGeom prst="ellipse">
+                <a:avLst/>
+              </a:prstGeom>
+              <a:solidFill>
+                <a:schemeClr val="bg1"/>
+              </a:solidFill>
+            </p:spPr>
+            <p:style>
+              <a:lnRef idx="2">
+                <a:schemeClr val="accent1">
+                  <a:shade val="50000"/>
+                </a:schemeClr>
+              </a:lnRef>
+              <a:fillRef idx="1">
+                <a:schemeClr val="accent1"/>
+              </a:fillRef>
+              <a:effectRef idx="0">
+                <a:schemeClr val="accent1"/>
+              </a:effectRef>
+              <a:fontRef idx="minor">
+                <a:schemeClr val="lt1"/>
+              </a:fontRef>
+            </p:style>
+            <p:txBody>
+              <a:bodyPr rtlCol="0" anchor="ctr"/>
+              <a:lstStyle/>
+              <a:p>
+                <a:pPr algn="ctr"/>
+                <a:endParaRPr lang="en-CA" dirty="0"/>
+              </a:p>
+            </p:txBody>
+          </p:sp>
+          <p:sp>
+            <p:nvSpPr>
+              <p:cNvPr id="12" name="Oval 11">
+                <a:extLst>
+                  <a:ext uri="{FF2B5EF4-FFF2-40B4-BE49-F238E27FC236}">
+                    <a16:creationId xmlns:a16="http://schemas.microsoft.com/office/drawing/2014/main" id="{6F2560BC-2AF0-47F3-AEBF-A9861F9D0A19}"/>
+                  </a:ext>
+                </a:extLst>
+              </p:cNvPr>
+              <p:cNvSpPr/>
+              <p:nvPr/>
+            </p:nvSpPr>
+            <p:spPr>
+              <a:xfrm>
+                <a:off x="4798013" y="2484615"/>
+                <a:ext cx="450937" cy="450937"/>
+              </a:xfrm>
+              <a:prstGeom prst="ellipse">
+                <a:avLst/>
+              </a:prstGeom>
+              <a:solidFill>
+                <a:schemeClr val="bg1"/>
+              </a:solidFill>
+            </p:spPr>
+            <p:style>
+              <a:lnRef idx="2">
+                <a:schemeClr val="accent1">
+                  <a:shade val="50000"/>
+                </a:schemeClr>
+              </a:lnRef>
+              <a:fillRef idx="1">
+                <a:schemeClr val="accent1"/>
+              </a:fillRef>
+              <a:effectRef idx="0">
+                <a:schemeClr val="accent1"/>
+              </a:effectRef>
+              <a:fontRef idx="minor">
+                <a:schemeClr val="lt1"/>
+              </a:fontRef>
+            </p:style>
+            <p:txBody>
+              <a:bodyPr rtlCol="0" anchor="ctr"/>
+              <a:lstStyle/>
+              <a:p>
+                <a:pPr algn="ctr"/>
+                <a:endParaRPr lang="en-CA" dirty="0"/>
+              </a:p>
+            </p:txBody>
+          </p:sp>
+          <p:sp>
+            <p:nvSpPr>
+              <p:cNvPr id="13" name="Oval 12">
+                <a:extLst>
+                  <a:ext uri="{FF2B5EF4-FFF2-40B4-BE49-F238E27FC236}">
+                    <a16:creationId xmlns:a16="http://schemas.microsoft.com/office/drawing/2014/main" id="{04D8BCE0-8E85-4F1B-BB4A-D56EA611FB10}"/>
+                  </a:ext>
+                </a:extLst>
+              </p:cNvPr>
+              <p:cNvSpPr/>
+              <p:nvPr/>
+            </p:nvSpPr>
+            <p:spPr>
+              <a:xfrm>
+                <a:off x="5377144" y="2484616"/>
+                <a:ext cx="450937" cy="450937"/>
+              </a:xfrm>
+              <a:prstGeom prst="ellipse">
+                <a:avLst/>
+              </a:prstGeom>
+              <a:solidFill>
+                <a:schemeClr val="bg1"/>
+              </a:solidFill>
+            </p:spPr>
+            <p:style>
+              <a:lnRef idx="2">
+                <a:schemeClr val="accent1">
+                  <a:shade val="50000"/>
+                </a:schemeClr>
+              </a:lnRef>
+              <a:fillRef idx="1">
+                <a:schemeClr val="accent1"/>
+              </a:fillRef>
+              <a:effectRef idx="0">
+                <a:schemeClr val="accent1"/>
+              </a:effectRef>
+              <a:fontRef idx="minor">
+                <a:schemeClr val="lt1"/>
+              </a:fontRef>
+            </p:style>
+            <p:txBody>
+              <a:bodyPr rtlCol="0" anchor="ctr"/>
+              <a:lstStyle/>
+              <a:p>
+                <a:pPr algn="ctr"/>
+                <a:endParaRPr lang="en-CA" dirty="0"/>
+              </a:p>
+            </p:txBody>
+          </p:sp>
+          <p:sp>
+            <p:nvSpPr>
+              <p:cNvPr id="15" name="Oval 14">
+                <a:extLst>
+                  <a:ext uri="{FF2B5EF4-FFF2-40B4-BE49-F238E27FC236}">
+                    <a16:creationId xmlns:a16="http://schemas.microsoft.com/office/drawing/2014/main" id="{5C27CC34-E6C3-4769-9E8D-9A16DFA0DECA}"/>
+                  </a:ext>
+                </a:extLst>
+              </p:cNvPr>
+              <p:cNvSpPr/>
+              <p:nvPr/>
+            </p:nvSpPr>
+            <p:spPr>
+              <a:xfrm>
+                <a:off x="6007295" y="2484614"/>
+                <a:ext cx="450937" cy="450937"/>
+              </a:xfrm>
+              <a:prstGeom prst="ellipse">
+                <a:avLst/>
+              </a:prstGeom>
+              <a:solidFill>
+                <a:schemeClr val="bg1"/>
+              </a:solidFill>
+            </p:spPr>
+            <p:style>
+              <a:lnRef idx="2">
+                <a:schemeClr val="accent1">
+                  <a:shade val="50000"/>
+                </a:schemeClr>
+              </a:lnRef>
+              <a:fillRef idx="1">
+                <a:schemeClr val="accent1"/>
+              </a:fillRef>
+              <a:effectRef idx="0">
+                <a:schemeClr val="accent1"/>
+              </a:effectRef>
+              <a:fontRef idx="minor">
+                <a:schemeClr val="lt1"/>
+              </a:fontRef>
+            </p:style>
+            <p:txBody>
+              <a:bodyPr rtlCol="0" anchor="ctr"/>
+              <a:lstStyle/>
+              <a:p>
+                <a:pPr algn="ctr"/>
+                <a:endParaRPr lang="en-CA" dirty="0"/>
+              </a:p>
+            </p:txBody>
+          </p:sp>
+          <p:sp>
+            <p:nvSpPr>
+              <p:cNvPr id="16" name="Oval 15">
+                <a:extLst>
+                  <a:ext uri="{FF2B5EF4-FFF2-40B4-BE49-F238E27FC236}">
+                    <a16:creationId xmlns:a16="http://schemas.microsoft.com/office/drawing/2014/main" id="{DBF0BA71-D536-4CFB-B9DB-E1B30AB44962}"/>
+                  </a:ext>
+                </a:extLst>
+              </p:cNvPr>
+              <p:cNvSpPr/>
+              <p:nvPr/>
+            </p:nvSpPr>
+            <p:spPr>
+              <a:xfrm>
+                <a:off x="6668366" y="2482812"/>
+                <a:ext cx="450937" cy="450937"/>
+              </a:xfrm>
+              <a:prstGeom prst="ellipse">
+                <a:avLst/>
+              </a:prstGeom>
+              <a:solidFill>
+                <a:schemeClr val="bg1"/>
+              </a:solidFill>
+            </p:spPr>
+            <p:style>
+              <a:lnRef idx="2">
+                <a:schemeClr val="accent1">
+                  <a:shade val="50000"/>
+                </a:schemeClr>
+              </a:lnRef>
+              <a:fillRef idx="1">
+                <a:schemeClr val="accent1"/>
+              </a:fillRef>
+              <a:effectRef idx="0">
+                <a:schemeClr val="accent1"/>
+              </a:effectRef>
+              <a:fontRef idx="minor">
+                <a:schemeClr val="lt1"/>
+              </a:fontRef>
+            </p:style>
+            <p:txBody>
+              <a:bodyPr rtlCol="0" anchor="ctr"/>
+              <a:lstStyle/>
+              <a:p>
+                <a:pPr algn="ctr"/>
+                <a:endParaRPr lang="en-CA" dirty="0"/>
+              </a:p>
+            </p:txBody>
+          </p:sp>
+          <p:sp>
+            <p:nvSpPr>
+              <p:cNvPr id="21" name="Oval 20">
+                <a:extLst>
+                  <a:ext uri="{FF2B5EF4-FFF2-40B4-BE49-F238E27FC236}">
+                    <a16:creationId xmlns:a16="http://schemas.microsoft.com/office/drawing/2014/main" id="{2982E955-5913-42DF-8E41-4490EA7E7477}"/>
+                  </a:ext>
+                </a:extLst>
+              </p:cNvPr>
+              <p:cNvSpPr/>
+              <p:nvPr/>
+            </p:nvSpPr>
+            <p:spPr>
+              <a:xfrm>
+                <a:off x="7280403" y="2490483"/>
+                <a:ext cx="450937" cy="450937"/>
+              </a:xfrm>
+              <a:prstGeom prst="ellipse">
+                <a:avLst/>
+              </a:prstGeom>
+              <a:solidFill>
+                <a:schemeClr val="bg1"/>
+              </a:solidFill>
+            </p:spPr>
+            <p:style>
+              <a:lnRef idx="2">
+                <a:schemeClr val="accent1">
+                  <a:shade val="50000"/>
+                </a:schemeClr>
+              </a:lnRef>
+              <a:fillRef idx="1">
+                <a:schemeClr val="accent1"/>
+              </a:fillRef>
+              <a:effectRef idx="0">
+                <a:schemeClr val="accent1"/>
+              </a:effectRef>
+              <a:fontRef idx="minor">
+                <a:schemeClr val="lt1"/>
+              </a:fontRef>
+            </p:style>
+            <p:txBody>
+              <a:bodyPr rtlCol="0" anchor="ctr"/>
+              <a:lstStyle/>
+              <a:p>
+                <a:pPr algn="ctr"/>
+                <a:endParaRPr lang="en-CA"/>
+              </a:p>
+            </p:txBody>
+          </p:sp>
+        </p:grpSp>
+        <p:grpSp>
+          <p:nvGrpSpPr>
+            <p:cNvPr id="25" name="Group 24">
+              <a:extLst>
+                <a:ext uri="{FF2B5EF4-FFF2-40B4-BE49-F238E27FC236}">
+                  <a16:creationId xmlns:a16="http://schemas.microsoft.com/office/drawing/2014/main" id="{CD966B52-C96F-49AB-AAF3-77B14393DEEF}"/>
+                </a:ext>
+              </a:extLst>
+            </p:cNvPr>
+            <p:cNvGrpSpPr/>
+            <p:nvPr/>
+          </p:nvGrpSpPr>
+          <p:grpSpPr>
+            <a:xfrm>
+              <a:off x="3555825" y="3048828"/>
+              <a:ext cx="4175515" cy="458608"/>
+              <a:chOff x="3555825" y="2482812"/>
+              <a:chExt cx="4175515" cy="458608"/>
+            </a:xfrm>
+          </p:grpSpPr>
+          <p:sp>
+            <p:nvSpPr>
+              <p:cNvPr id="26" name="Oval 25">
+                <a:extLst>
+                  <a:ext uri="{FF2B5EF4-FFF2-40B4-BE49-F238E27FC236}">
+                    <a16:creationId xmlns:a16="http://schemas.microsoft.com/office/drawing/2014/main" id="{1EC7C1CC-31A6-49F5-8128-272020C6BF14}"/>
+                  </a:ext>
+                </a:extLst>
+              </p:cNvPr>
+              <p:cNvSpPr/>
+              <p:nvPr/>
+            </p:nvSpPr>
+            <p:spPr>
+              <a:xfrm>
+                <a:off x="3555825" y="2484619"/>
+                <a:ext cx="450937" cy="450937"/>
+              </a:xfrm>
+              <a:prstGeom prst="ellipse">
+                <a:avLst/>
+              </a:prstGeom>
+              <a:solidFill>
+                <a:schemeClr val="bg1"/>
+              </a:solidFill>
+            </p:spPr>
+            <p:style>
+              <a:lnRef idx="2">
+                <a:schemeClr val="accent1">
+                  <a:shade val="50000"/>
+                </a:schemeClr>
+              </a:lnRef>
+              <a:fillRef idx="1">
+                <a:schemeClr val="accent1"/>
+              </a:fillRef>
+              <a:effectRef idx="0">
+                <a:schemeClr val="accent1"/>
+              </a:effectRef>
+              <a:fontRef idx="minor">
+                <a:schemeClr val="lt1"/>
+              </a:fontRef>
+            </p:style>
+            <p:txBody>
+              <a:bodyPr rtlCol="0" anchor="ctr"/>
+              <a:lstStyle/>
+              <a:p>
+                <a:pPr algn="ctr"/>
+                <a:endParaRPr lang="en-CA"/>
+              </a:p>
+            </p:txBody>
+          </p:sp>
+          <p:sp>
+            <p:nvSpPr>
+              <p:cNvPr id="27" name="Oval 26">
+                <a:extLst>
+                  <a:ext uri="{FF2B5EF4-FFF2-40B4-BE49-F238E27FC236}">
+                    <a16:creationId xmlns:a16="http://schemas.microsoft.com/office/drawing/2014/main" id="{790A5A34-7090-4AC0-AE18-54F0F9C01CF9}"/>
+                  </a:ext>
+                </a:extLst>
+              </p:cNvPr>
+              <p:cNvSpPr/>
+              <p:nvPr/>
+            </p:nvSpPr>
+            <p:spPr>
+              <a:xfrm>
+                <a:off x="4167862" y="2484615"/>
+                <a:ext cx="450937" cy="450937"/>
+              </a:xfrm>
+              <a:prstGeom prst="ellipse">
+                <a:avLst/>
+              </a:prstGeom>
+              <a:solidFill>
+                <a:schemeClr val="bg1"/>
+              </a:solidFill>
+            </p:spPr>
+            <p:style>
+              <a:lnRef idx="2">
+                <a:schemeClr val="accent1">
+                  <a:shade val="50000"/>
+                </a:schemeClr>
+              </a:lnRef>
+              <a:fillRef idx="1">
+                <a:schemeClr val="accent1"/>
+              </a:fillRef>
+              <a:effectRef idx="0">
+                <a:schemeClr val="accent1"/>
+              </a:effectRef>
+              <a:fontRef idx="minor">
+                <a:schemeClr val="lt1"/>
+              </a:fontRef>
+            </p:style>
+            <p:txBody>
+              <a:bodyPr rtlCol="0" anchor="ctr"/>
+              <a:lstStyle/>
+              <a:p>
+                <a:pPr algn="ctr"/>
+                <a:endParaRPr lang="en-CA" dirty="0"/>
+              </a:p>
+            </p:txBody>
+          </p:sp>
+          <p:sp>
+            <p:nvSpPr>
+              <p:cNvPr id="28" name="Oval 27">
+                <a:extLst>
+                  <a:ext uri="{FF2B5EF4-FFF2-40B4-BE49-F238E27FC236}">
+                    <a16:creationId xmlns:a16="http://schemas.microsoft.com/office/drawing/2014/main" id="{794E0A32-4143-46AD-8895-45C94C99972F}"/>
+                  </a:ext>
+                </a:extLst>
+              </p:cNvPr>
+              <p:cNvSpPr/>
+              <p:nvPr/>
+            </p:nvSpPr>
+            <p:spPr>
+              <a:xfrm>
+                <a:off x="4798013" y="2484615"/>
+                <a:ext cx="450937" cy="450937"/>
+              </a:xfrm>
+              <a:prstGeom prst="ellipse">
+                <a:avLst/>
+              </a:prstGeom>
+              <a:solidFill>
+                <a:schemeClr val="bg1"/>
+              </a:solidFill>
+            </p:spPr>
+            <p:style>
+              <a:lnRef idx="2">
+                <a:schemeClr val="accent1">
+                  <a:shade val="50000"/>
+                </a:schemeClr>
+              </a:lnRef>
+              <a:fillRef idx="1">
+                <a:schemeClr val="accent1"/>
+              </a:fillRef>
+              <a:effectRef idx="0">
+                <a:schemeClr val="accent1"/>
+              </a:effectRef>
+              <a:fontRef idx="minor">
+                <a:schemeClr val="lt1"/>
+              </a:fontRef>
+            </p:style>
+            <p:txBody>
+              <a:bodyPr rtlCol="0" anchor="ctr"/>
+              <a:lstStyle/>
+              <a:p>
+                <a:pPr algn="ctr"/>
+                <a:endParaRPr lang="en-CA" dirty="0"/>
+              </a:p>
+            </p:txBody>
+          </p:sp>
+          <p:sp>
+            <p:nvSpPr>
+              <p:cNvPr id="29" name="Oval 28">
+                <a:extLst>
+                  <a:ext uri="{FF2B5EF4-FFF2-40B4-BE49-F238E27FC236}">
+                    <a16:creationId xmlns:a16="http://schemas.microsoft.com/office/drawing/2014/main" id="{AD244B69-E159-41D6-A710-D26D1BC00219}"/>
+                  </a:ext>
+                </a:extLst>
+              </p:cNvPr>
+              <p:cNvSpPr/>
+              <p:nvPr/>
+            </p:nvSpPr>
+            <p:spPr>
+              <a:xfrm>
+                <a:off x="5377144" y="2484616"/>
+                <a:ext cx="450937" cy="450937"/>
+              </a:xfrm>
+              <a:prstGeom prst="ellipse">
+                <a:avLst/>
+              </a:prstGeom>
+              <a:solidFill>
+                <a:schemeClr val="bg1"/>
+              </a:solidFill>
+            </p:spPr>
+            <p:style>
+              <a:lnRef idx="2">
+                <a:schemeClr val="accent1">
+                  <a:shade val="50000"/>
+                </a:schemeClr>
+              </a:lnRef>
+              <a:fillRef idx="1">
+                <a:schemeClr val="accent1"/>
+              </a:fillRef>
+              <a:effectRef idx="0">
+                <a:schemeClr val="accent1"/>
+              </a:effectRef>
+              <a:fontRef idx="minor">
+                <a:schemeClr val="lt1"/>
+              </a:fontRef>
+            </p:style>
+            <p:txBody>
+              <a:bodyPr rtlCol="0" anchor="ctr"/>
+              <a:lstStyle/>
+              <a:p>
+                <a:pPr algn="ctr"/>
+                <a:endParaRPr lang="en-CA" dirty="0"/>
+              </a:p>
+            </p:txBody>
+          </p:sp>
+          <p:sp>
+            <p:nvSpPr>
+              <p:cNvPr id="30" name="Oval 29">
+                <a:extLst>
+                  <a:ext uri="{FF2B5EF4-FFF2-40B4-BE49-F238E27FC236}">
+                    <a16:creationId xmlns:a16="http://schemas.microsoft.com/office/drawing/2014/main" id="{C8999685-40B8-4F9B-ADB3-E384F8D2839F}"/>
+                  </a:ext>
+                </a:extLst>
+              </p:cNvPr>
+              <p:cNvSpPr/>
+              <p:nvPr/>
+            </p:nvSpPr>
+            <p:spPr>
+              <a:xfrm>
+                <a:off x="6007295" y="2484614"/>
+                <a:ext cx="450937" cy="450937"/>
+              </a:xfrm>
+              <a:prstGeom prst="ellipse">
+                <a:avLst/>
+              </a:prstGeom>
+              <a:solidFill>
+                <a:schemeClr val="bg1"/>
+              </a:solidFill>
+            </p:spPr>
+            <p:style>
+              <a:lnRef idx="2">
+                <a:schemeClr val="accent1">
+                  <a:shade val="50000"/>
+                </a:schemeClr>
+              </a:lnRef>
+              <a:fillRef idx="1">
+                <a:schemeClr val="accent1"/>
+              </a:fillRef>
+              <a:effectRef idx="0">
+                <a:schemeClr val="accent1"/>
+              </a:effectRef>
+              <a:fontRef idx="minor">
+                <a:schemeClr val="lt1"/>
+              </a:fontRef>
+            </p:style>
+            <p:txBody>
+              <a:bodyPr rtlCol="0" anchor="ctr"/>
+              <a:lstStyle/>
+              <a:p>
+                <a:pPr algn="ctr"/>
+                <a:endParaRPr lang="en-CA" dirty="0"/>
+              </a:p>
+            </p:txBody>
+          </p:sp>
+          <p:sp>
+            <p:nvSpPr>
+              <p:cNvPr id="31" name="Oval 30">
+                <a:extLst>
+                  <a:ext uri="{FF2B5EF4-FFF2-40B4-BE49-F238E27FC236}">
+                    <a16:creationId xmlns:a16="http://schemas.microsoft.com/office/drawing/2014/main" id="{0FB2120E-2E8B-43D6-9B74-77DB3E558593}"/>
+                  </a:ext>
+                </a:extLst>
+              </p:cNvPr>
+              <p:cNvSpPr/>
+              <p:nvPr/>
+            </p:nvSpPr>
+            <p:spPr>
+              <a:xfrm>
+                <a:off x="6668366" y="2482812"/>
+                <a:ext cx="450937" cy="450937"/>
+              </a:xfrm>
+              <a:prstGeom prst="ellipse">
+                <a:avLst/>
+              </a:prstGeom>
+              <a:solidFill>
+                <a:schemeClr val="bg1"/>
+              </a:solidFill>
+            </p:spPr>
+            <p:style>
+              <a:lnRef idx="2">
+                <a:schemeClr val="accent1">
+                  <a:shade val="50000"/>
+                </a:schemeClr>
+              </a:lnRef>
+              <a:fillRef idx="1">
+                <a:schemeClr val="accent1"/>
+              </a:fillRef>
+              <a:effectRef idx="0">
+                <a:schemeClr val="accent1"/>
+              </a:effectRef>
+              <a:fontRef idx="minor">
+                <a:schemeClr val="lt1"/>
+              </a:fontRef>
+            </p:style>
+            <p:txBody>
+              <a:bodyPr rtlCol="0" anchor="ctr"/>
+              <a:lstStyle/>
+              <a:p>
+                <a:pPr algn="ctr"/>
+                <a:endParaRPr lang="en-CA" dirty="0"/>
+              </a:p>
+            </p:txBody>
+          </p:sp>
+          <p:sp>
+            <p:nvSpPr>
+              <p:cNvPr id="32" name="Oval 31">
+                <a:extLst>
+                  <a:ext uri="{FF2B5EF4-FFF2-40B4-BE49-F238E27FC236}">
+                    <a16:creationId xmlns:a16="http://schemas.microsoft.com/office/drawing/2014/main" id="{4AD09A0F-99AE-448C-B71E-EE551D0D7F63}"/>
+                  </a:ext>
+                </a:extLst>
+              </p:cNvPr>
+              <p:cNvSpPr/>
+              <p:nvPr/>
+            </p:nvSpPr>
+            <p:spPr>
+              <a:xfrm>
+                <a:off x="7280403" y="2490483"/>
+                <a:ext cx="450937" cy="450937"/>
+              </a:xfrm>
+              <a:prstGeom prst="ellipse">
+                <a:avLst/>
+              </a:prstGeom>
+              <a:solidFill>
+                <a:schemeClr val="bg1"/>
+              </a:solidFill>
+            </p:spPr>
+            <p:style>
+              <a:lnRef idx="2">
+                <a:schemeClr val="accent1">
+                  <a:shade val="50000"/>
+                </a:schemeClr>
+              </a:lnRef>
+              <a:fillRef idx="1">
+                <a:schemeClr val="accent1"/>
+              </a:fillRef>
+              <a:effectRef idx="0">
+                <a:schemeClr val="accent1"/>
+              </a:effectRef>
+              <a:fontRef idx="minor">
+                <a:schemeClr val="lt1"/>
+              </a:fontRef>
+            </p:style>
+            <p:txBody>
+              <a:bodyPr rtlCol="0" anchor="ctr"/>
+              <a:lstStyle/>
+              <a:p>
+                <a:pPr algn="ctr"/>
+                <a:endParaRPr lang="en-CA"/>
+              </a:p>
+            </p:txBody>
+          </p:sp>
+        </p:grpSp>
+        <p:grpSp>
+          <p:nvGrpSpPr>
+            <p:cNvPr id="33" name="Group 32">
+              <a:extLst>
+                <a:ext uri="{FF2B5EF4-FFF2-40B4-BE49-F238E27FC236}">
+                  <a16:creationId xmlns:a16="http://schemas.microsoft.com/office/drawing/2014/main" id="{8BBFA190-EB38-4874-BEB1-4A5C5456D229}"/>
+                </a:ext>
+              </a:extLst>
+            </p:cNvPr>
+            <p:cNvGrpSpPr/>
+            <p:nvPr/>
+          </p:nvGrpSpPr>
+          <p:grpSpPr>
+            <a:xfrm>
+              <a:off x="3567741" y="3616646"/>
+              <a:ext cx="4175515" cy="458608"/>
+              <a:chOff x="3555825" y="2482812"/>
+              <a:chExt cx="4175515" cy="458608"/>
+            </a:xfrm>
+          </p:grpSpPr>
+          <p:sp>
+            <p:nvSpPr>
+              <p:cNvPr id="34" name="Oval 33">
+                <a:extLst>
+                  <a:ext uri="{FF2B5EF4-FFF2-40B4-BE49-F238E27FC236}">
+                    <a16:creationId xmlns:a16="http://schemas.microsoft.com/office/drawing/2014/main" id="{8871DA29-4FD8-4C71-96D8-95F88DB31036}"/>
+                  </a:ext>
+                </a:extLst>
+              </p:cNvPr>
+              <p:cNvSpPr/>
+              <p:nvPr/>
+            </p:nvSpPr>
+            <p:spPr>
+              <a:xfrm>
+                <a:off x="3555825" y="2484619"/>
+                <a:ext cx="450937" cy="450937"/>
+              </a:xfrm>
+              <a:prstGeom prst="ellipse">
+                <a:avLst/>
+              </a:prstGeom>
+              <a:solidFill>
+                <a:schemeClr val="bg1"/>
+              </a:solidFill>
+            </p:spPr>
+            <p:style>
+              <a:lnRef idx="2">
+                <a:schemeClr val="accent1">
+                  <a:shade val="50000"/>
+                </a:schemeClr>
+              </a:lnRef>
+              <a:fillRef idx="1">
+                <a:schemeClr val="accent1"/>
+              </a:fillRef>
+              <a:effectRef idx="0">
+                <a:schemeClr val="accent1"/>
+              </a:effectRef>
+              <a:fontRef idx="minor">
+                <a:schemeClr val="lt1"/>
+              </a:fontRef>
+            </p:style>
+            <p:txBody>
+              <a:bodyPr rtlCol="0" anchor="ctr"/>
+              <a:lstStyle/>
+              <a:p>
+                <a:pPr algn="ctr"/>
+                <a:endParaRPr lang="en-CA"/>
+              </a:p>
+            </p:txBody>
+          </p:sp>
+          <p:sp>
+            <p:nvSpPr>
+              <p:cNvPr id="35" name="Oval 34">
+                <a:extLst>
+                  <a:ext uri="{FF2B5EF4-FFF2-40B4-BE49-F238E27FC236}">
+                    <a16:creationId xmlns:a16="http://schemas.microsoft.com/office/drawing/2014/main" id="{8158F280-8EE9-4AD4-8DEC-93C9B52B6314}"/>
+                  </a:ext>
+                </a:extLst>
+              </p:cNvPr>
+              <p:cNvSpPr/>
+              <p:nvPr/>
+            </p:nvSpPr>
+            <p:spPr>
+              <a:xfrm>
+                <a:off x="4167862" y="2484615"/>
+                <a:ext cx="450937" cy="450937"/>
+              </a:xfrm>
+              <a:prstGeom prst="ellipse">
+                <a:avLst/>
+              </a:prstGeom>
+              <a:solidFill>
+                <a:schemeClr val="bg1"/>
+              </a:solidFill>
+            </p:spPr>
+            <p:style>
+              <a:lnRef idx="2">
+                <a:schemeClr val="accent1">
+                  <a:shade val="50000"/>
+                </a:schemeClr>
+              </a:lnRef>
+              <a:fillRef idx="1">
+                <a:schemeClr val="accent1"/>
+              </a:fillRef>
+              <a:effectRef idx="0">
+                <a:schemeClr val="accent1"/>
+              </a:effectRef>
+              <a:fontRef idx="minor">
+                <a:schemeClr val="lt1"/>
+              </a:fontRef>
+            </p:style>
+            <p:txBody>
+              <a:bodyPr rtlCol="0" anchor="ctr"/>
+              <a:lstStyle/>
+              <a:p>
+                <a:pPr algn="ctr"/>
+                <a:endParaRPr lang="en-CA" dirty="0"/>
+              </a:p>
+            </p:txBody>
+          </p:sp>
+          <p:sp>
+            <p:nvSpPr>
+              <p:cNvPr id="36" name="Oval 35">
+                <a:extLst>
+                  <a:ext uri="{FF2B5EF4-FFF2-40B4-BE49-F238E27FC236}">
+                    <a16:creationId xmlns:a16="http://schemas.microsoft.com/office/drawing/2014/main" id="{D96AEA6B-4543-4263-B222-65D1623D7057}"/>
+                  </a:ext>
+                </a:extLst>
+              </p:cNvPr>
+              <p:cNvSpPr/>
+              <p:nvPr/>
+            </p:nvSpPr>
+            <p:spPr>
+              <a:xfrm>
+                <a:off x="4798013" y="2484615"/>
+                <a:ext cx="450937" cy="450937"/>
+              </a:xfrm>
+              <a:prstGeom prst="ellipse">
+                <a:avLst/>
+              </a:prstGeom>
+              <a:solidFill>
+                <a:schemeClr val="bg1"/>
+              </a:solidFill>
+            </p:spPr>
+            <p:style>
+              <a:lnRef idx="2">
+                <a:schemeClr val="accent1">
+                  <a:shade val="50000"/>
+                </a:schemeClr>
+              </a:lnRef>
+              <a:fillRef idx="1">
+                <a:schemeClr val="accent1"/>
+              </a:fillRef>
+              <a:effectRef idx="0">
+                <a:schemeClr val="accent1"/>
+              </a:effectRef>
+              <a:fontRef idx="minor">
+                <a:schemeClr val="lt1"/>
+              </a:fontRef>
+            </p:style>
+            <p:txBody>
+              <a:bodyPr rtlCol="0" anchor="ctr"/>
+              <a:lstStyle/>
+              <a:p>
+                <a:pPr algn="ctr"/>
+                <a:endParaRPr lang="en-CA" dirty="0"/>
+              </a:p>
+            </p:txBody>
+          </p:sp>
+          <p:sp>
+            <p:nvSpPr>
+              <p:cNvPr id="37" name="Oval 36">
+                <a:extLst>
+                  <a:ext uri="{FF2B5EF4-FFF2-40B4-BE49-F238E27FC236}">
+                    <a16:creationId xmlns:a16="http://schemas.microsoft.com/office/drawing/2014/main" id="{AE1E26DB-65BC-4B72-83BF-88A755223B61}"/>
+                  </a:ext>
+                </a:extLst>
+              </p:cNvPr>
+              <p:cNvSpPr/>
+              <p:nvPr/>
+            </p:nvSpPr>
+            <p:spPr>
+              <a:xfrm>
+                <a:off x="5377144" y="2484616"/>
+                <a:ext cx="450937" cy="450937"/>
+              </a:xfrm>
+              <a:prstGeom prst="ellipse">
+                <a:avLst/>
+              </a:prstGeom>
+              <a:solidFill>
+                <a:schemeClr val="bg1"/>
+              </a:solidFill>
+            </p:spPr>
+            <p:style>
+              <a:lnRef idx="2">
+                <a:schemeClr val="accent1">
+                  <a:shade val="50000"/>
+                </a:schemeClr>
+              </a:lnRef>
+              <a:fillRef idx="1">
+                <a:schemeClr val="accent1"/>
+              </a:fillRef>
+              <a:effectRef idx="0">
+                <a:schemeClr val="accent1"/>
+              </a:effectRef>
+              <a:fontRef idx="minor">
+                <a:schemeClr val="lt1"/>
+              </a:fontRef>
+            </p:style>
+            <p:txBody>
+              <a:bodyPr rtlCol="0" anchor="ctr"/>
+              <a:lstStyle/>
+              <a:p>
+                <a:pPr algn="ctr"/>
+                <a:endParaRPr lang="en-CA" dirty="0"/>
+              </a:p>
+            </p:txBody>
+          </p:sp>
+          <p:sp>
+            <p:nvSpPr>
+              <p:cNvPr id="38" name="Oval 37">
+                <a:extLst>
+                  <a:ext uri="{FF2B5EF4-FFF2-40B4-BE49-F238E27FC236}">
+                    <a16:creationId xmlns:a16="http://schemas.microsoft.com/office/drawing/2014/main" id="{2A72D895-8E6A-4C86-9786-AAA19E80E1E9}"/>
+                  </a:ext>
+                </a:extLst>
+              </p:cNvPr>
+              <p:cNvSpPr/>
+              <p:nvPr/>
+            </p:nvSpPr>
+            <p:spPr>
+              <a:xfrm>
+                <a:off x="6007295" y="2484614"/>
+                <a:ext cx="450937" cy="450937"/>
+              </a:xfrm>
+              <a:prstGeom prst="ellipse">
+                <a:avLst/>
+              </a:prstGeom>
+              <a:solidFill>
+                <a:schemeClr val="bg1"/>
+              </a:solidFill>
+            </p:spPr>
+            <p:style>
+              <a:lnRef idx="2">
+                <a:schemeClr val="accent1">
+                  <a:shade val="50000"/>
+                </a:schemeClr>
+              </a:lnRef>
+              <a:fillRef idx="1">
+                <a:schemeClr val="accent1"/>
+              </a:fillRef>
+              <a:effectRef idx="0">
+                <a:schemeClr val="accent1"/>
+              </a:effectRef>
+              <a:fontRef idx="minor">
+                <a:schemeClr val="lt1"/>
+              </a:fontRef>
+            </p:style>
+            <p:txBody>
+              <a:bodyPr rtlCol="0" anchor="ctr"/>
+              <a:lstStyle/>
+              <a:p>
+                <a:pPr algn="ctr"/>
+                <a:endParaRPr lang="en-CA" dirty="0"/>
+              </a:p>
+            </p:txBody>
+          </p:sp>
+          <p:sp>
+            <p:nvSpPr>
+              <p:cNvPr id="39" name="Oval 38">
+                <a:extLst>
+                  <a:ext uri="{FF2B5EF4-FFF2-40B4-BE49-F238E27FC236}">
+                    <a16:creationId xmlns:a16="http://schemas.microsoft.com/office/drawing/2014/main" id="{1E0CBA3A-A995-4F39-BA0C-A68CB283C594}"/>
+                  </a:ext>
+                </a:extLst>
+              </p:cNvPr>
+              <p:cNvSpPr/>
+              <p:nvPr/>
+            </p:nvSpPr>
+            <p:spPr>
+              <a:xfrm>
+                <a:off x="6668366" y="2482812"/>
+                <a:ext cx="450937" cy="450937"/>
+              </a:xfrm>
+              <a:prstGeom prst="ellipse">
+                <a:avLst/>
+              </a:prstGeom>
+              <a:solidFill>
+                <a:schemeClr val="bg1"/>
+              </a:solidFill>
+            </p:spPr>
+            <p:style>
+              <a:lnRef idx="2">
+                <a:schemeClr val="accent1">
+                  <a:shade val="50000"/>
+                </a:schemeClr>
+              </a:lnRef>
+              <a:fillRef idx="1">
+                <a:schemeClr val="accent1"/>
+              </a:fillRef>
+              <a:effectRef idx="0">
+                <a:schemeClr val="accent1"/>
+              </a:effectRef>
+              <a:fontRef idx="minor">
+                <a:schemeClr val="lt1"/>
+              </a:fontRef>
+            </p:style>
+            <p:txBody>
+              <a:bodyPr rtlCol="0" anchor="ctr"/>
+              <a:lstStyle/>
+              <a:p>
+                <a:pPr algn="ctr"/>
+                <a:endParaRPr lang="en-CA" dirty="0"/>
+              </a:p>
+            </p:txBody>
+          </p:sp>
+          <p:sp>
+            <p:nvSpPr>
+              <p:cNvPr id="40" name="Oval 39">
+                <a:extLst>
+                  <a:ext uri="{FF2B5EF4-FFF2-40B4-BE49-F238E27FC236}">
+                    <a16:creationId xmlns:a16="http://schemas.microsoft.com/office/drawing/2014/main" id="{C9C005F3-D8C7-4626-8E10-8B6C0514E64F}"/>
+                  </a:ext>
+                </a:extLst>
+              </p:cNvPr>
+              <p:cNvSpPr/>
+              <p:nvPr/>
+            </p:nvSpPr>
+            <p:spPr>
+              <a:xfrm>
+                <a:off x="7280403" y="2490483"/>
+                <a:ext cx="450937" cy="450937"/>
+              </a:xfrm>
+              <a:prstGeom prst="ellipse">
+                <a:avLst/>
+              </a:prstGeom>
+              <a:solidFill>
+                <a:schemeClr val="bg1"/>
+              </a:solidFill>
+            </p:spPr>
+            <p:style>
+              <a:lnRef idx="2">
+                <a:schemeClr val="accent1">
+                  <a:shade val="50000"/>
+                </a:schemeClr>
+              </a:lnRef>
+              <a:fillRef idx="1">
+                <a:schemeClr val="accent1"/>
+              </a:fillRef>
+              <a:effectRef idx="0">
+                <a:schemeClr val="accent1"/>
+              </a:effectRef>
+              <a:fontRef idx="minor">
+                <a:schemeClr val="lt1"/>
+              </a:fontRef>
+            </p:style>
+            <p:txBody>
+              <a:bodyPr rtlCol="0" anchor="ctr"/>
+              <a:lstStyle/>
+              <a:p>
+                <a:pPr algn="ctr"/>
+                <a:endParaRPr lang="en-CA"/>
+              </a:p>
+            </p:txBody>
+          </p:sp>
+        </p:grpSp>
+        <p:grpSp>
+          <p:nvGrpSpPr>
+            <p:cNvPr id="41" name="Group 40">
+              <a:extLst>
+                <a:ext uri="{FF2B5EF4-FFF2-40B4-BE49-F238E27FC236}">
+                  <a16:creationId xmlns:a16="http://schemas.microsoft.com/office/drawing/2014/main" id="{49F8F761-1B38-44C8-979E-409CEC2A277C}"/>
+                </a:ext>
+              </a:extLst>
+            </p:cNvPr>
+            <p:cNvGrpSpPr/>
+            <p:nvPr/>
+          </p:nvGrpSpPr>
+          <p:grpSpPr>
+            <a:xfrm>
+              <a:off x="3567741" y="4238511"/>
+              <a:ext cx="4175515" cy="458608"/>
+              <a:chOff x="3555825" y="2482812"/>
+              <a:chExt cx="4175515" cy="458608"/>
+            </a:xfrm>
+          </p:grpSpPr>
+          <p:sp>
+            <p:nvSpPr>
+              <p:cNvPr id="42" name="Oval 41">
+                <a:extLst>
+                  <a:ext uri="{FF2B5EF4-FFF2-40B4-BE49-F238E27FC236}">
+                    <a16:creationId xmlns:a16="http://schemas.microsoft.com/office/drawing/2014/main" id="{D0D59FDE-F369-4D31-81A1-D916000D3DD2}"/>
+                  </a:ext>
+                </a:extLst>
+              </p:cNvPr>
+              <p:cNvSpPr/>
+              <p:nvPr/>
+            </p:nvSpPr>
+            <p:spPr>
+              <a:xfrm>
+                <a:off x="3555825" y="2484619"/>
+                <a:ext cx="450937" cy="450937"/>
+              </a:xfrm>
+              <a:prstGeom prst="ellipse">
+                <a:avLst/>
+              </a:prstGeom>
+              <a:solidFill>
+                <a:schemeClr val="bg1"/>
+              </a:solidFill>
+            </p:spPr>
+            <p:style>
+              <a:lnRef idx="2">
+                <a:schemeClr val="accent1">
+                  <a:shade val="50000"/>
+                </a:schemeClr>
+              </a:lnRef>
+              <a:fillRef idx="1">
+                <a:schemeClr val="accent1"/>
+              </a:fillRef>
+              <a:effectRef idx="0">
+                <a:schemeClr val="accent1"/>
+              </a:effectRef>
+              <a:fontRef idx="minor">
+                <a:schemeClr val="lt1"/>
+              </a:fontRef>
+            </p:style>
+            <p:txBody>
+              <a:bodyPr rtlCol="0" anchor="ctr"/>
+              <a:lstStyle/>
+              <a:p>
+                <a:pPr algn="ctr"/>
+                <a:endParaRPr lang="en-CA"/>
+              </a:p>
+            </p:txBody>
+          </p:sp>
+          <p:sp>
+            <p:nvSpPr>
+              <p:cNvPr id="43" name="Oval 42">
+                <a:extLst>
+                  <a:ext uri="{FF2B5EF4-FFF2-40B4-BE49-F238E27FC236}">
+                    <a16:creationId xmlns:a16="http://schemas.microsoft.com/office/drawing/2014/main" id="{D082353C-7834-4E14-99D3-CE65DCDBF049}"/>
+                  </a:ext>
+                </a:extLst>
+              </p:cNvPr>
+              <p:cNvSpPr/>
+              <p:nvPr/>
+            </p:nvSpPr>
+            <p:spPr>
+              <a:xfrm>
+                <a:off x="4167862" y="2484615"/>
+                <a:ext cx="450937" cy="450937"/>
+              </a:xfrm>
+              <a:prstGeom prst="ellipse">
+                <a:avLst/>
+              </a:prstGeom>
+              <a:solidFill>
+                <a:schemeClr val="bg1"/>
+              </a:solidFill>
+            </p:spPr>
+            <p:style>
+              <a:lnRef idx="2">
+                <a:schemeClr val="accent1">
+                  <a:shade val="50000"/>
+                </a:schemeClr>
+              </a:lnRef>
+              <a:fillRef idx="1">
+                <a:schemeClr val="accent1"/>
+              </a:fillRef>
+              <a:effectRef idx="0">
+                <a:schemeClr val="accent1"/>
+              </a:effectRef>
+              <a:fontRef idx="minor">
+                <a:schemeClr val="lt1"/>
+              </a:fontRef>
+            </p:style>
+            <p:txBody>
+              <a:bodyPr rtlCol="0" anchor="ctr"/>
+              <a:lstStyle/>
+              <a:p>
+                <a:pPr algn="ctr"/>
+                <a:endParaRPr lang="en-CA" dirty="0"/>
+              </a:p>
+            </p:txBody>
+          </p:sp>
+          <p:sp>
+            <p:nvSpPr>
+              <p:cNvPr id="44" name="Oval 43">
+                <a:extLst>
+                  <a:ext uri="{FF2B5EF4-FFF2-40B4-BE49-F238E27FC236}">
+                    <a16:creationId xmlns:a16="http://schemas.microsoft.com/office/drawing/2014/main" id="{48B8B6BD-BC4F-497E-847C-A6E531659478}"/>
+                  </a:ext>
+                </a:extLst>
+              </p:cNvPr>
+              <p:cNvSpPr/>
+              <p:nvPr/>
+            </p:nvSpPr>
+            <p:spPr>
+              <a:xfrm>
+                <a:off x="4798013" y="2484615"/>
+                <a:ext cx="450937" cy="450937"/>
+              </a:xfrm>
+              <a:prstGeom prst="ellipse">
+                <a:avLst/>
+              </a:prstGeom>
+              <a:solidFill>
+                <a:schemeClr val="bg1"/>
+              </a:solidFill>
+            </p:spPr>
+            <p:style>
+              <a:lnRef idx="2">
+                <a:schemeClr val="accent1">
+                  <a:shade val="50000"/>
+                </a:schemeClr>
+              </a:lnRef>
+              <a:fillRef idx="1">
+                <a:schemeClr val="accent1"/>
+              </a:fillRef>
+              <a:effectRef idx="0">
+                <a:schemeClr val="accent1"/>
+              </a:effectRef>
+              <a:fontRef idx="minor">
+                <a:schemeClr val="lt1"/>
+              </a:fontRef>
+            </p:style>
+            <p:txBody>
+              <a:bodyPr rtlCol="0" anchor="ctr"/>
+              <a:lstStyle/>
+              <a:p>
+                <a:pPr algn="ctr"/>
+                <a:endParaRPr lang="en-CA" dirty="0"/>
+              </a:p>
+            </p:txBody>
+          </p:sp>
+          <p:sp>
+            <p:nvSpPr>
+              <p:cNvPr id="45" name="Oval 44">
+                <a:extLst>
+                  <a:ext uri="{FF2B5EF4-FFF2-40B4-BE49-F238E27FC236}">
+                    <a16:creationId xmlns:a16="http://schemas.microsoft.com/office/drawing/2014/main" id="{72C108BD-740E-44E2-8B71-58FDE82D2704}"/>
+                  </a:ext>
+                </a:extLst>
+              </p:cNvPr>
+              <p:cNvSpPr/>
+              <p:nvPr/>
+            </p:nvSpPr>
+            <p:spPr>
+              <a:xfrm>
+                <a:off x="5377144" y="2484616"/>
+                <a:ext cx="450937" cy="450937"/>
+              </a:xfrm>
+              <a:prstGeom prst="ellipse">
+                <a:avLst/>
+              </a:prstGeom>
+              <a:solidFill>
+                <a:schemeClr val="bg1"/>
+              </a:solidFill>
+            </p:spPr>
+            <p:style>
+              <a:lnRef idx="2">
+                <a:schemeClr val="accent1">
+                  <a:shade val="50000"/>
+                </a:schemeClr>
+              </a:lnRef>
+              <a:fillRef idx="1">
+                <a:schemeClr val="accent1"/>
+              </a:fillRef>
+              <a:effectRef idx="0">
+                <a:schemeClr val="accent1"/>
+              </a:effectRef>
+              <a:fontRef idx="minor">
+                <a:schemeClr val="lt1"/>
+              </a:fontRef>
+            </p:style>
+            <p:txBody>
+              <a:bodyPr rtlCol="0" anchor="ctr"/>
+              <a:lstStyle/>
+              <a:p>
+                <a:pPr algn="ctr"/>
+                <a:endParaRPr lang="en-CA" dirty="0"/>
+              </a:p>
+            </p:txBody>
+          </p:sp>
+          <p:sp>
+            <p:nvSpPr>
+              <p:cNvPr id="46" name="Oval 45">
+                <a:extLst>
+                  <a:ext uri="{FF2B5EF4-FFF2-40B4-BE49-F238E27FC236}">
+                    <a16:creationId xmlns:a16="http://schemas.microsoft.com/office/drawing/2014/main" id="{7622DA0F-0EF1-46B2-B85B-B04F014465D5}"/>
+                  </a:ext>
+                </a:extLst>
+              </p:cNvPr>
+              <p:cNvSpPr/>
+              <p:nvPr/>
+            </p:nvSpPr>
+            <p:spPr>
+              <a:xfrm>
+                <a:off x="6007295" y="2484614"/>
+                <a:ext cx="450937" cy="450937"/>
+              </a:xfrm>
+              <a:prstGeom prst="ellipse">
+                <a:avLst/>
+              </a:prstGeom>
+              <a:solidFill>
+                <a:schemeClr val="bg1"/>
+              </a:solidFill>
+            </p:spPr>
+            <p:style>
+              <a:lnRef idx="2">
+                <a:schemeClr val="accent1">
+                  <a:shade val="50000"/>
+                </a:schemeClr>
+              </a:lnRef>
+              <a:fillRef idx="1">
+                <a:schemeClr val="accent1"/>
+              </a:fillRef>
+              <a:effectRef idx="0">
+                <a:schemeClr val="accent1"/>
+              </a:effectRef>
+              <a:fontRef idx="minor">
+                <a:schemeClr val="lt1"/>
+              </a:fontRef>
+            </p:style>
+            <p:txBody>
+              <a:bodyPr rtlCol="0" anchor="ctr"/>
+              <a:lstStyle/>
+              <a:p>
+                <a:pPr algn="ctr"/>
+                <a:endParaRPr lang="en-CA" dirty="0"/>
+              </a:p>
+            </p:txBody>
+          </p:sp>
+          <p:sp>
+            <p:nvSpPr>
+              <p:cNvPr id="47" name="Oval 46">
+                <a:extLst>
+                  <a:ext uri="{FF2B5EF4-FFF2-40B4-BE49-F238E27FC236}">
+                    <a16:creationId xmlns:a16="http://schemas.microsoft.com/office/drawing/2014/main" id="{A958C74B-8AB8-44FB-B556-AFD1F57DF6E9}"/>
+                  </a:ext>
+                </a:extLst>
+              </p:cNvPr>
+              <p:cNvSpPr/>
+              <p:nvPr/>
+            </p:nvSpPr>
+            <p:spPr>
+              <a:xfrm>
+                <a:off x="6668366" y="2482812"/>
+                <a:ext cx="450937" cy="450937"/>
+              </a:xfrm>
+              <a:prstGeom prst="ellipse">
+                <a:avLst/>
+              </a:prstGeom>
+              <a:solidFill>
+                <a:schemeClr val="bg1"/>
+              </a:solidFill>
+            </p:spPr>
+            <p:style>
+              <a:lnRef idx="2">
+                <a:schemeClr val="accent1">
+                  <a:shade val="50000"/>
+                </a:schemeClr>
+              </a:lnRef>
+              <a:fillRef idx="1">
+                <a:schemeClr val="accent1"/>
+              </a:fillRef>
+              <a:effectRef idx="0">
+                <a:schemeClr val="accent1"/>
+              </a:effectRef>
+              <a:fontRef idx="minor">
+                <a:schemeClr val="lt1"/>
+              </a:fontRef>
+            </p:style>
+            <p:txBody>
+              <a:bodyPr rtlCol="0" anchor="ctr"/>
+              <a:lstStyle/>
+              <a:p>
+                <a:pPr algn="ctr"/>
+                <a:endParaRPr lang="en-CA" dirty="0"/>
+              </a:p>
+            </p:txBody>
+          </p:sp>
+          <p:sp>
+            <p:nvSpPr>
+              <p:cNvPr id="48" name="Oval 47">
+                <a:extLst>
+                  <a:ext uri="{FF2B5EF4-FFF2-40B4-BE49-F238E27FC236}">
+                    <a16:creationId xmlns:a16="http://schemas.microsoft.com/office/drawing/2014/main" id="{AAFB45A7-2CDB-4C34-A921-6BF20BBC30CF}"/>
+                  </a:ext>
+                </a:extLst>
+              </p:cNvPr>
+              <p:cNvSpPr/>
+              <p:nvPr/>
+            </p:nvSpPr>
+            <p:spPr>
+              <a:xfrm>
+                <a:off x="7280403" y="2490483"/>
+                <a:ext cx="450937" cy="450937"/>
+              </a:xfrm>
+              <a:prstGeom prst="ellipse">
+                <a:avLst/>
+              </a:prstGeom>
+              <a:solidFill>
+                <a:schemeClr val="bg1"/>
+              </a:solidFill>
+            </p:spPr>
+            <p:style>
+              <a:lnRef idx="2">
+                <a:schemeClr val="accent1">
+                  <a:shade val="50000"/>
+                </a:schemeClr>
+              </a:lnRef>
+              <a:fillRef idx="1">
+                <a:schemeClr val="accent1"/>
+              </a:fillRef>
+              <a:effectRef idx="0">
+                <a:schemeClr val="accent1"/>
+              </a:effectRef>
+              <a:fontRef idx="minor">
+                <a:schemeClr val="lt1"/>
+              </a:fontRef>
+            </p:style>
+            <p:txBody>
+              <a:bodyPr rtlCol="0" anchor="ctr"/>
+              <a:lstStyle/>
+              <a:p>
+                <a:pPr algn="ctr"/>
+                <a:endParaRPr lang="en-CA"/>
+              </a:p>
+            </p:txBody>
+          </p:sp>
+        </p:grpSp>
+        <p:grpSp>
+          <p:nvGrpSpPr>
+            <p:cNvPr id="49" name="Group 48">
+              <a:extLst>
+                <a:ext uri="{FF2B5EF4-FFF2-40B4-BE49-F238E27FC236}">
+                  <a16:creationId xmlns:a16="http://schemas.microsoft.com/office/drawing/2014/main" id="{453E1D91-5400-406B-BB89-8EFB14A898E1}"/>
+                </a:ext>
+              </a:extLst>
+            </p:cNvPr>
+            <p:cNvGrpSpPr/>
+            <p:nvPr/>
+          </p:nvGrpSpPr>
+          <p:grpSpPr>
+            <a:xfrm>
+              <a:off x="3570112" y="4822406"/>
+              <a:ext cx="4175515" cy="458608"/>
+              <a:chOff x="3555825" y="2482812"/>
+              <a:chExt cx="4175515" cy="458608"/>
+            </a:xfrm>
+          </p:grpSpPr>
+          <p:sp>
+            <p:nvSpPr>
+              <p:cNvPr id="50" name="Oval 49">
+                <a:extLst>
+                  <a:ext uri="{FF2B5EF4-FFF2-40B4-BE49-F238E27FC236}">
+                    <a16:creationId xmlns:a16="http://schemas.microsoft.com/office/drawing/2014/main" id="{726CC507-CC1D-445B-92F1-C242F3561684}"/>
+                  </a:ext>
+                </a:extLst>
+              </p:cNvPr>
+              <p:cNvSpPr/>
+              <p:nvPr/>
+            </p:nvSpPr>
+            <p:spPr>
+              <a:xfrm>
+                <a:off x="3555825" y="2484619"/>
+                <a:ext cx="450937" cy="450937"/>
+              </a:xfrm>
+              <a:prstGeom prst="ellipse">
+                <a:avLst/>
+              </a:prstGeom>
+              <a:solidFill>
+                <a:schemeClr val="bg1"/>
+              </a:solidFill>
+            </p:spPr>
+            <p:style>
+              <a:lnRef idx="2">
+                <a:schemeClr val="accent1">
+                  <a:shade val="50000"/>
+                </a:schemeClr>
+              </a:lnRef>
+              <a:fillRef idx="1">
+                <a:schemeClr val="accent1"/>
+              </a:fillRef>
+              <a:effectRef idx="0">
+                <a:schemeClr val="accent1"/>
+              </a:effectRef>
+              <a:fontRef idx="minor">
+                <a:schemeClr val="lt1"/>
+              </a:fontRef>
+            </p:style>
+            <p:txBody>
+              <a:bodyPr rtlCol="0" anchor="ctr"/>
+              <a:lstStyle/>
+              <a:p>
+                <a:pPr algn="ctr"/>
+                <a:endParaRPr lang="en-CA"/>
+              </a:p>
+            </p:txBody>
+          </p:sp>
+          <p:sp>
+            <p:nvSpPr>
+              <p:cNvPr id="51" name="Oval 50">
+                <a:extLst>
+                  <a:ext uri="{FF2B5EF4-FFF2-40B4-BE49-F238E27FC236}">
+                    <a16:creationId xmlns:a16="http://schemas.microsoft.com/office/drawing/2014/main" id="{795627D9-D33A-493B-BB44-FFEEAC04C46A}"/>
+                  </a:ext>
+                </a:extLst>
+              </p:cNvPr>
+              <p:cNvSpPr/>
+              <p:nvPr/>
+            </p:nvSpPr>
+            <p:spPr>
+              <a:xfrm>
+                <a:off x="4167862" y="2484615"/>
+                <a:ext cx="450937" cy="450937"/>
+              </a:xfrm>
+              <a:prstGeom prst="ellipse">
+                <a:avLst/>
+              </a:prstGeom>
+              <a:solidFill>
+                <a:schemeClr val="bg1"/>
+              </a:solidFill>
+            </p:spPr>
+            <p:style>
+              <a:lnRef idx="2">
+                <a:schemeClr val="accent1">
+                  <a:shade val="50000"/>
+                </a:schemeClr>
+              </a:lnRef>
+              <a:fillRef idx="1">
+                <a:schemeClr val="accent1"/>
+              </a:fillRef>
+              <a:effectRef idx="0">
+                <a:schemeClr val="accent1"/>
+              </a:effectRef>
+              <a:fontRef idx="minor">
+                <a:schemeClr val="lt1"/>
+              </a:fontRef>
+            </p:style>
+            <p:txBody>
+              <a:bodyPr rtlCol="0" anchor="ctr"/>
+              <a:lstStyle/>
+              <a:p>
+                <a:pPr algn="ctr"/>
+                <a:endParaRPr lang="en-CA" dirty="0"/>
+              </a:p>
+            </p:txBody>
+          </p:sp>
+          <p:sp>
+            <p:nvSpPr>
+              <p:cNvPr id="52" name="Oval 51">
+                <a:extLst>
+                  <a:ext uri="{FF2B5EF4-FFF2-40B4-BE49-F238E27FC236}">
+                    <a16:creationId xmlns:a16="http://schemas.microsoft.com/office/drawing/2014/main" id="{D0E5618F-F845-4DC2-9DE0-3EC0535052E9}"/>
+                  </a:ext>
+                </a:extLst>
+              </p:cNvPr>
+              <p:cNvSpPr/>
+              <p:nvPr/>
+            </p:nvSpPr>
+            <p:spPr>
+              <a:xfrm>
+                <a:off x="4798013" y="2484615"/>
+                <a:ext cx="450937" cy="450937"/>
+              </a:xfrm>
+              <a:prstGeom prst="ellipse">
+                <a:avLst/>
+              </a:prstGeom>
+              <a:solidFill>
+                <a:schemeClr val="bg1"/>
+              </a:solidFill>
+            </p:spPr>
+            <p:style>
+              <a:lnRef idx="2">
+                <a:schemeClr val="accent1">
+                  <a:shade val="50000"/>
+                </a:schemeClr>
+              </a:lnRef>
+              <a:fillRef idx="1">
+                <a:schemeClr val="accent1"/>
+              </a:fillRef>
+              <a:effectRef idx="0">
+                <a:schemeClr val="accent1"/>
+              </a:effectRef>
+              <a:fontRef idx="minor">
+                <a:schemeClr val="lt1"/>
+              </a:fontRef>
+            </p:style>
+            <p:txBody>
+              <a:bodyPr rtlCol="0" anchor="ctr"/>
+              <a:lstStyle/>
+              <a:p>
+                <a:pPr algn="ctr"/>
+                <a:endParaRPr lang="en-CA" dirty="0"/>
+              </a:p>
+            </p:txBody>
+          </p:sp>
+          <p:sp>
+            <p:nvSpPr>
+              <p:cNvPr id="53" name="Oval 52">
+                <a:extLst>
+                  <a:ext uri="{FF2B5EF4-FFF2-40B4-BE49-F238E27FC236}">
+                    <a16:creationId xmlns:a16="http://schemas.microsoft.com/office/drawing/2014/main" id="{B48606BC-1E80-4EC6-966D-1EF6B0B0D421}"/>
+                  </a:ext>
+                </a:extLst>
+              </p:cNvPr>
+              <p:cNvSpPr/>
+              <p:nvPr/>
+            </p:nvSpPr>
+            <p:spPr>
+              <a:xfrm>
+                <a:off x="5377144" y="2484616"/>
+                <a:ext cx="450937" cy="450937"/>
+              </a:xfrm>
+              <a:prstGeom prst="ellipse">
+                <a:avLst/>
+              </a:prstGeom>
+              <a:solidFill>
+                <a:schemeClr val="bg1"/>
+              </a:solidFill>
+            </p:spPr>
+            <p:style>
+              <a:lnRef idx="2">
+                <a:schemeClr val="accent1">
+                  <a:shade val="50000"/>
+                </a:schemeClr>
+              </a:lnRef>
+              <a:fillRef idx="1">
+                <a:schemeClr val="accent1"/>
+              </a:fillRef>
+              <a:effectRef idx="0">
+                <a:schemeClr val="accent1"/>
+              </a:effectRef>
+              <a:fontRef idx="minor">
+                <a:schemeClr val="lt1"/>
+              </a:fontRef>
+            </p:style>
+            <p:txBody>
+              <a:bodyPr rtlCol="0" anchor="ctr"/>
+              <a:lstStyle/>
+              <a:p>
+                <a:pPr algn="ctr"/>
+                <a:endParaRPr lang="en-CA" dirty="0"/>
+              </a:p>
+            </p:txBody>
+          </p:sp>
+          <p:sp>
+            <p:nvSpPr>
+              <p:cNvPr id="54" name="Oval 53">
+                <a:extLst>
+                  <a:ext uri="{FF2B5EF4-FFF2-40B4-BE49-F238E27FC236}">
+                    <a16:creationId xmlns:a16="http://schemas.microsoft.com/office/drawing/2014/main" id="{2BED1DE7-65A6-4954-86AF-41637EFB19E7}"/>
+                  </a:ext>
+                </a:extLst>
+              </p:cNvPr>
+              <p:cNvSpPr/>
+              <p:nvPr/>
+            </p:nvSpPr>
+            <p:spPr>
+              <a:xfrm>
+                <a:off x="6007295" y="2484614"/>
+                <a:ext cx="450937" cy="450937"/>
+              </a:xfrm>
+              <a:prstGeom prst="ellipse">
+                <a:avLst/>
+              </a:prstGeom>
+              <a:solidFill>
+                <a:schemeClr val="bg1"/>
+              </a:solidFill>
+            </p:spPr>
+            <p:style>
+              <a:lnRef idx="2">
+                <a:schemeClr val="accent1">
+                  <a:shade val="50000"/>
+                </a:schemeClr>
+              </a:lnRef>
+              <a:fillRef idx="1">
+                <a:schemeClr val="accent1"/>
+              </a:fillRef>
+              <a:effectRef idx="0">
+                <a:schemeClr val="accent1"/>
+              </a:effectRef>
+              <a:fontRef idx="minor">
+                <a:schemeClr val="lt1"/>
+              </a:fontRef>
+            </p:style>
+            <p:txBody>
+              <a:bodyPr rtlCol="0" anchor="ctr"/>
+              <a:lstStyle/>
+              <a:p>
+                <a:pPr algn="ctr"/>
+                <a:endParaRPr lang="en-CA" dirty="0"/>
+              </a:p>
+            </p:txBody>
+          </p:sp>
+          <p:sp>
+            <p:nvSpPr>
+              <p:cNvPr id="55" name="Oval 54">
+                <a:extLst>
+                  <a:ext uri="{FF2B5EF4-FFF2-40B4-BE49-F238E27FC236}">
+                    <a16:creationId xmlns:a16="http://schemas.microsoft.com/office/drawing/2014/main" id="{26A0C419-B775-48EA-8595-995E168AF60E}"/>
+                  </a:ext>
+                </a:extLst>
+              </p:cNvPr>
+              <p:cNvSpPr/>
+              <p:nvPr/>
+            </p:nvSpPr>
+            <p:spPr>
+              <a:xfrm>
+                <a:off x="6668366" y="2482812"/>
+                <a:ext cx="450937" cy="450937"/>
+              </a:xfrm>
+              <a:prstGeom prst="ellipse">
+                <a:avLst/>
+              </a:prstGeom>
+              <a:solidFill>
+                <a:schemeClr val="bg1"/>
+              </a:solidFill>
+            </p:spPr>
+            <p:style>
+              <a:lnRef idx="2">
+                <a:schemeClr val="accent1">
+                  <a:shade val="50000"/>
+                </a:schemeClr>
+              </a:lnRef>
+              <a:fillRef idx="1">
+                <a:schemeClr val="accent1"/>
+              </a:fillRef>
+              <a:effectRef idx="0">
+                <a:schemeClr val="accent1"/>
+              </a:effectRef>
+              <a:fontRef idx="minor">
+                <a:schemeClr val="lt1"/>
+              </a:fontRef>
+            </p:style>
+            <p:txBody>
+              <a:bodyPr rtlCol="0" anchor="ctr"/>
+              <a:lstStyle/>
+              <a:p>
+                <a:pPr algn="ctr"/>
+                <a:endParaRPr lang="en-CA" dirty="0"/>
+              </a:p>
+            </p:txBody>
+          </p:sp>
+          <p:sp>
+            <p:nvSpPr>
+              <p:cNvPr id="56" name="Oval 55">
+                <a:extLst>
+                  <a:ext uri="{FF2B5EF4-FFF2-40B4-BE49-F238E27FC236}">
+                    <a16:creationId xmlns:a16="http://schemas.microsoft.com/office/drawing/2014/main" id="{EDF7B18D-26C9-470E-970B-01C29B58D90D}"/>
+                  </a:ext>
+                </a:extLst>
+              </p:cNvPr>
+              <p:cNvSpPr/>
+              <p:nvPr/>
+            </p:nvSpPr>
+            <p:spPr>
+              <a:xfrm>
+                <a:off x="7280403" y="2490483"/>
+                <a:ext cx="450937" cy="450937"/>
+              </a:xfrm>
+              <a:prstGeom prst="ellipse">
+                <a:avLst/>
+              </a:prstGeom>
+              <a:solidFill>
+                <a:schemeClr val="bg1"/>
+              </a:solidFill>
+            </p:spPr>
+            <p:style>
+              <a:lnRef idx="2">
+                <a:schemeClr val="accent1">
+                  <a:shade val="50000"/>
+                </a:schemeClr>
+              </a:lnRef>
+              <a:fillRef idx="1">
+                <a:schemeClr val="accent1"/>
+              </a:fillRef>
+              <a:effectRef idx="0">
+                <a:schemeClr val="accent1"/>
+              </a:effectRef>
+              <a:fontRef idx="minor">
+                <a:schemeClr val="lt1"/>
+              </a:fontRef>
+            </p:style>
+            <p:txBody>
+              <a:bodyPr rtlCol="0" anchor="ctr"/>
+              <a:lstStyle/>
+              <a:p>
+                <a:pPr algn="ctr"/>
+                <a:endParaRPr lang="en-CA"/>
+              </a:p>
+            </p:txBody>
+          </p:sp>
+        </p:grpSp>
+        <p:grpSp>
+          <p:nvGrpSpPr>
+            <p:cNvPr id="57" name="Group 56">
+              <a:extLst>
+                <a:ext uri="{FF2B5EF4-FFF2-40B4-BE49-F238E27FC236}">
+                  <a16:creationId xmlns:a16="http://schemas.microsoft.com/office/drawing/2014/main" id="{8C7843BD-9062-4608-929F-0D47719C0CDB}"/>
+                </a:ext>
+              </a:extLst>
+            </p:cNvPr>
+            <p:cNvGrpSpPr/>
+            <p:nvPr/>
+          </p:nvGrpSpPr>
+          <p:grpSpPr>
+            <a:xfrm>
+              <a:off x="3567741" y="5398631"/>
+              <a:ext cx="4175515" cy="458608"/>
+              <a:chOff x="3555825" y="2482812"/>
+              <a:chExt cx="4175515" cy="458608"/>
+            </a:xfrm>
+          </p:grpSpPr>
+          <p:sp>
+            <p:nvSpPr>
+              <p:cNvPr id="58" name="Oval 57">
+                <a:extLst>
+                  <a:ext uri="{FF2B5EF4-FFF2-40B4-BE49-F238E27FC236}">
+                    <a16:creationId xmlns:a16="http://schemas.microsoft.com/office/drawing/2014/main" id="{BC2C1604-EA4B-4C6B-8BCD-BD71F35AD3DC}"/>
+                  </a:ext>
+                </a:extLst>
+              </p:cNvPr>
+              <p:cNvSpPr/>
+              <p:nvPr/>
+            </p:nvSpPr>
+            <p:spPr>
+              <a:xfrm>
+                <a:off x="3555825" y="2484619"/>
+                <a:ext cx="450937" cy="450937"/>
+              </a:xfrm>
+              <a:prstGeom prst="ellipse">
+                <a:avLst/>
+              </a:prstGeom>
+              <a:solidFill>
+                <a:schemeClr val="bg1"/>
+              </a:solidFill>
+            </p:spPr>
+            <p:style>
+              <a:lnRef idx="2">
+                <a:schemeClr val="accent1">
+                  <a:shade val="50000"/>
+                </a:schemeClr>
+              </a:lnRef>
+              <a:fillRef idx="1">
+                <a:schemeClr val="accent1"/>
+              </a:fillRef>
+              <a:effectRef idx="0">
+                <a:schemeClr val="accent1"/>
+              </a:effectRef>
+              <a:fontRef idx="minor">
+                <a:schemeClr val="lt1"/>
+              </a:fontRef>
+            </p:style>
+            <p:txBody>
+              <a:bodyPr rtlCol="0" anchor="ctr"/>
+              <a:lstStyle/>
+              <a:p>
+                <a:pPr algn="ctr"/>
+                <a:endParaRPr lang="en-CA"/>
+              </a:p>
+            </p:txBody>
+          </p:sp>
+          <p:sp>
+            <p:nvSpPr>
+              <p:cNvPr id="59" name="Oval 58">
+                <a:extLst>
+                  <a:ext uri="{FF2B5EF4-FFF2-40B4-BE49-F238E27FC236}">
+                    <a16:creationId xmlns:a16="http://schemas.microsoft.com/office/drawing/2014/main" id="{82D9DAE6-A141-40BC-A132-126324FD4C63}"/>
+                  </a:ext>
+                </a:extLst>
+              </p:cNvPr>
+              <p:cNvSpPr/>
+              <p:nvPr/>
+            </p:nvSpPr>
+            <p:spPr>
+              <a:xfrm>
+                <a:off x="4167862" y="2484615"/>
+                <a:ext cx="450937" cy="450937"/>
+              </a:xfrm>
+              <a:prstGeom prst="ellipse">
+                <a:avLst/>
+              </a:prstGeom>
+              <a:solidFill>
+                <a:schemeClr val="bg1"/>
+              </a:solidFill>
+            </p:spPr>
+            <p:style>
+              <a:lnRef idx="2">
+                <a:schemeClr val="accent1">
+                  <a:shade val="50000"/>
+                </a:schemeClr>
+              </a:lnRef>
+              <a:fillRef idx="1">
+                <a:schemeClr val="accent1"/>
+              </a:fillRef>
+              <a:effectRef idx="0">
+                <a:schemeClr val="accent1"/>
+              </a:effectRef>
+              <a:fontRef idx="minor">
+                <a:schemeClr val="lt1"/>
+              </a:fontRef>
+            </p:style>
+            <p:txBody>
+              <a:bodyPr rtlCol="0" anchor="ctr"/>
+              <a:lstStyle/>
+              <a:p>
+                <a:pPr algn="ctr"/>
+                <a:endParaRPr lang="en-CA" dirty="0"/>
+              </a:p>
+            </p:txBody>
+          </p:sp>
+          <p:sp>
+            <p:nvSpPr>
+              <p:cNvPr id="60" name="Oval 59">
+                <a:extLst>
+                  <a:ext uri="{FF2B5EF4-FFF2-40B4-BE49-F238E27FC236}">
+                    <a16:creationId xmlns:a16="http://schemas.microsoft.com/office/drawing/2014/main" id="{8A8E3BBC-6281-42DD-96A3-7AA19C42BBF7}"/>
+                  </a:ext>
+                </a:extLst>
+              </p:cNvPr>
+              <p:cNvSpPr/>
+              <p:nvPr/>
+            </p:nvSpPr>
+            <p:spPr>
+              <a:xfrm>
+                <a:off x="4798013" y="2484615"/>
+                <a:ext cx="450937" cy="450937"/>
+              </a:xfrm>
+              <a:prstGeom prst="ellipse">
+                <a:avLst/>
+              </a:prstGeom>
+              <a:solidFill>
+                <a:schemeClr val="bg1"/>
+              </a:solidFill>
+            </p:spPr>
+            <p:style>
+              <a:lnRef idx="2">
+                <a:schemeClr val="accent1">
+                  <a:shade val="50000"/>
+                </a:schemeClr>
+              </a:lnRef>
+              <a:fillRef idx="1">
+                <a:schemeClr val="accent1"/>
+              </a:fillRef>
+              <a:effectRef idx="0">
+                <a:schemeClr val="accent1"/>
+              </a:effectRef>
+              <a:fontRef idx="minor">
+                <a:schemeClr val="lt1"/>
+              </a:fontRef>
+            </p:style>
+            <p:txBody>
+              <a:bodyPr rtlCol="0" anchor="ctr"/>
+              <a:lstStyle/>
+              <a:p>
+                <a:pPr algn="ctr"/>
+                <a:endParaRPr lang="en-CA" dirty="0"/>
+              </a:p>
+            </p:txBody>
+          </p:sp>
+          <p:sp>
+            <p:nvSpPr>
+              <p:cNvPr id="61" name="Oval 60">
+                <a:extLst>
+                  <a:ext uri="{FF2B5EF4-FFF2-40B4-BE49-F238E27FC236}">
+                    <a16:creationId xmlns:a16="http://schemas.microsoft.com/office/drawing/2014/main" id="{716BFB38-C235-4CDA-A1BF-70EF64763785}"/>
+                  </a:ext>
+                </a:extLst>
+              </p:cNvPr>
+              <p:cNvSpPr/>
+              <p:nvPr/>
+            </p:nvSpPr>
+            <p:spPr>
+              <a:xfrm>
+                <a:off x="5377144" y="2484616"/>
+                <a:ext cx="450937" cy="450937"/>
+              </a:xfrm>
+              <a:prstGeom prst="ellipse">
+                <a:avLst/>
+              </a:prstGeom>
+              <a:solidFill>
+                <a:schemeClr val="bg1"/>
+              </a:solidFill>
+            </p:spPr>
+            <p:style>
+              <a:lnRef idx="2">
+                <a:schemeClr val="accent1">
+                  <a:shade val="50000"/>
+                </a:schemeClr>
+              </a:lnRef>
+              <a:fillRef idx="1">
+                <a:schemeClr val="accent1"/>
+              </a:fillRef>
+              <a:effectRef idx="0">
+                <a:schemeClr val="accent1"/>
+              </a:effectRef>
+              <a:fontRef idx="minor">
+                <a:schemeClr val="lt1"/>
+              </a:fontRef>
+            </p:style>
+            <p:txBody>
+              <a:bodyPr rtlCol="0" anchor="ctr"/>
+              <a:lstStyle/>
+              <a:p>
+                <a:pPr algn="ctr"/>
+                <a:endParaRPr lang="en-CA" dirty="0"/>
+              </a:p>
+            </p:txBody>
+          </p:sp>
+          <p:sp>
+            <p:nvSpPr>
+              <p:cNvPr id="62" name="Oval 61">
+                <a:extLst>
+                  <a:ext uri="{FF2B5EF4-FFF2-40B4-BE49-F238E27FC236}">
+                    <a16:creationId xmlns:a16="http://schemas.microsoft.com/office/drawing/2014/main" id="{095AA1D1-2529-4CE1-8131-68D6C7A63474}"/>
+                  </a:ext>
+                </a:extLst>
+              </p:cNvPr>
+              <p:cNvSpPr/>
+              <p:nvPr/>
+            </p:nvSpPr>
+            <p:spPr>
+              <a:xfrm>
+                <a:off x="6007295" y="2484614"/>
+                <a:ext cx="450937" cy="450937"/>
+              </a:xfrm>
+              <a:prstGeom prst="ellipse">
+                <a:avLst/>
+              </a:prstGeom>
+              <a:solidFill>
+                <a:schemeClr val="bg1"/>
+              </a:solidFill>
+            </p:spPr>
+            <p:style>
+              <a:lnRef idx="2">
+                <a:schemeClr val="accent1">
+                  <a:shade val="50000"/>
+                </a:schemeClr>
+              </a:lnRef>
+              <a:fillRef idx="1">
+                <a:schemeClr val="accent1"/>
+              </a:fillRef>
+              <a:effectRef idx="0">
+                <a:schemeClr val="accent1"/>
+              </a:effectRef>
+              <a:fontRef idx="minor">
+                <a:schemeClr val="lt1"/>
+              </a:fontRef>
+            </p:style>
+            <p:txBody>
+              <a:bodyPr rtlCol="0" anchor="ctr"/>
+              <a:lstStyle/>
+              <a:p>
+                <a:pPr algn="ctr"/>
+                <a:endParaRPr lang="en-CA" dirty="0"/>
+              </a:p>
+            </p:txBody>
+          </p:sp>
+          <p:sp>
+            <p:nvSpPr>
+              <p:cNvPr id="63" name="Oval 62">
+                <a:extLst>
+                  <a:ext uri="{FF2B5EF4-FFF2-40B4-BE49-F238E27FC236}">
+                    <a16:creationId xmlns:a16="http://schemas.microsoft.com/office/drawing/2014/main" id="{B6A62CF8-FB27-4562-AC4E-9226DD6ED35A}"/>
+                  </a:ext>
+                </a:extLst>
+              </p:cNvPr>
+              <p:cNvSpPr/>
+              <p:nvPr/>
+            </p:nvSpPr>
+            <p:spPr>
+              <a:xfrm>
+                <a:off x="6668366" y="2482812"/>
+                <a:ext cx="450937" cy="450937"/>
+              </a:xfrm>
+              <a:prstGeom prst="ellipse">
+                <a:avLst/>
+              </a:prstGeom>
+              <a:solidFill>
+                <a:schemeClr val="bg1"/>
+              </a:solidFill>
+            </p:spPr>
+            <p:style>
+              <a:lnRef idx="2">
+                <a:schemeClr val="accent1">
+                  <a:shade val="50000"/>
+                </a:schemeClr>
+              </a:lnRef>
+              <a:fillRef idx="1">
+                <a:schemeClr val="accent1"/>
+              </a:fillRef>
+              <a:effectRef idx="0">
+                <a:schemeClr val="accent1"/>
+              </a:effectRef>
+              <a:fontRef idx="minor">
+                <a:schemeClr val="lt1"/>
+              </a:fontRef>
+            </p:style>
+            <p:txBody>
+              <a:bodyPr rtlCol="0" anchor="ctr"/>
+              <a:lstStyle/>
+              <a:p>
+                <a:pPr algn="ctr"/>
+                <a:endParaRPr lang="en-CA" dirty="0"/>
+              </a:p>
+            </p:txBody>
+          </p:sp>
+          <p:sp>
+            <p:nvSpPr>
+              <p:cNvPr id="64" name="Oval 63">
+                <a:extLst>
+                  <a:ext uri="{FF2B5EF4-FFF2-40B4-BE49-F238E27FC236}">
+                    <a16:creationId xmlns:a16="http://schemas.microsoft.com/office/drawing/2014/main" id="{25ACF7E0-49AC-4149-82B3-0B1D37F5F579}"/>
+                  </a:ext>
+                </a:extLst>
+              </p:cNvPr>
+              <p:cNvSpPr/>
+              <p:nvPr/>
+            </p:nvSpPr>
+            <p:spPr>
+              <a:xfrm>
+                <a:off x="7280403" y="2490483"/>
+                <a:ext cx="450937" cy="450937"/>
+              </a:xfrm>
+              <a:prstGeom prst="ellipse">
+                <a:avLst/>
+              </a:prstGeom>
+              <a:solidFill>
+                <a:schemeClr val="bg1"/>
+              </a:solidFill>
+            </p:spPr>
+            <p:style>
+              <a:lnRef idx="2">
+                <a:schemeClr val="accent1">
+                  <a:shade val="50000"/>
+                </a:schemeClr>
+              </a:lnRef>
+              <a:fillRef idx="1">
+                <a:schemeClr val="accent1"/>
+              </a:fillRef>
+              <a:effectRef idx="0">
+                <a:schemeClr val="accent1"/>
+              </a:effectRef>
+              <a:fontRef idx="minor">
+                <a:schemeClr val="lt1"/>
+              </a:fontRef>
+            </p:style>
+            <p:txBody>
+              <a:bodyPr rtlCol="0" anchor="ctr"/>
+              <a:lstStyle/>
+              <a:p>
+                <a:pPr algn="ctr"/>
+                <a:endParaRPr lang="en-CA"/>
+              </a:p>
+            </p:txBody>
+          </p:sp>
+        </p:grpSp>
+      </p:grpSp>
+      <p:sp>
+        <p:nvSpPr>
+          <p:cNvPr id="66" name="TextBox 65">
+            <a:extLst>
+              <a:ext uri="{FF2B5EF4-FFF2-40B4-BE49-F238E27FC236}">
+                <a16:creationId xmlns:a16="http://schemas.microsoft.com/office/drawing/2014/main" id="{B0624373-D597-485C-9070-D22334407DE8}"/>
+              </a:ext>
+            </a:extLst>
+          </p:cNvPr>
+          <p:cNvSpPr txBox="1"/>
+          <p:nvPr/>
+        </p:nvSpPr>
+        <p:spPr>
+          <a:xfrm>
+            <a:off x="2469617" y="5887762"/>
+            <a:ext cx="6156543" cy="369332"/>
+          </a:xfrm>
+          <a:prstGeom prst="rect">
+            <a:avLst/>
+          </a:prstGeom>
+          <a:noFill/>
+        </p:spPr>
+        <p:txBody>
+          <a:bodyPr wrap="square" rtlCol="0">
+            <a:spAutoFit/>
+          </a:bodyPr>
+          <a:lstStyle/>
+          <a:p>
+            <a:pPr algn="ctr"/>
+            <a:r>
+              <a:rPr lang="en-US" dirty="0"/>
+              <a:t>Player ___ , it is your turn!</a:t>
+            </a:r>
+            <a:endParaRPr lang="en-CA" dirty="0"/>
+          </a:p>
+        </p:txBody>
+      </p:sp>
+      <p:sp>
+        <p:nvSpPr>
+          <p:cNvPr id="75" name="Oval 74">
+            <a:extLst>
+              <a:ext uri="{FF2B5EF4-FFF2-40B4-BE49-F238E27FC236}">
+                <a16:creationId xmlns:a16="http://schemas.microsoft.com/office/drawing/2014/main" id="{33E430A3-7F81-4BB8-9A86-560BD480FFC2}"/>
               </a:ext>
             </a:extLst>
           </p:cNvPr>
@@ -5960,10 +13225,10 @@
         </p:nvSpPr>
         <p:spPr>
           <a:xfrm>
-            <a:off x="2796987" y="3226009"/>
-            <a:ext cx="779929" cy="587188"/>
+            <a:off x="2078273" y="5658999"/>
+            <a:ext cx="1222332" cy="507304"/>
           </a:xfrm>
-          <a:prstGeom prst="downArrow">
+          <a:prstGeom prst="ellipse">
             <a:avLst/>
           </a:prstGeom>
         </p:spPr>
@@ -5988,16 +13253,20 @@
           <a:lstStyle/>
           <a:p>
             <a:pPr algn="ctr"/>
-            <a:endParaRPr lang="en-US" dirty="0"/>
+            <a:r>
+              <a:rPr lang="en-US" dirty="0"/>
+              <a:t>Help</a:t>
+            </a:r>
+            <a:endParaRPr lang="en-CA" dirty="0"/>
           </a:p>
         </p:txBody>
       </p:sp>
       <p:sp>
         <p:nvSpPr>
-          <p:cNvPr id="8" name="Down Arrow 7">
+          <p:cNvPr id="77" name="Oval 76">
             <a:extLst>
               <a:ext uri="{FF2B5EF4-FFF2-40B4-BE49-F238E27FC236}">
-                <a16:creationId xmlns:a16="http://schemas.microsoft.com/office/drawing/2014/main" id="{E3F8D27A-A497-4A40-8648-0A8B504CB20C}"/>
+                <a16:creationId xmlns:a16="http://schemas.microsoft.com/office/drawing/2014/main" id="{2ACC5A64-ED4F-4C58-8855-DF26FA6FE9F1}"/>
               </a:ext>
             </a:extLst>
           </p:cNvPr>
@@ -6006,10 +13275,10 @@
         </p:nvSpPr>
         <p:spPr>
           <a:xfrm>
-            <a:off x="2796987" y="4170235"/>
-            <a:ext cx="779929" cy="587188"/>
+            <a:off x="7908546" y="5565124"/>
+            <a:ext cx="1222332" cy="507304"/>
           </a:xfrm>
-          <a:prstGeom prst="downArrow">
+          <a:prstGeom prst="ellipse">
             <a:avLst/>
           </a:prstGeom>
         </p:spPr>
@@ -6034,273 +13303,32 @@
           <a:lstStyle/>
           <a:p>
             <a:pPr algn="ctr"/>
-            <a:endParaRPr lang="en-US"/>
-          </a:p>
-        </p:txBody>
-      </p:sp>
-      <p:sp>
-        <p:nvSpPr>
-          <p:cNvPr id="9" name="Down Arrow 8">
-            <a:extLst>
-              <a:ext uri="{FF2B5EF4-FFF2-40B4-BE49-F238E27FC236}">
-                <a16:creationId xmlns:a16="http://schemas.microsoft.com/office/drawing/2014/main" id="{98320FBD-24C9-1941-B5C1-FC92C8097923}"/>
-              </a:ext>
-            </a:extLst>
-          </p:cNvPr>
-          <p:cNvSpPr/>
-          <p:nvPr/>
-        </p:nvSpPr>
-        <p:spPr>
-          <a:xfrm>
-            <a:off x="2796987" y="5173599"/>
-            <a:ext cx="779929" cy="587188"/>
-          </a:xfrm>
-          <a:prstGeom prst="downArrow">
-            <a:avLst/>
-          </a:prstGeom>
-        </p:spPr>
-        <p:style>
-          <a:lnRef idx="2">
-            <a:schemeClr val="accent1">
-              <a:shade val="50000"/>
-            </a:schemeClr>
-          </a:lnRef>
-          <a:fillRef idx="1">
-            <a:schemeClr val="accent1"/>
-          </a:fillRef>
-          <a:effectRef idx="0">
-            <a:schemeClr val="accent1"/>
-          </a:effectRef>
-          <a:fontRef idx="minor">
-            <a:schemeClr val="lt1"/>
-          </a:fontRef>
-        </p:style>
-        <p:txBody>
-          <a:bodyPr rtlCol="0" anchor="ctr"/>
-          <a:lstStyle/>
-          <a:p>
-            <a:pPr algn="ctr"/>
-            <a:endParaRPr lang="en-US"/>
-          </a:p>
-        </p:txBody>
-      </p:sp>
-      <p:sp>
-        <p:nvSpPr>
-          <p:cNvPr id="10" name="Down Arrow 9">
-            <a:extLst>
-              <a:ext uri="{FF2B5EF4-FFF2-40B4-BE49-F238E27FC236}">
-                <a16:creationId xmlns:a16="http://schemas.microsoft.com/office/drawing/2014/main" id="{15B78ECE-E10C-204D-8DE4-782E543251E1}"/>
-              </a:ext>
-            </a:extLst>
-          </p:cNvPr>
-          <p:cNvSpPr/>
-          <p:nvPr/>
-        </p:nvSpPr>
-        <p:spPr>
-          <a:xfrm>
-            <a:off x="2796987" y="2343273"/>
-            <a:ext cx="779929" cy="587188"/>
-          </a:xfrm>
-          <a:prstGeom prst="downArrow">
-            <a:avLst/>
-          </a:prstGeom>
-        </p:spPr>
-        <p:style>
-          <a:lnRef idx="2">
-            <a:schemeClr val="accent1">
-              <a:shade val="50000"/>
-            </a:schemeClr>
-          </a:lnRef>
-          <a:fillRef idx="1">
-            <a:schemeClr val="accent1"/>
-          </a:fillRef>
-          <a:effectRef idx="0">
-            <a:schemeClr val="accent1"/>
-          </a:effectRef>
-          <a:fontRef idx="minor">
-            <a:schemeClr val="lt1"/>
-          </a:fontRef>
-        </p:style>
-        <p:txBody>
-          <a:bodyPr rtlCol="0" anchor="ctr"/>
-          <a:lstStyle/>
-          <a:p>
-            <a:pPr algn="ctr"/>
-            <a:endParaRPr lang="en-US" dirty="0"/>
+            <a:r>
+              <a:rPr lang="en-US" dirty="0"/>
+              <a:t>Exit</a:t>
+            </a:r>
+            <a:endParaRPr lang="en-CA" dirty="0"/>
           </a:p>
         </p:txBody>
       </p:sp>
     </p:spTree>
     <p:extLst>
       <p:ext uri="{BB962C8B-B14F-4D97-AF65-F5344CB8AC3E}">
-        <p14:creationId xmlns:p14="http://schemas.microsoft.com/office/powerpoint/2010/main" val="4167151305"/>
+        <p14:creationId xmlns:p14="http://schemas.microsoft.com/office/powerpoint/2010/main" val="3634954338"/>
       </p:ext>
     </p:extLst>
   </p:cSld>
   <p:clrMapOvr>
     <a:masterClrMapping/>
   </p:clrMapOvr>
-</p:sld>
-</file>
-
-<file path=ppt/slides/slide14.xml><?xml version="1.0" encoding="utf-8"?>
-<p:sld xmlns:a="http://schemas.openxmlformats.org/drawingml/2006/main" xmlns:r="http://schemas.openxmlformats.org/officeDocument/2006/relationships" xmlns:p="http://schemas.openxmlformats.org/presentationml/2006/main">
-  <p:cSld>
-    <p:spTree>
-      <p:nvGrpSpPr>
-        <p:cNvPr id="1" name=""/>
-        <p:cNvGrpSpPr/>
-        <p:nvPr/>
-      </p:nvGrpSpPr>
-      <p:grpSpPr>
-        <a:xfrm>
-          <a:off x="0" y="0"/>
-          <a:ext cx="0" cy="0"/>
-          <a:chOff x="0" y="0"/>
-          <a:chExt cx="0" cy="0"/>
-        </a:xfrm>
-      </p:grpSpPr>
-      <p:sp>
-        <p:nvSpPr>
-          <p:cNvPr id="2" name="Title 1">
-            <a:extLst>
-              <a:ext uri="{FF2B5EF4-FFF2-40B4-BE49-F238E27FC236}">
-                <a16:creationId xmlns:a16="http://schemas.microsoft.com/office/drawing/2014/main" id="{BA2B37FB-B256-9D4F-91EE-C7D745364C3D}"/>
-              </a:ext>
-            </a:extLst>
-          </p:cNvPr>
-          <p:cNvSpPr>
-            <a:spLocks noGrp="1"/>
-          </p:cNvSpPr>
-          <p:nvPr>
-            <p:ph type="title"/>
-          </p:nvPr>
-        </p:nvSpPr>
-        <p:spPr/>
-        <p:txBody>
-          <a:bodyPr>
-            <a:normAutofit/>
-          </a:bodyPr>
-          <a:lstStyle/>
-          <a:p>
-            <a:r>
-              <a:rPr lang="en-US" sz="2800" dirty="0"/>
-              <a:t>Conclusion</a:t>
-            </a:r>
-            <a:endParaRPr lang="en-US" sz="2800" b="1" dirty="0"/>
-          </a:p>
-        </p:txBody>
-      </p:sp>
-      <p:sp>
-        <p:nvSpPr>
-          <p:cNvPr id="3" name="Content Placeholder 2">
-            <a:extLst>
-              <a:ext uri="{FF2B5EF4-FFF2-40B4-BE49-F238E27FC236}">
-                <a16:creationId xmlns:a16="http://schemas.microsoft.com/office/drawing/2014/main" id="{A3D6157B-4D82-4441-A9BC-F0E438DAE5E4}"/>
-              </a:ext>
-            </a:extLst>
-          </p:cNvPr>
-          <p:cNvSpPr>
-            <a:spLocks noGrp="1"/>
-          </p:cNvSpPr>
-          <p:nvPr>
-            <p:ph idx="1"/>
-          </p:nvPr>
-        </p:nvSpPr>
-        <p:spPr>
-          <a:xfrm>
-            <a:off x="838200" y="1825625"/>
-            <a:ext cx="10515600" cy="4530351"/>
-          </a:xfrm>
-        </p:spPr>
-        <p:txBody>
-          <a:bodyPr>
-            <a:normAutofit/>
-          </a:bodyPr>
-          <a:lstStyle/>
-          <a:p>
-            <a:r>
-              <a:rPr lang="en-US" dirty="0"/>
-              <a:t>What we have talked??</a:t>
-            </a:r>
-          </a:p>
-          <a:p>
-            <a:endParaRPr lang="en-US" dirty="0"/>
-          </a:p>
-          <a:p>
-            <a:pPr lvl="1"/>
-            <a:r>
-              <a:rPr lang="en-US" sz="2800" dirty="0"/>
-              <a:t>4 core classes</a:t>
-            </a:r>
-          </a:p>
-          <a:p>
-            <a:pPr lvl="1"/>
-            <a:r>
-              <a:rPr lang="en-US" sz="2800" dirty="0"/>
-              <a:t>UI design</a:t>
-            </a:r>
-          </a:p>
-          <a:p>
-            <a:pPr lvl="1"/>
-            <a:endParaRPr lang="en-US" dirty="0"/>
-          </a:p>
-          <a:p>
-            <a:pPr lvl="1"/>
-            <a:endParaRPr lang="en-US" dirty="0"/>
-          </a:p>
-          <a:p>
-            <a:r>
-              <a:rPr lang="en-US" dirty="0"/>
-              <a:t>Call-to-Action</a:t>
-            </a:r>
-          </a:p>
-          <a:p>
-            <a:pPr lvl="1"/>
-            <a:r>
-              <a:rPr lang="en-US"/>
-              <a:t>#Will </a:t>
-            </a:r>
-            <a:r>
-              <a:rPr lang="en-US" dirty="0"/>
-              <a:t>be filled after </a:t>
-            </a:r>
-            <a:r>
-              <a:rPr lang="en-US"/>
-              <a:t>all slides are finished</a:t>
-            </a:r>
-            <a:endParaRPr lang="en-US" dirty="0"/>
-          </a:p>
-          <a:p>
-            <a:pPr lvl="1"/>
-            <a:endParaRPr lang="en-US" dirty="0"/>
-          </a:p>
-          <a:p>
-            <a:endParaRPr lang="en-US" dirty="0"/>
-          </a:p>
-          <a:p>
-            <a:endParaRPr lang="en-US" dirty="0"/>
-          </a:p>
-          <a:p>
-            <a:pPr lvl="1"/>
-            <a:endParaRPr lang="en-US" dirty="0"/>
-          </a:p>
-          <a:p>
-            <a:pPr lvl="1"/>
-            <a:endParaRPr lang="en-US" dirty="0"/>
-          </a:p>
-        </p:txBody>
-      </p:sp>
-    </p:spTree>
-    <p:extLst>
-      <p:ext uri="{BB962C8B-B14F-4D97-AF65-F5344CB8AC3E}">
-        <p14:creationId xmlns:p14="http://schemas.microsoft.com/office/powerpoint/2010/main" val="1604085371"/>
-      </p:ext>
-    </p:extLst>
-  </p:cSld>
-  <p:clrMapOvr>
-    <a:masterClrMapping/>
-  </p:clrMapOvr>
+  <mc:AlternateContent xmlns:mc="http://schemas.openxmlformats.org/markup-compatibility/2006">
+    <mc:Choice xmlns:p14="http://schemas.microsoft.com/office/powerpoint/2010/main" Requires="p14">
+      <p:transition spd="slow" p14:dur="2000" advTm="3000"/>
+    </mc:Choice>
+    <mc:Fallback>
+      <p:transition spd="slow" advTm="3000"/>
+    </mc:Fallback>
+  </mc:AlternateContent>
 </p:sld>
 </file>
 
@@ -6347,38 +13375,30 @@
           <a:lstStyle/>
           <a:p>
             <a:r>
-              <a:rPr lang="en-CA" sz="3144" spc="-1">
-                <a:latin typeface="Arial"/>
-              </a:rPr>
+              <a:rPr lang="en-CA" sz="3144" spc="-1" dirty="0"/>
               <a:t>What Connect Four is and how it is played</a:t>
             </a:r>
           </a:p>
           <a:p>
             <a:r>
-              <a:rPr lang="en-CA" sz="3144" spc="-1">
-                <a:latin typeface="Arial"/>
-              </a:rPr>
+              <a:rPr lang="en-CA" sz="3144" spc="-1" dirty="0"/>
               <a:t>How we plan on implementing our version of Connect 4 using Python.</a:t>
             </a:r>
           </a:p>
           <a:p>
             <a:r>
-              <a:rPr lang="en-CA" sz="3144" spc="-1">
-                <a:latin typeface="Arial"/>
-              </a:rPr>
+              <a:rPr lang="en-CA" sz="3144" spc="-1" dirty="0"/>
               <a:t>Some of the larger components in the game and why they are important.</a:t>
             </a:r>
           </a:p>
           <a:p>
             <a:r>
-              <a:rPr lang="en-CA" sz="3144" spc="-1">
-                <a:latin typeface="Arial"/>
-              </a:rPr>
+              <a:rPr lang="en-CA" sz="3144" spc="-1" dirty="0"/>
               <a:t>Some difficulties we expect to encounter and how we are planning to tackle them.</a:t>
             </a:r>
           </a:p>
           <a:p>
-            <a:endParaRPr lang="en-CA" sz="3144" spc="-1">
+            <a:endParaRPr lang="en-CA" sz="3144" spc="-1" dirty="0">
               <a:latin typeface="Arial"/>
             </a:endParaRPr>
           </a:p>
@@ -6392,7 +13412,7 @@
         </p:nvSpPr>
         <p:spPr>
           <a:xfrm>
-            <a:off x="479139" y="360935"/>
+            <a:off x="241014" y="316962"/>
             <a:ext cx="4353863" cy="1144631"/>
           </a:xfrm>
           <a:prstGeom prst="rect">
@@ -6409,9 +13429,7 @@
           <a:p>
             <a:pPr algn="ctr"/>
             <a:r>
-              <a:rPr lang="en-CA" sz="5321" spc="-1">
-                <a:latin typeface="Arial"/>
-              </a:rPr>
+              <a:rPr lang="en-CA" sz="5321" spc="-1" dirty="0"/>
               <a:t>Connect Four</a:t>
             </a:r>
           </a:p>
@@ -6450,6 +13468,14 @@
   <p:clrMapOvr>
     <a:masterClrMapping/>
   </p:clrMapOvr>
+  <mc:AlternateContent xmlns:mc="http://schemas.openxmlformats.org/markup-compatibility/2006">
+    <mc:Choice xmlns:p14="http://schemas.microsoft.com/office/powerpoint/2010/main" Requires="p14">
+      <p:transition spd="slow" p14:dur="2000" advTm="15000"/>
+    </mc:Choice>
+    <mc:Fallback>
+      <p:transition spd="slow" advTm="15000"/>
+    </mc:Fallback>
+  </mc:AlternateContent>
   <p:timing>
     <p:tnLst>
       <p:par>
@@ -6480,6 +13506,1350 @@
 </p:sld>
 </file>
 
+<file path=ppt/slides/slide20.xml><?xml version="1.0" encoding="utf-8"?>
+<p:sld xmlns:a="http://schemas.openxmlformats.org/drawingml/2006/main" xmlns:r="http://schemas.openxmlformats.org/officeDocument/2006/relationships" xmlns:p="http://schemas.openxmlformats.org/presentationml/2006/main">
+  <p:cSld>
+    <p:spTree>
+      <p:nvGrpSpPr>
+        <p:cNvPr id="1" name=""/>
+        <p:cNvGrpSpPr/>
+        <p:nvPr/>
+      </p:nvGrpSpPr>
+      <p:grpSpPr>
+        <a:xfrm>
+          <a:off x="0" y="0"/>
+          <a:ext cx="0" cy="0"/>
+          <a:chOff x="0" y="0"/>
+          <a:chExt cx="0" cy="0"/>
+        </a:xfrm>
+      </p:grpSpPr>
+      <p:sp>
+        <p:nvSpPr>
+          <p:cNvPr id="2" name="Title 1">
+            <a:extLst>
+              <a:ext uri="{FF2B5EF4-FFF2-40B4-BE49-F238E27FC236}">
+                <a16:creationId xmlns:a16="http://schemas.microsoft.com/office/drawing/2014/main" id="{986D1953-8720-4904-AF36-EBE0B94E702A}"/>
+              </a:ext>
+            </a:extLst>
+          </p:cNvPr>
+          <p:cNvSpPr>
+            <a:spLocks noGrp="1"/>
+          </p:cNvSpPr>
+          <p:nvPr>
+            <p:ph type="title"/>
+          </p:nvPr>
+        </p:nvSpPr>
+        <p:spPr/>
+        <p:txBody>
+          <a:bodyPr/>
+          <a:lstStyle/>
+          <a:p>
+            <a:r>
+              <a:rPr lang="en-US" dirty="0"/>
+              <a:t>End View</a:t>
+            </a:r>
+            <a:endParaRPr lang="en-CA" dirty="0"/>
+          </a:p>
+        </p:txBody>
+      </p:sp>
+      <p:grpSp>
+        <p:nvGrpSpPr>
+          <p:cNvPr id="3" name="Group 2">
+            <a:extLst>
+              <a:ext uri="{FF2B5EF4-FFF2-40B4-BE49-F238E27FC236}">
+                <a16:creationId xmlns:a16="http://schemas.microsoft.com/office/drawing/2014/main" id="{6338A6DC-FF50-47EC-99CB-A1070311BC67}"/>
+              </a:ext>
+            </a:extLst>
+          </p:cNvPr>
+          <p:cNvGrpSpPr/>
+          <p:nvPr/>
+        </p:nvGrpSpPr>
+        <p:grpSpPr>
+          <a:xfrm>
+            <a:off x="2298523" y="1390086"/>
+            <a:ext cx="7891401" cy="5010633"/>
+            <a:chOff x="1903953" y="1346245"/>
+            <a:chExt cx="7891401" cy="5010633"/>
+          </a:xfrm>
+        </p:grpSpPr>
+        <p:sp>
+          <p:nvSpPr>
+            <p:cNvPr id="4" name="Rectangle 3">
+              <a:extLst>
+                <a:ext uri="{FF2B5EF4-FFF2-40B4-BE49-F238E27FC236}">
+                  <a16:creationId xmlns:a16="http://schemas.microsoft.com/office/drawing/2014/main" id="{5696B43C-5457-40FF-B3CD-78F52EB636B3}"/>
+                </a:ext>
+              </a:extLst>
+            </p:cNvPr>
+            <p:cNvSpPr/>
+            <p:nvPr/>
+          </p:nvSpPr>
+          <p:spPr>
+            <a:xfrm>
+              <a:off x="1903954" y="1390389"/>
+              <a:ext cx="7340253" cy="4954044"/>
+            </a:xfrm>
+            <a:prstGeom prst="rect">
+              <a:avLst/>
+            </a:prstGeom>
+            <a:solidFill>
+              <a:schemeClr val="accent6">
+                <a:lumMod val="20000"/>
+                <a:lumOff val="80000"/>
+              </a:schemeClr>
+            </a:solidFill>
+          </p:spPr>
+          <p:style>
+            <a:lnRef idx="2">
+              <a:schemeClr val="accent1">
+                <a:shade val="50000"/>
+              </a:schemeClr>
+            </a:lnRef>
+            <a:fillRef idx="1">
+              <a:schemeClr val="accent1"/>
+            </a:fillRef>
+            <a:effectRef idx="0">
+              <a:schemeClr val="accent1"/>
+            </a:effectRef>
+            <a:fontRef idx="minor">
+              <a:schemeClr val="lt1"/>
+            </a:fontRef>
+          </p:style>
+          <p:txBody>
+            <a:bodyPr rtlCol="0" anchor="ctr"/>
+            <a:lstStyle/>
+            <a:p>
+              <a:pPr algn="ctr"/>
+              <a:endParaRPr lang="en-CA"/>
+            </a:p>
+          </p:txBody>
+        </p:sp>
+        <p:sp>
+          <p:nvSpPr>
+            <p:cNvPr id="5" name="Rectangle 4">
+              <a:extLst>
+                <a:ext uri="{FF2B5EF4-FFF2-40B4-BE49-F238E27FC236}">
+                  <a16:creationId xmlns:a16="http://schemas.microsoft.com/office/drawing/2014/main" id="{A427F163-CBB3-4CB6-806E-B302DB12330A}"/>
+                </a:ext>
+              </a:extLst>
+            </p:cNvPr>
+            <p:cNvSpPr/>
+            <p:nvPr/>
+          </p:nvSpPr>
+          <p:spPr>
+            <a:xfrm>
+              <a:off x="1903953" y="1390389"/>
+              <a:ext cx="7340253" cy="300299"/>
+            </a:xfrm>
+            <a:prstGeom prst="rect">
+              <a:avLst/>
+            </a:prstGeom>
+          </p:spPr>
+          <p:style>
+            <a:lnRef idx="2">
+              <a:schemeClr val="accent1">
+                <a:shade val="50000"/>
+              </a:schemeClr>
+            </a:lnRef>
+            <a:fillRef idx="1">
+              <a:schemeClr val="accent1"/>
+            </a:fillRef>
+            <a:effectRef idx="0">
+              <a:schemeClr val="accent1"/>
+            </a:effectRef>
+            <a:fontRef idx="minor">
+              <a:schemeClr val="lt1"/>
+            </a:fontRef>
+          </p:style>
+          <p:txBody>
+            <a:bodyPr rtlCol="0" anchor="ctr"/>
+            <a:lstStyle/>
+            <a:p>
+              <a:pPr algn="ctr"/>
+              <a:endParaRPr lang="en-CA" dirty="0"/>
+            </a:p>
+          </p:txBody>
+        </p:sp>
+        <p:sp>
+          <p:nvSpPr>
+            <p:cNvPr id="6" name="TextBox 5">
+              <a:extLst>
+                <a:ext uri="{FF2B5EF4-FFF2-40B4-BE49-F238E27FC236}">
+                  <a16:creationId xmlns:a16="http://schemas.microsoft.com/office/drawing/2014/main" id="{8BA1A1AE-5E79-40C7-9840-B34F2F845C9F}"/>
+                </a:ext>
+              </a:extLst>
+            </p:cNvPr>
+            <p:cNvSpPr txBox="1"/>
+            <p:nvPr/>
+          </p:nvSpPr>
+          <p:spPr>
+            <a:xfrm>
+              <a:off x="1960324" y="1346245"/>
+              <a:ext cx="1697276" cy="369332"/>
+            </a:xfrm>
+            <a:prstGeom prst="rect">
+              <a:avLst/>
+            </a:prstGeom>
+            <a:noFill/>
+          </p:spPr>
+          <p:txBody>
+            <a:bodyPr wrap="square" rtlCol="0">
+              <a:spAutoFit/>
+            </a:bodyPr>
+            <a:lstStyle/>
+            <a:p>
+              <a:r>
+                <a:rPr lang="en-US" b="1" dirty="0"/>
+                <a:t>4 to Connect</a:t>
+              </a:r>
+              <a:endParaRPr lang="en-CA" b="1" dirty="0"/>
+            </a:p>
+          </p:txBody>
+        </p:sp>
+        <p:sp>
+          <p:nvSpPr>
+            <p:cNvPr id="7" name="Cross 6">
+              <a:extLst>
+                <a:ext uri="{FF2B5EF4-FFF2-40B4-BE49-F238E27FC236}">
+                  <a16:creationId xmlns:a16="http://schemas.microsoft.com/office/drawing/2014/main" id="{F1BCBAD5-0537-4F85-A1C8-1BB9D29BC37B}"/>
+                </a:ext>
+              </a:extLst>
+            </p:cNvPr>
+            <p:cNvSpPr/>
+            <p:nvPr/>
+          </p:nvSpPr>
+          <p:spPr>
+            <a:xfrm rot="18715618">
+              <a:off x="8858964" y="1371204"/>
+              <a:ext cx="319414" cy="319414"/>
+            </a:xfrm>
+            <a:prstGeom prst="plus">
+              <a:avLst>
+                <a:gd name="adj" fmla="val 38726"/>
+              </a:avLst>
+            </a:prstGeom>
+            <a:solidFill>
+              <a:srgbClr val="C00000"/>
+            </a:solidFill>
+            <a:ln>
+              <a:solidFill>
+                <a:srgbClr val="C00000"/>
+              </a:solidFill>
+            </a:ln>
+          </p:spPr>
+          <p:style>
+            <a:lnRef idx="2">
+              <a:schemeClr val="accent1">
+                <a:shade val="50000"/>
+              </a:schemeClr>
+            </a:lnRef>
+            <a:fillRef idx="1">
+              <a:schemeClr val="accent1"/>
+            </a:fillRef>
+            <a:effectRef idx="0">
+              <a:schemeClr val="accent1"/>
+            </a:effectRef>
+            <a:fontRef idx="minor">
+              <a:schemeClr val="lt1"/>
+            </a:fontRef>
+          </p:style>
+          <p:txBody>
+            <a:bodyPr rtlCol="0" anchor="ctr"/>
+            <a:lstStyle/>
+            <a:p>
+              <a:pPr algn="ctr"/>
+              <a:endParaRPr lang="en-CA"/>
+            </a:p>
+          </p:txBody>
+        </p:sp>
+        <p:sp>
+          <p:nvSpPr>
+            <p:cNvPr id="8" name="TextBox 7">
+              <a:extLst>
+                <a:ext uri="{FF2B5EF4-FFF2-40B4-BE49-F238E27FC236}">
+                  <a16:creationId xmlns:a16="http://schemas.microsoft.com/office/drawing/2014/main" id="{46E07C9D-0D25-4394-9770-2836B69D0908}"/>
+                </a:ext>
+              </a:extLst>
+            </p:cNvPr>
+            <p:cNvSpPr txBox="1"/>
+            <p:nvPr/>
+          </p:nvSpPr>
+          <p:spPr>
+            <a:xfrm>
+              <a:off x="3930037" y="3241946"/>
+              <a:ext cx="5267195" cy="477054"/>
+            </a:xfrm>
+            <a:prstGeom prst="rect">
+              <a:avLst/>
+            </a:prstGeom>
+            <a:noFill/>
+          </p:spPr>
+          <p:txBody>
+            <a:bodyPr wrap="square" rtlCol="0">
+              <a:spAutoFit/>
+            </a:bodyPr>
+            <a:lstStyle/>
+            <a:p>
+              <a:r>
+                <a:rPr lang="en-US" sz="2500" i="1" dirty="0"/>
+                <a:t>Thanks for playing!</a:t>
+              </a:r>
+              <a:endParaRPr lang="en-CA" sz="2500" i="1" dirty="0"/>
+            </a:p>
+          </p:txBody>
+        </p:sp>
+        <p:sp>
+          <p:nvSpPr>
+            <p:cNvPr id="9" name="Oval 8">
+              <a:extLst>
+                <a:ext uri="{FF2B5EF4-FFF2-40B4-BE49-F238E27FC236}">
+                  <a16:creationId xmlns:a16="http://schemas.microsoft.com/office/drawing/2014/main" id="{A7E0B0B6-2BBD-46E7-810D-63B243C0F59E}"/>
+                </a:ext>
+              </a:extLst>
+            </p:cNvPr>
+            <p:cNvSpPr/>
+            <p:nvPr/>
+          </p:nvSpPr>
+          <p:spPr>
+            <a:xfrm>
+              <a:off x="3079831" y="4188735"/>
+              <a:ext cx="1379431" cy="572505"/>
+            </a:xfrm>
+            <a:prstGeom prst="ellipse">
+              <a:avLst/>
+            </a:prstGeom>
+          </p:spPr>
+          <p:style>
+            <a:lnRef idx="2">
+              <a:schemeClr val="accent1">
+                <a:shade val="50000"/>
+              </a:schemeClr>
+            </a:lnRef>
+            <a:fillRef idx="1">
+              <a:schemeClr val="accent1"/>
+            </a:fillRef>
+            <a:effectRef idx="0">
+              <a:schemeClr val="accent1"/>
+            </a:effectRef>
+            <a:fontRef idx="minor">
+              <a:schemeClr val="lt1"/>
+            </a:fontRef>
+          </p:style>
+          <p:txBody>
+            <a:bodyPr rtlCol="0" anchor="ctr"/>
+            <a:lstStyle/>
+            <a:p>
+              <a:pPr algn="ctr"/>
+              <a:r>
+                <a:rPr lang="en-US" dirty="0"/>
+                <a:t>Play Again</a:t>
+              </a:r>
+              <a:endParaRPr lang="en-CA" dirty="0"/>
+            </a:p>
+          </p:txBody>
+        </p:sp>
+        <p:sp>
+          <p:nvSpPr>
+            <p:cNvPr id="11" name="TextBox 10">
+              <a:extLst>
+                <a:ext uri="{FF2B5EF4-FFF2-40B4-BE49-F238E27FC236}">
+                  <a16:creationId xmlns:a16="http://schemas.microsoft.com/office/drawing/2014/main" id="{814C886D-17C9-4536-8D5B-A68C86B2DF3D}"/>
+                </a:ext>
+              </a:extLst>
+            </p:cNvPr>
+            <p:cNvSpPr txBox="1"/>
+            <p:nvPr/>
+          </p:nvSpPr>
+          <p:spPr>
+            <a:xfrm>
+              <a:off x="7628351" y="4879550"/>
+              <a:ext cx="2167003" cy="1477328"/>
+            </a:xfrm>
+            <a:prstGeom prst="rect">
+              <a:avLst/>
+            </a:prstGeom>
+            <a:noFill/>
+          </p:spPr>
+          <p:txBody>
+            <a:bodyPr wrap="square" rtlCol="0">
+              <a:spAutoFit/>
+            </a:bodyPr>
+            <a:lstStyle/>
+            <a:p>
+              <a:r>
+                <a:rPr lang="en-US" b="1" dirty="0"/>
+                <a:t>Creators</a:t>
+              </a:r>
+            </a:p>
+            <a:p>
+              <a:r>
+                <a:rPr lang="en-US" dirty="0"/>
+                <a:t>Calvin </a:t>
+              </a:r>
+              <a:r>
+                <a:rPr lang="en-US" dirty="0" err="1"/>
+                <a:t>Vadivelu</a:t>
+              </a:r>
+              <a:endParaRPr lang="en-US" dirty="0"/>
+            </a:p>
+            <a:p>
+              <a:r>
+                <a:rPr lang="en-US" dirty="0"/>
+                <a:t>Gen Tomita</a:t>
+              </a:r>
+            </a:p>
+            <a:p>
+              <a:r>
+                <a:rPr lang="en-US" dirty="0"/>
+                <a:t>Hafsah </a:t>
+              </a:r>
+              <a:r>
+                <a:rPr lang="en-US" dirty="0" err="1"/>
+                <a:t>Moalim</a:t>
+              </a:r>
+              <a:endParaRPr lang="en-US" dirty="0"/>
+            </a:p>
+            <a:p>
+              <a:r>
+                <a:rPr lang="en-US" dirty="0" err="1"/>
+                <a:t>Ilija</a:t>
+              </a:r>
+              <a:r>
+                <a:rPr lang="en-US" dirty="0"/>
+                <a:t> </a:t>
+              </a:r>
+              <a:r>
+                <a:rPr lang="en-US" dirty="0" err="1"/>
+                <a:t>Zivkovic</a:t>
+              </a:r>
+              <a:endParaRPr lang="en-CA" dirty="0"/>
+            </a:p>
+          </p:txBody>
+        </p:sp>
+      </p:grpSp>
+      <p:sp>
+        <p:nvSpPr>
+          <p:cNvPr id="13" name="TextBox 12">
+            <a:extLst>
+              <a:ext uri="{FF2B5EF4-FFF2-40B4-BE49-F238E27FC236}">
+                <a16:creationId xmlns:a16="http://schemas.microsoft.com/office/drawing/2014/main" id="{F5A4EE00-C816-4B48-AF29-3151C6817BCF}"/>
+              </a:ext>
+            </a:extLst>
+          </p:cNvPr>
+          <p:cNvSpPr txBox="1"/>
+          <p:nvPr/>
+        </p:nvSpPr>
+        <p:spPr>
+          <a:xfrm>
+            <a:off x="2298523" y="5575464"/>
+            <a:ext cx="5110619" cy="784830"/>
+          </a:xfrm>
+          <a:prstGeom prst="rect">
+            <a:avLst/>
+          </a:prstGeom>
+          <a:noFill/>
+        </p:spPr>
+        <p:txBody>
+          <a:bodyPr wrap="square" rtlCol="0">
+            <a:spAutoFit/>
+          </a:bodyPr>
+          <a:lstStyle/>
+          <a:p>
+            <a:r>
+              <a:rPr lang="en-US" sz="1500" dirty="0"/>
+              <a:t>Fair dealing for the purpose of research, private study, education, parody or satire does not infringe copyright under Canada’s Copyright Act.</a:t>
+            </a:r>
+            <a:endParaRPr lang="en-CA" sz="1500" dirty="0"/>
+          </a:p>
+        </p:txBody>
+      </p:sp>
+      <p:sp>
+        <p:nvSpPr>
+          <p:cNvPr id="14" name="Oval 13">
+            <a:extLst>
+              <a:ext uri="{FF2B5EF4-FFF2-40B4-BE49-F238E27FC236}">
+                <a16:creationId xmlns:a16="http://schemas.microsoft.com/office/drawing/2014/main" id="{B8C42487-BBA6-45EA-A111-C584BE879BB5}"/>
+              </a:ext>
+            </a:extLst>
+          </p:cNvPr>
+          <p:cNvSpPr/>
+          <p:nvPr/>
+        </p:nvSpPr>
+        <p:spPr>
+          <a:xfrm>
+            <a:off x="6486913" y="4232576"/>
+            <a:ext cx="1379431" cy="572505"/>
+          </a:xfrm>
+          <a:prstGeom prst="ellipse">
+            <a:avLst/>
+          </a:prstGeom>
+        </p:spPr>
+        <p:style>
+          <a:lnRef idx="2">
+            <a:schemeClr val="accent1">
+              <a:shade val="50000"/>
+            </a:schemeClr>
+          </a:lnRef>
+          <a:fillRef idx="1">
+            <a:schemeClr val="accent1"/>
+          </a:fillRef>
+          <a:effectRef idx="0">
+            <a:schemeClr val="accent1"/>
+          </a:effectRef>
+          <a:fontRef idx="minor">
+            <a:schemeClr val="lt1"/>
+          </a:fontRef>
+        </p:style>
+        <p:txBody>
+          <a:bodyPr rtlCol="0" anchor="ctr"/>
+          <a:lstStyle/>
+          <a:p>
+            <a:pPr algn="ctr"/>
+            <a:r>
+              <a:rPr lang="en-US" dirty="0"/>
+              <a:t>Help</a:t>
+            </a:r>
+            <a:endParaRPr lang="en-CA" dirty="0"/>
+          </a:p>
+        </p:txBody>
+      </p:sp>
+      <p:sp>
+        <p:nvSpPr>
+          <p:cNvPr id="16" name="TextBox 15">
+            <a:extLst>
+              <a:ext uri="{FF2B5EF4-FFF2-40B4-BE49-F238E27FC236}">
+                <a16:creationId xmlns:a16="http://schemas.microsoft.com/office/drawing/2014/main" id="{FFAAE2DB-1760-4401-B2FD-168A40D569E1}"/>
+              </a:ext>
+            </a:extLst>
+          </p:cNvPr>
+          <p:cNvSpPr txBox="1"/>
+          <p:nvPr/>
+        </p:nvSpPr>
+        <p:spPr>
+          <a:xfrm>
+            <a:off x="3629412" y="2405363"/>
+            <a:ext cx="5267195" cy="861774"/>
+          </a:xfrm>
+          <a:prstGeom prst="rect">
+            <a:avLst/>
+          </a:prstGeom>
+          <a:noFill/>
+        </p:spPr>
+        <p:txBody>
+          <a:bodyPr wrap="square" rtlCol="0">
+            <a:spAutoFit/>
+          </a:bodyPr>
+          <a:lstStyle/>
+          <a:p>
+            <a:r>
+              <a:rPr lang="en-US" sz="5000" i="1" dirty="0"/>
+              <a:t>Player __ won!</a:t>
+            </a:r>
+            <a:endParaRPr lang="en-CA" sz="5000" i="1" dirty="0"/>
+          </a:p>
+        </p:txBody>
+      </p:sp>
+    </p:spTree>
+    <p:extLst>
+      <p:ext uri="{BB962C8B-B14F-4D97-AF65-F5344CB8AC3E}">
+        <p14:creationId xmlns:p14="http://schemas.microsoft.com/office/powerpoint/2010/main" val="3431560634"/>
+      </p:ext>
+    </p:extLst>
+  </p:cSld>
+  <p:clrMapOvr>
+    <a:masterClrMapping/>
+  </p:clrMapOvr>
+  <mc:AlternateContent xmlns:mc="http://schemas.openxmlformats.org/markup-compatibility/2006">
+    <mc:Choice xmlns:p14="http://schemas.microsoft.com/office/powerpoint/2010/main" Requires="p14">
+      <p:transition spd="slow" p14:dur="2000" advTm="3000"/>
+    </mc:Choice>
+    <mc:Fallback>
+      <p:transition spd="slow" advTm="3000"/>
+    </mc:Fallback>
+  </mc:AlternateContent>
+</p:sld>
+</file>
+
+<file path=ppt/slides/slide21.xml><?xml version="1.0" encoding="utf-8"?>
+<p:sld xmlns:a="http://schemas.openxmlformats.org/drawingml/2006/main" xmlns:r="http://schemas.openxmlformats.org/officeDocument/2006/relationships" xmlns:p="http://schemas.openxmlformats.org/presentationml/2006/main">
+  <p:cSld>
+    <p:spTree>
+      <p:nvGrpSpPr>
+        <p:cNvPr id="1" name=""/>
+        <p:cNvGrpSpPr/>
+        <p:nvPr/>
+      </p:nvGrpSpPr>
+      <p:grpSpPr>
+        <a:xfrm>
+          <a:off x="0" y="0"/>
+          <a:ext cx="0" cy="0"/>
+          <a:chOff x="0" y="0"/>
+          <a:chExt cx="0" cy="0"/>
+        </a:xfrm>
+      </p:grpSpPr>
+      <p:sp>
+        <p:nvSpPr>
+          <p:cNvPr id="2" name="Title 1">
+            <a:extLst>
+              <a:ext uri="{FF2B5EF4-FFF2-40B4-BE49-F238E27FC236}">
+                <a16:creationId xmlns:a16="http://schemas.microsoft.com/office/drawing/2014/main" id="{D7CCC1B3-CBE8-4219-9773-16C6751EB0A0}"/>
+              </a:ext>
+            </a:extLst>
+          </p:cNvPr>
+          <p:cNvSpPr>
+            <a:spLocks noGrp="1"/>
+          </p:cNvSpPr>
+          <p:nvPr>
+            <p:ph type="title"/>
+          </p:nvPr>
+        </p:nvSpPr>
+        <p:spPr/>
+        <p:txBody>
+          <a:bodyPr/>
+          <a:lstStyle/>
+          <a:p>
+            <a:r>
+              <a:rPr lang="en-US" dirty="0"/>
+              <a:t>Importance of GUI</a:t>
+            </a:r>
+            <a:endParaRPr lang="en-CA" dirty="0"/>
+          </a:p>
+        </p:txBody>
+      </p:sp>
+      <p:sp>
+        <p:nvSpPr>
+          <p:cNvPr id="3" name="Content Placeholder 2">
+            <a:extLst>
+              <a:ext uri="{FF2B5EF4-FFF2-40B4-BE49-F238E27FC236}">
+                <a16:creationId xmlns:a16="http://schemas.microsoft.com/office/drawing/2014/main" id="{DDBD8CF7-A09E-4346-8A0A-82F08B8E870E}"/>
+              </a:ext>
+            </a:extLst>
+          </p:cNvPr>
+          <p:cNvSpPr>
+            <a:spLocks noGrp="1"/>
+          </p:cNvSpPr>
+          <p:nvPr>
+            <p:ph idx="1"/>
+          </p:nvPr>
+        </p:nvSpPr>
+        <p:spPr/>
+        <p:txBody>
+          <a:bodyPr>
+            <a:normAutofit lnSpcReduction="10000"/>
+          </a:bodyPr>
+          <a:lstStyle/>
+          <a:p>
+            <a:r>
+              <a:rPr lang="en-US" dirty="0"/>
+              <a:t>The graphical user interface will allow the user to interact with 4-to-Connect</a:t>
+            </a:r>
+          </a:p>
+          <a:p>
+            <a:r>
+              <a:rPr lang="en-US" dirty="0"/>
+              <a:t>Will have primary use of </a:t>
+            </a:r>
+            <a:r>
+              <a:rPr lang="en-US" dirty="0" err="1"/>
+              <a:t>pygame</a:t>
+            </a:r>
+            <a:endParaRPr lang="en-US" dirty="0"/>
+          </a:p>
+          <a:p>
+            <a:pPr lvl="1"/>
+            <a:r>
+              <a:rPr lang="en-US" dirty="0"/>
+              <a:t>Objects</a:t>
+            </a:r>
+          </a:p>
+          <a:p>
+            <a:pPr lvl="2"/>
+            <a:r>
+              <a:rPr lang="en-US" dirty="0" err="1">
+                <a:latin typeface="Courier New" panose="02070309020205020404" pitchFamily="49" charset="0"/>
+                <a:cs typeface="Courier New" panose="02070309020205020404" pitchFamily="49" charset="0"/>
+              </a:rPr>
+              <a:t>pygame.Surface</a:t>
+            </a:r>
+            <a:endParaRPr lang="en-US" dirty="0">
+              <a:latin typeface="Courier New" panose="02070309020205020404" pitchFamily="49" charset="0"/>
+              <a:cs typeface="Courier New" panose="02070309020205020404" pitchFamily="49" charset="0"/>
+            </a:endParaRPr>
+          </a:p>
+          <a:p>
+            <a:pPr lvl="2"/>
+            <a:r>
+              <a:rPr lang="en-US" dirty="0" err="1">
+                <a:latin typeface="Courier New" panose="02070309020205020404" pitchFamily="49" charset="0"/>
+                <a:cs typeface="Courier New" panose="02070309020205020404" pitchFamily="49" charset="0"/>
+              </a:rPr>
+              <a:t>Pygame.Rect</a:t>
+            </a:r>
+            <a:endParaRPr lang="en-US" dirty="0">
+              <a:latin typeface="Courier New" panose="02070309020205020404" pitchFamily="49" charset="0"/>
+              <a:cs typeface="Courier New" panose="02070309020205020404" pitchFamily="49" charset="0"/>
+            </a:endParaRPr>
+          </a:p>
+          <a:p>
+            <a:pPr lvl="2"/>
+            <a:r>
+              <a:rPr lang="en-US" dirty="0" err="1">
+                <a:latin typeface="Courier New" panose="02070309020205020404" pitchFamily="49" charset="0"/>
+                <a:cs typeface="Courier New" panose="02070309020205020404" pitchFamily="49" charset="0"/>
+              </a:rPr>
+              <a:t>pygame.Color</a:t>
+            </a:r>
+            <a:endParaRPr lang="en-US" dirty="0">
+              <a:latin typeface="Courier New" panose="02070309020205020404" pitchFamily="49" charset="0"/>
+              <a:cs typeface="Courier New" panose="02070309020205020404" pitchFamily="49" charset="0"/>
+            </a:endParaRPr>
+          </a:p>
+          <a:p>
+            <a:pPr lvl="1"/>
+            <a:r>
+              <a:rPr lang="en-US" dirty="0">
+                <a:cs typeface="Courier New" panose="02070309020205020404" pitchFamily="49" charset="0"/>
+              </a:rPr>
+              <a:t>Modules</a:t>
+            </a:r>
+          </a:p>
+          <a:p>
+            <a:pPr lvl="2"/>
+            <a:r>
+              <a:rPr lang="en-US" dirty="0" err="1">
+                <a:latin typeface="Courier New" panose="02070309020205020404" pitchFamily="49" charset="0"/>
+                <a:cs typeface="Courier New" panose="02070309020205020404" pitchFamily="49" charset="0"/>
+              </a:rPr>
+              <a:t>pygame.mouse</a:t>
+            </a:r>
+            <a:endParaRPr lang="en-US" dirty="0">
+              <a:latin typeface="Courier New" panose="02070309020205020404" pitchFamily="49" charset="0"/>
+              <a:cs typeface="Courier New" panose="02070309020205020404" pitchFamily="49" charset="0"/>
+            </a:endParaRPr>
+          </a:p>
+          <a:p>
+            <a:pPr lvl="2"/>
+            <a:r>
+              <a:rPr lang="en-US" dirty="0" err="1">
+                <a:latin typeface="Courier New" panose="02070309020205020404" pitchFamily="49" charset="0"/>
+                <a:cs typeface="Courier New" panose="02070309020205020404" pitchFamily="49" charset="0"/>
+              </a:rPr>
+              <a:t>pygame.draw</a:t>
+            </a:r>
+            <a:endParaRPr lang="en-US" dirty="0">
+              <a:latin typeface="Courier New" panose="02070309020205020404" pitchFamily="49" charset="0"/>
+              <a:cs typeface="Courier New" panose="02070309020205020404" pitchFamily="49" charset="0"/>
+            </a:endParaRPr>
+          </a:p>
+          <a:p>
+            <a:pPr lvl="2"/>
+            <a:r>
+              <a:rPr lang="en-US" dirty="0" err="1">
+                <a:latin typeface="Courier New" panose="02070309020205020404" pitchFamily="49" charset="0"/>
+                <a:cs typeface="Courier New" panose="02070309020205020404" pitchFamily="49" charset="0"/>
+              </a:rPr>
+              <a:t>pygame.display</a:t>
+            </a:r>
+            <a:endParaRPr lang="en-US" dirty="0">
+              <a:latin typeface="Courier New" panose="02070309020205020404" pitchFamily="49" charset="0"/>
+              <a:cs typeface="Courier New" panose="02070309020205020404" pitchFamily="49" charset="0"/>
+            </a:endParaRPr>
+          </a:p>
+          <a:p>
+            <a:pPr lvl="2"/>
+            <a:r>
+              <a:rPr lang="en-US" dirty="0" err="1">
+                <a:latin typeface="Courier New" panose="02070309020205020404" pitchFamily="49" charset="0"/>
+                <a:cs typeface="Courier New" panose="02070309020205020404" pitchFamily="49" charset="0"/>
+              </a:rPr>
+              <a:t>pygame.event</a:t>
+            </a:r>
+            <a:endParaRPr lang="en-US" dirty="0">
+              <a:latin typeface="Courier New" panose="02070309020205020404" pitchFamily="49" charset="0"/>
+              <a:cs typeface="Courier New" panose="02070309020205020404" pitchFamily="49" charset="0"/>
+            </a:endParaRPr>
+          </a:p>
+          <a:p>
+            <a:endParaRPr lang="en-US" dirty="0"/>
+          </a:p>
+          <a:p>
+            <a:endParaRPr lang="en-CA" dirty="0"/>
+          </a:p>
+        </p:txBody>
+      </p:sp>
+    </p:spTree>
+    <p:extLst>
+      <p:ext uri="{BB962C8B-B14F-4D97-AF65-F5344CB8AC3E}">
+        <p14:creationId xmlns:p14="http://schemas.microsoft.com/office/powerpoint/2010/main" val="1619022680"/>
+      </p:ext>
+    </p:extLst>
+  </p:cSld>
+  <p:clrMapOvr>
+    <a:masterClrMapping/>
+  </p:clrMapOvr>
+  <mc:AlternateContent xmlns:mc="http://schemas.openxmlformats.org/markup-compatibility/2006">
+    <mc:Choice xmlns:p14="http://schemas.microsoft.com/office/powerpoint/2010/main" Requires="p14">
+      <p:transition spd="slow" p14:dur="2000" advTm="7000"/>
+    </mc:Choice>
+    <mc:Fallback>
+      <p:transition spd="slow" advTm="7000"/>
+    </mc:Fallback>
+  </mc:AlternateContent>
+</p:sld>
+</file>
+
+<file path=ppt/slides/slide22.xml><?xml version="1.0" encoding="utf-8"?>
+<p:sld xmlns:a="http://schemas.openxmlformats.org/drawingml/2006/main" xmlns:r="http://schemas.openxmlformats.org/officeDocument/2006/relationships" xmlns:p="http://schemas.openxmlformats.org/presentationml/2006/main">
+  <p:cSld>
+    <p:spTree>
+      <p:nvGrpSpPr>
+        <p:cNvPr id="1" name=""/>
+        <p:cNvGrpSpPr/>
+        <p:nvPr/>
+      </p:nvGrpSpPr>
+      <p:grpSpPr>
+        <a:xfrm>
+          <a:off x="0" y="0"/>
+          <a:ext cx="0" cy="0"/>
+          <a:chOff x="0" y="0"/>
+          <a:chExt cx="0" cy="0"/>
+        </a:xfrm>
+      </p:grpSpPr>
+      <p:sp>
+        <p:nvSpPr>
+          <p:cNvPr id="2" name="Title 1">
+            <a:extLst>
+              <a:ext uri="{FF2B5EF4-FFF2-40B4-BE49-F238E27FC236}">
+                <a16:creationId xmlns:a16="http://schemas.microsoft.com/office/drawing/2014/main" id="{997BA541-99A3-A342-9179-89358ADED9FD}"/>
+              </a:ext>
+            </a:extLst>
+          </p:cNvPr>
+          <p:cNvSpPr>
+            <a:spLocks noGrp="1"/>
+          </p:cNvSpPr>
+          <p:nvPr>
+            <p:ph type="title"/>
+          </p:nvPr>
+        </p:nvSpPr>
+        <p:spPr/>
+        <p:txBody>
+          <a:bodyPr>
+            <a:normAutofit/>
+          </a:bodyPr>
+          <a:lstStyle/>
+          <a:p>
+            <a:r>
+              <a:rPr lang="en-US" sz="2800" dirty="0"/>
+              <a:t>Conclusion</a:t>
+            </a:r>
+          </a:p>
+        </p:txBody>
+      </p:sp>
+      <p:sp>
+        <p:nvSpPr>
+          <p:cNvPr id="3" name="Content Placeholder 2">
+            <a:extLst>
+              <a:ext uri="{FF2B5EF4-FFF2-40B4-BE49-F238E27FC236}">
+                <a16:creationId xmlns:a16="http://schemas.microsoft.com/office/drawing/2014/main" id="{5CF28A43-A201-3B4C-9F96-6F19A4D9D8B8}"/>
+              </a:ext>
+            </a:extLst>
+          </p:cNvPr>
+          <p:cNvSpPr>
+            <a:spLocks noGrp="1"/>
+          </p:cNvSpPr>
+          <p:nvPr>
+            <p:ph idx="1"/>
+          </p:nvPr>
+        </p:nvSpPr>
+        <p:spPr>
+          <a:xfrm>
+            <a:off x="838200" y="1471448"/>
+            <a:ext cx="10515600" cy="4705515"/>
+          </a:xfrm>
+        </p:spPr>
+        <p:txBody>
+          <a:bodyPr>
+            <a:normAutofit lnSpcReduction="10000"/>
+          </a:bodyPr>
+          <a:lstStyle/>
+          <a:p>
+            <a:pPr marL="0" indent="0">
+              <a:buNone/>
+            </a:pPr>
+            <a:r>
+              <a:rPr lang="en-US" dirty="0"/>
+              <a:t>The main workflow</a:t>
+            </a:r>
+          </a:p>
+          <a:p>
+            <a:pPr marL="0" indent="0">
+              <a:buNone/>
+            </a:pPr>
+            <a:r>
+              <a:rPr lang="en-US" dirty="0"/>
+              <a:t>	Show start view from GUI class</a:t>
+            </a:r>
+          </a:p>
+          <a:p>
+            <a:pPr marL="0" indent="0">
+              <a:buNone/>
+            </a:pPr>
+            <a:endParaRPr lang="en-US" dirty="0"/>
+          </a:p>
+          <a:p>
+            <a:pPr marL="0" indent="0">
+              <a:buNone/>
+            </a:pPr>
+            <a:r>
+              <a:rPr lang="en-US" dirty="0"/>
+              <a:t>	Initialize all instance</a:t>
+            </a:r>
+          </a:p>
+          <a:p>
+            <a:pPr marL="0" indent="0">
+              <a:buNone/>
+            </a:pPr>
+            <a:endParaRPr lang="en-US" dirty="0"/>
+          </a:p>
+          <a:p>
+            <a:pPr marL="0" indent="0">
+              <a:buNone/>
+            </a:pPr>
+            <a:r>
+              <a:rPr lang="en-US" dirty="0"/>
+              <a:t>	Running main loop</a:t>
+            </a:r>
+          </a:p>
+          <a:p>
+            <a:pPr marL="0" indent="0">
+              <a:buNone/>
+            </a:pPr>
+            <a:endParaRPr lang="en-US" dirty="0"/>
+          </a:p>
+          <a:p>
+            <a:pPr marL="0" indent="0">
+              <a:buNone/>
+            </a:pPr>
+            <a:r>
+              <a:rPr lang="en-US" dirty="0"/>
+              <a:t>	Throw the result view once board class detect winner</a:t>
+            </a:r>
+          </a:p>
+          <a:p>
+            <a:pPr marL="0" indent="0">
+              <a:buNone/>
+            </a:pPr>
+            <a:r>
+              <a:rPr lang="en-US" dirty="0"/>
+              <a:t>	</a:t>
+            </a:r>
+          </a:p>
+          <a:p>
+            <a:pPr marL="0" indent="0">
+              <a:buNone/>
+            </a:pPr>
+            <a:r>
+              <a:rPr lang="en-US" dirty="0"/>
+              <a:t>	Ask for new game ( If so, redo the </a:t>
+            </a:r>
+            <a:r>
+              <a:rPr lang="en-US" dirty="0" err="1"/>
+              <a:t>inilialization</a:t>
+            </a:r>
+            <a:r>
+              <a:rPr lang="en-US" dirty="0"/>
+              <a:t>)</a:t>
+            </a:r>
+          </a:p>
+          <a:p>
+            <a:pPr marL="0" indent="0">
+              <a:buNone/>
+            </a:pPr>
+            <a:endParaRPr lang="en-US" dirty="0"/>
+          </a:p>
+          <a:p>
+            <a:pPr marL="0" indent="0">
+              <a:buNone/>
+            </a:pPr>
+            <a:endParaRPr lang="en-US" dirty="0"/>
+          </a:p>
+        </p:txBody>
+      </p:sp>
+      <p:sp>
+        <p:nvSpPr>
+          <p:cNvPr id="7" name="Down Arrow 6">
+            <a:extLst>
+              <a:ext uri="{FF2B5EF4-FFF2-40B4-BE49-F238E27FC236}">
+                <a16:creationId xmlns:a16="http://schemas.microsoft.com/office/drawing/2014/main" id="{68D436AF-ADB7-F14E-945C-1A026090FDAA}"/>
+              </a:ext>
+            </a:extLst>
+          </p:cNvPr>
+          <p:cNvSpPr/>
+          <p:nvPr/>
+        </p:nvSpPr>
+        <p:spPr>
+          <a:xfrm>
+            <a:off x="2796987" y="3226009"/>
+            <a:ext cx="779929" cy="587188"/>
+          </a:xfrm>
+          <a:prstGeom prst="downArrow">
+            <a:avLst/>
+          </a:prstGeom>
+        </p:spPr>
+        <p:style>
+          <a:lnRef idx="2">
+            <a:schemeClr val="accent1">
+              <a:shade val="50000"/>
+            </a:schemeClr>
+          </a:lnRef>
+          <a:fillRef idx="1">
+            <a:schemeClr val="accent1"/>
+          </a:fillRef>
+          <a:effectRef idx="0">
+            <a:schemeClr val="accent1"/>
+          </a:effectRef>
+          <a:fontRef idx="minor">
+            <a:schemeClr val="lt1"/>
+          </a:fontRef>
+        </p:style>
+        <p:txBody>
+          <a:bodyPr rtlCol="0" anchor="ctr"/>
+          <a:lstStyle/>
+          <a:p>
+            <a:pPr algn="ctr"/>
+            <a:endParaRPr lang="en-US" dirty="0"/>
+          </a:p>
+        </p:txBody>
+      </p:sp>
+      <p:sp>
+        <p:nvSpPr>
+          <p:cNvPr id="8" name="Down Arrow 7">
+            <a:extLst>
+              <a:ext uri="{FF2B5EF4-FFF2-40B4-BE49-F238E27FC236}">
+                <a16:creationId xmlns:a16="http://schemas.microsoft.com/office/drawing/2014/main" id="{E3F8D27A-A497-4A40-8648-0A8B504CB20C}"/>
+              </a:ext>
+            </a:extLst>
+          </p:cNvPr>
+          <p:cNvSpPr/>
+          <p:nvPr/>
+        </p:nvSpPr>
+        <p:spPr>
+          <a:xfrm>
+            <a:off x="2796987" y="4170235"/>
+            <a:ext cx="779929" cy="587188"/>
+          </a:xfrm>
+          <a:prstGeom prst="downArrow">
+            <a:avLst/>
+          </a:prstGeom>
+        </p:spPr>
+        <p:style>
+          <a:lnRef idx="2">
+            <a:schemeClr val="accent1">
+              <a:shade val="50000"/>
+            </a:schemeClr>
+          </a:lnRef>
+          <a:fillRef idx="1">
+            <a:schemeClr val="accent1"/>
+          </a:fillRef>
+          <a:effectRef idx="0">
+            <a:schemeClr val="accent1"/>
+          </a:effectRef>
+          <a:fontRef idx="minor">
+            <a:schemeClr val="lt1"/>
+          </a:fontRef>
+        </p:style>
+        <p:txBody>
+          <a:bodyPr rtlCol="0" anchor="ctr"/>
+          <a:lstStyle/>
+          <a:p>
+            <a:pPr algn="ctr"/>
+            <a:endParaRPr lang="en-US"/>
+          </a:p>
+        </p:txBody>
+      </p:sp>
+      <p:sp>
+        <p:nvSpPr>
+          <p:cNvPr id="9" name="Down Arrow 8">
+            <a:extLst>
+              <a:ext uri="{FF2B5EF4-FFF2-40B4-BE49-F238E27FC236}">
+                <a16:creationId xmlns:a16="http://schemas.microsoft.com/office/drawing/2014/main" id="{98320FBD-24C9-1941-B5C1-FC92C8097923}"/>
+              </a:ext>
+            </a:extLst>
+          </p:cNvPr>
+          <p:cNvSpPr/>
+          <p:nvPr/>
+        </p:nvSpPr>
+        <p:spPr>
+          <a:xfrm>
+            <a:off x="2796987" y="5173599"/>
+            <a:ext cx="779929" cy="587188"/>
+          </a:xfrm>
+          <a:prstGeom prst="downArrow">
+            <a:avLst/>
+          </a:prstGeom>
+        </p:spPr>
+        <p:style>
+          <a:lnRef idx="2">
+            <a:schemeClr val="accent1">
+              <a:shade val="50000"/>
+            </a:schemeClr>
+          </a:lnRef>
+          <a:fillRef idx="1">
+            <a:schemeClr val="accent1"/>
+          </a:fillRef>
+          <a:effectRef idx="0">
+            <a:schemeClr val="accent1"/>
+          </a:effectRef>
+          <a:fontRef idx="minor">
+            <a:schemeClr val="lt1"/>
+          </a:fontRef>
+        </p:style>
+        <p:txBody>
+          <a:bodyPr rtlCol="0" anchor="ctr"/>
+          <a:lstStyle/>
+          <a:p>
+            <a:pPr algn="ctr"/>
+            <a:endParaRPr lang="en-US"/>
+          </a:p>
+        </p:txBody>
+      </p:sp>
+      <p:sp>
+        <p:nvSpPr>
+          <p:cNvPr id="10" name="Down Arrow 9">
+            <a:extLst>
+              <a:ext uri="{FF2B5EF4-FFF2-40B4-BE49-F238E27FC236}">
+                <a16:creationId xmlns:a16="http://schemas.microsoft.com/office/drawing/2014/main" id="{15B78ECE-E10C-204D-8DE4-782E543251E1}"/>
+              </a:ext>
+            </a:extLst>
+          </p:cNvPr>
+          <p:cNvSpPr/>
+          <p:nvPr/>
+        </p:nvSpPr>
+        <p:spPr>
+          <a:xfrm>
+            <a:off x="2796987" y="2343273"/>
+            <a:ext cx="779929" cy="587188"/>
+          </a:xfrm>
+          <a:prstGeom prst="downArrow">
+            <a:avLst/>
+          </a:prstGeom>
+        </p:spPr>
+        <p:style>
+          <a:lnRef idx="2">
+            <a:schemeClr val="accent1">
+              <a:shade val="50000"/>
+            </a:schemeClr>
+          </a:lnRef>
+          <a:fillRef idx="1">
+            <a:schemeClr val="accent1"/>
+          </a:fillRef>
+          <a:effectRef idx="0">
+            <a:schemeClr val="accent1"/>
+          </a:effectRef>
+          <a:fontRef idx="minor">
+            <a:schemeClr val="lt1"/>
+          </a:fontRef>
+        </p:style>
+        <p:txBody>
+          <a:bodyPr rtlCol="0" anchor="ctr"/>
+          <a:lstStyle/>
+          <a:p>
+            <a:pPr algn="ctr"/>
+            <a:endParaRPr lang="en-US" dirty="0"/>
+          </a:p>
+        </p:txBody>
+      </p:sp>
+    </p:spTree>
+    <p:extLst>
+      <p:ext uri="{BB962C8B-B14F-4D97-AF65-F5344CB8AC3E}">
+        <p14:creationId xmlns:p14="http://schemas.microsoft.com/office/powerpoint/2010/main" val="4167151305"/>
+      </p:ext>
+    </p:extLst>
+  </p:cSld>
+  <p:clrMapOvr>
+    <a:masterClrMapping/>
+  </p:clrMapOvr>
+  <mc:AlternateContent xmlns:mc="http://schemas.openxmlformats.org/markup-compatibility/2006">
+    <mc:Choice xmlns:p14="http://schemas.microsoft.com/office/powerpoint/2010/main" Requires="p14">
+      <p:transition spd="slow" p14:dur="2000" advTm="30000"/>
+    </mc:Choice>
+    <mc:Fallback>
+      <p:transition spd="slow" advTm="30000"/>
+    </mc:Fallback>
+  </mc:AlternateContent>
+</p:sld>
+</file>
+
+<file path=ppt/slides/slide23.xml><?xml version="1.0" encoding="utf-8"?>
+<p:sld xmlns:a="http://schemas.openxmlformats.org/drawingml/2006/main" xmlns:r="http://schemas.openxmlformats.org/officeDocument/2006/relationships" xmlns:p="http://schemas.openxmlformats.org/presentationml/2006/main">
+  <p:cSld>
+    <p:spTree>
+      <p:nvGrpSpPr>
+        <p:cNvPr id="1" name=""/>
+        <p:cNvGrpSpPr/>
+        <p:nvPr/>
+      </p:nvGrpSpPr>
+      <p:grpSpPr>
+        <a:xfrm>
+          <a:off x="0" y="0"/>
+          <a:ext cx="0" cy="0"/>
+          <a:chOff x="0" y="0"/>
+          <a:chExt cx="0" cy="0"/>
+        </a:xfrm>
+      </p:grpSpPr>
+      <p:sp>
+        <p:nvSpPr>
+          <p:cNvPr id="2" name="Title 1">
+            <a:extLst>
+              <a:ext uri="{FF2B5EF4-FFF2-40B4-BE49-F238E27FC236}">
+                <a16:creationId xmlns:a16="http://schemas.microsoft.com/office/drawing/2014/main" id="{BA2B37FB-B256-9D4F-91EE-C7D745364C3D}"/>
+              </a:ext>
+            </a:extLst>
+          </p:cNvPr>
+          <p:cNvSpPr>
+            <a:spLocks noGrp="1"/>
+          </p:cNvSpPr>
+          <p:nvPr>
+            <p:ph type="title"/>
+          </p:nvPr>
+        </p:nvSpPr>
+        <p:spPr/>
+        <p:txBody>
+          <a:bodyPr>
+            <a:normAutofit/>
+          </a:bodyPr>
+          <a:lstStyle/>
+          <a:p>
+            <a:r>
+              <a:rPr lang="en-US" sz="2800" dirty="0"/>
+              <a:t>Conclusion</a:t>
+            </a:r>
+            <a:endParaRPr lang="en-US" sz="2800" b="1" dirty="0"/>
+          </a:p>
+        </p:txBody>
+      </p:sp>
+      <p:sp>
+        <p:nvSpPr>
+          <p:cNvPr id="3" name="Content Placeholder 2">
+            <a:extLst>
+              <a:ext uri="{FF2B5EF4-FFF2-40B4-BE49-F238E27FC236}">
+                <a16:creationId xmlns:a16="http://schemas.microsoft.com/office/drawing/2014/main" id="{A3D6157B-4D82-4441-A9BC-F0E438DAE5E4}"/>
+              </a:ext>
+            </a:extLst>
+          </p:cNvPr>
+          <p:cNvSpPr>
+            <a:spLocks noGrp="1"/>
+          </p:cNvSpPr>
+          <p:nvPr>
+            <p:ph idx="1"/>
+          </p:nvPr>
+        </p:nvSpPr>
+        <p:spPr>
+          <a:xfrm>
+            <a:off x="838200" y="1825625"/>
+            <a:ext cx="10515600" cy="4530351"/>
+          </a:xfrm>
+        </p:spPr>
+        <p:txBody>
+          <a:bodyPr>
+            <a:normAutofit/>
+          </a:bodyPr>
+          <a:lstStyle/>
+          <a:p>
+            <a:r>
+              <a:rPr lang="en-US" dirty="0"/>
+              <a:t>What we have talked??</a:t>
+            </a:r>
+          </a:p>
+          <a:p>
+            <a:endParaRPr lang="en-US" dirty="0"/>
+          </a:p>
+          <a:p>
+            <a:pPr lvl="1"/>
+            <a:r>
+              <a:rPr lang="en-US" sz="2800" dirty="0"/>
+              <a:t>4 core classes</a:t>
+            </a:r>
+          </a:p>
+          <a:p>
+            <a:pPr lvl="1"/>
+            <a:r>
+              <a:rPr lang="en-US" sz="2800" dirty="0"/>
+              <a:t>UI design</a:t>
+            </a:r>
+          </a:p>
+          <a:p>
+            <a:pPr lvl="1"/>
+            <a:endParaRPr lang="en-US" dirty="0"/>
+          </a:p>
+          <a:p>
+            <a:pPr lvl="1"/>
+            <a:endParaRPr lang="en-US" dirty="0"/>
+          </a:p>
+          <a:p>
+            <a:r>
+              <a:rPr lang="en-US" dirty="0"/>
+              <a:t>Our goal</a:t>
+            </a:r>
+          </a:p>
+          <a:p>
+            <a:pPr lvl="1"/>
+            <a:r>
+              <a:rPr lang="en-US" dirty="0"/>
+              <a:t>Simple implementation</a:t>
+            </a:r>
+          </a:p>
+          <a:p>
+            <a:pPr lvl="1"/>
+            <a:r>
+              <a:rPr lang="en-US" dirty="0"/>
+              <a:t>User friendly </a:t>
+            </a:r>
+          </a:p>
+          <a:p>
+            <a:pPr lvl="1"/>
+            <a:r>
+              <a:rPr lang="en-US" dirty="0"/>
+              <a:t>Sustainability </a:t>
+            </a:r>
+          </a:p>
+          <a:p>
+            <a:endParaRPr lang="en-US" dirty="0"/>
+          </a:p>
+          <a:p>
+            <a:endParaRPr lang="en-US" dirty="0"/>
+          </a:p>
+          <a:p>
+            <a:pPr lvl="1"/>
+            <a:endParaRPr lang="en-US" dirty="0"/>
+          </a:p>
+          <a:p>
+            <a:pPr lvl="1"/>
+            <a:endParaRPr lang="en-US" dirty="0"/>
+          </a:p>
+        </p:txBody>
+      </p:sp>
+    </p:spTree>
+    <p:extLst>
+      <p:ext uri="{BB962C8B-B14F-4D97-AF65-F5344CB8AC3E}">
+        <p14:creationId xmlns:p14="http://schemas.microsoft.com/office/powerpoint/2010/main" val="1604085371"/>
+      </p:ext>
+    </p:extLst>
+  </p:cSld>
+  <p:clrMapOvr>
+    <a:masterClrMapping/>
+  </p:clrMapOvr>
+  <mc:AlternateContent xmlns:mc="http://schemas.openxmlformats.org/markup-compatibility/2006">
+    <mc:Choice xmlns:p14="http://schemas.microsoft.com/office/powerpoint/2010/main" Requires="p14">
+      <p:transition spd="slow" p14:dur="2000" advTm="30000"/>
+    </mc:Choice>
+    <mc:Fallback>
+      <p:transition spd="slow" advTm="30000"/>
+    </mc:Fallback>
+  </mc:AlternateContent>
+</p:sld>
+</file>
+
 <file path=ppt/slides/slide3.xml><?xml version="1.0" encoding="utf-8"?>
 <p:sld xmlns:a="http://schemas.openxmlformats.org/drawingml/2006/main" xmlns:r="http://schemas.openxmlformats.org/officeDocument/2006/relationships" xmlns:p="http://schemas.openxmlformats.org/presentationml/2006/main">
   <p:cSld>
@@ -6521,32 +14891,24 @@
           <a:lstStyle/>
           <a:p>
             <a:r>
-              <a:rPr lang="en-CA" sz="2903" spc="-1">
-                <a:latin typeface="Arial"/>
+              <a:rPr lang="en-CA" sz="2903" spc="-1" dirty="0">
                 <a:ea typeface="Noto Sans CJK SC"/>
               </a:rPr>
               <a:t>Connect 4 is a fairly simple game in which 2 players alternate dropping their own coloured discs into a 7x6 board – from the top.</a:t>
             </a:r>
-            <a:endParaRPr lang="en-CA" sz="2903" spc="-1">
-              <a:latin typeface="Arial"/>
-            </a:endParaRPr>
-          </a:p>
-          <a:p>
-            <a:endParaRPr lang="en-CA" sz="2903" spc="-1">
-              <a:latin typeface="Arial"/>
-            </a:endParaRPr>
-          </a:p>
-          <a:p>
-            <a:r>
-              <a:rPr lang="en-CA" sz="2903" spc="-1">
-                <a:latin typeface="Arial"/>
+            <a:endParaRPr lang="en-CA" sz="2903" spc="-1" dirty="0"/>
+          </a:p>
+          <a:p>
+            <a:endParaRPr lang="en-CA" sz="2903" spc="-1" dirty="0"/>
+          </a:p>
+          <a:p>
+            <a:r>
+              <a:rPr lang="en-CA" sz="2903" spc="-1" dirty="0">
                 <a:ea typeface="Noto Sans CJK SC"/>
               </a:rPr>
               <a:t>Each player is trying to claim victory by connecting 4 of their pieces, either vertically, horizontally, or diagonally, before the other player can do the same.</a:t>
             </a:r>
-            <a:endParaRPr lang="en-CA" sz="2903" spc="-1">
-              <a:latin typeface="Arial"/>
-            </a:endParaRPr>
+            <a:endParaRPr lang="en-CA" sz="2903" spc="-1" dirty="0"/>
           </a:p>
         </p:txBody>
       </p:sp>
@@ -6558,7 +14920,7 @@
         </p:nvSpPr>
         <p:spPr>
           <a:xfrm>
-            <a:off x="304984" y="176767"/>
+            <a:off x="0" y="143459"/>
             <a:ext cx="7358029" cy="1512097"/>
           </a:xfrm>
           <a:prstGeom prst="rect">
@@ -6575,9 +14937,7 @@
           <a:p>
             <a:pPr algn="ctr"/>
             <a:r>
-              <a:rPr lang="en-CA" sz="5321" spc="-1">
-                <a:latin typeface="Arial"/>
-              </a:rPr>
+              <a:rPr lang="en-CA" sz="5321" spc="-1" dirty="0"/>
               <a:t>What is Connect Four</a:t>
             </a:r>
           </a:p>
@@ -6616,6 +14976,14 @@
   <p:clrMapOvr>
     <a:masterClrMapping/>
   </p:clrMapOvr>
+  <mc:AlternateContent xmlns:mc="http://schemas.openxmlformats.org/markup-compatibility/2006">
+    <mc:Choice xmlns:p14="http://schemas.microsoft.com/office/powerpoint/2010/main" Requires="p14">
+      <p:transition spd="slow" p14:dur="2000" advTm="15000"/>
+    </mc:Choice>
+    <mc:Fallback>
+      <p:transition spd="slow" advTm="15000"/>
+    </mc:Fallback>
+  </mc:AlternateContent>
   <p:timing>
     <p:tnLst>
       <p:par>
@@ -6731,6 +15099,14 @@
   <p:clrMapOvr>
     <a:masterClrMapping/>
   </p:clrMapOvr>
+  <mc:AlternateContent xmlns:mc="http://schemas.openxmlformats.org/markup-compatibility/2006">
+    <mc:Choice xmlns:p14="http://schemas.microsoft.com/office/powerpoint/2010/main" Requires="p14">
+      <p:transition spd="slow" p14:dur="2000" advTm="5000"/>
+    </mc:Choice>
+    <mc:Fallback>
+      <p:transition spd="slow" advTm="5000"/>
+    </mc:Fallback>
+  </mc:AlternateContent>
 </p:sld>
 </file>
 
@@ -6801,71 +15177,111 @@
           <a:lstStyle/>
           <a:p>
             <a:r>
-              <a:rPr lang="en-US" altLang="zh-CN" sz="4000"/>
+              <a:rPr lang="en-US" altLang="zh-CN" sz="4000" dirty="0" err="1"/>
               <a:t>Implentation</a:t>
             </a:r>
-            <a:endParaRPr lang="en-US" altLang="zh-CN"/>
+            <a:endParaRPr lang="en-US" altLang="zh-CN" dirty="0"/>
           </a:p>
           <a:p>
             <a:pPr algn="l"/>
             <a:r>
-              <a:rPr lang="en-US" altLang="zh-CN"/>
+              <a:rPr lang="en-US" altLang="zh-CN" dirty="0"/>
               <a:t>Attributes: </a:t>
             </a:r>
           </a:p>
           <a:p>
             <a:pPr algn="l"/>
             <a:r>
-              <a:rPr lang="en-US" altLang="zh-CN"/>
-              <a:t>(1) Colour(String): Colour of pieces that player uses.</a:t>
+              <a:rPr lang="en-US" altLang="zh-CN" dirty="0"/>
+              <a:t>(1) </a:t>
+            </a:r>
+            <a:r>
+              <a:rPr lang="en-US" altLang="zh-CN" dirty="0" err="1"/>
+              <a:t>Colour</a:t>
+            </a:r>
+            <a:r>
+              <a:rPr lang="en-US" altLang="zh-CN" dirty="0"/>
+              <a:t>(String): </a:t>
+            </a:r>
+            <a:r>
+              <a:rPr lang="en-US" altLang="zh-CN" dirty="0" err="1"/>
+              <a:t>Colour</a:t>
+            </a:r>
+            <a:r>
+              <a:rPr lang="en-US" altLang="zh-CN" dirty="0"/>
+              <a:t> of pieces that player uses.</a:t>
             </a:r>
           </a:p>
           <a:p>
             <a:pPr algn="l"/>
             <a:r>
-              <a:rPr lang="en-US" altLang="zh-CN"/>
+              <a:rPr lang="en-US" altLang="zh-CN" dirty="0"/>
               <a:t>(2) Board(Board class): Current board status.</a:t>
             </a:r>
           </a:p>
           <a:p>
             <a:pPr algn="l"/>
             <a:r>
-              <a:rPr lang="en-US" altLang="zh-CN"/>
+              <a:rPr lang="en-US" altLang="zh-CN" dirty="0"/>
               <a:t>Method:</a:t>
             </a:r>
           </a:p>
           <a:p>
             <a:pPr algn="l"/>
             <a:r>
-              <a:rPr lang="en-US" altLang="zh-CN"/>
-              <a:t>(1) move_left() -&gt; None: Player moves the piece toward the left.</a:t>
+              <a:rPr lang="en-US" altLang="zh-CN" dirty="0"/>
+              <a:t>(1) </a:t>
+            </a:r>
+            <a:r>
+              <a:rPr lang="en-US" altLang="zh-CN" dirty="0" err="1"/>
+              <a:t>move_left</a:t>
+            </a:r>
+            <a:r>
+              <a:rPr lang="en-US" altLang="zh-CN" dirty="0"/>
+              <a:t>() -&gt; None: Player moves the piece toward the left.</a:t>
             </a:r>
           </a:p>
           <a:p>
             <a:pPr algn="l"/>
             <a:r>
-              <a:rPr lang="en-US" altLang="zh-CN"/>
-              <a:t>(2) move_right() -&gt; None: Player moves the piece toward the right.</a:t>
+              <a:rPr lang="en-US" altLang="zh-CN" dirty="0"/>
+              <a:t>(2) </a:t>
+            </a:r>
+            <a:r>
+              <a:rPr lang="en-US" altLang="zh-CN" dirty="0" err="1"/>
+              <a:t>move_right</a:t>
+            </a:r>
+            <a:r>
+              <a:rPr lang="en-US" altLang="zh-CN" dirty="0"/>
+              <a:t>() -&gt; None: Player moves the piece toward the right.</a:t>
             </a:r>
           </a:p>
           <a:p>
             <a:pPr algn="l"/>
             <a:r>
-              <a:rPr lang="en-US" altLang="zh-CN"/>
+              <a:rPr lang="en-US" altLang="zh-CN" dirty="0"/>
               <a:t>(3) drop() -&gt; None: Player drops the piece.</a:t>
             </a:r>
           </a:p>
           <a:p>
             <a:pPr algn="l"/>
             <a:r>
-              <a:rPr lang="en-US" altLang="zh-CN"/>
-              <a:t>(4) check_for_win(Board) -&gt; Boolean: Check whether the player wins.</a:t>
+              <a:rPr lang="en-US" altLang="zh-CN" dirty="0"/>
+              <a:t>(4) </a:t>
+            </a:r>
+            <a:r>
+              <a:rPr lang="en-US" altLang="zh-CN" dirty="0" err="1"/>
+              <a:t>check_for_win</a:t>
+            </a:r>
+            <a:r>
+              <a:rPr lang="en-US" altLang="zh-CN" dirty="0"/>
+              <a:t>(Board) -&gt; Boolean: Check whether the player wins.</a:t>
             </a:r>
           </a:p>
           <a:p>
             <a:pPr algn="l"/>
             <a:r>
-              <a:rPr lang="en-US" altLang="zh-CN"/>
+              <a:rPr lang="en-US" altLang="zh-CN" dirty="0"/>
               <a:t>The implementation of the above methods will base on how board class and main class will be implemented.</a:t>
             </a:r>
           </a:p>
@@ -6884,6 +15300,14 @@
   <p:clrMapOvr>
     <a:masterClrMapping/>
   </p:clrMapOvr>
+  <mc:AlternateContent xmlns:mc="http://schemas.openxmlformats.org/markup-compatibility/2006">
+    <mc:Choice xmlns:p14="http://schemas.microsoft.com/office/powerpoint/2010/main" Requires="p14">
+      <p:transition spd="slow" p14:dur="2000" advTm="30000"/>
+    </mc:Choice>
+    <mc:Fallback>
+      <p:transition spd="slow" advTm="30000"/>
+    </mc:Fallback>
+  </mc:AlternateContent>
 </p:sld>
 </file>
 
@@ -7151,6 +15575,14 @@
   <p:clrMapOvr>
     <a:masterClrMapping/>
   </p:clrMapOvr>
+  <mc:AlternateContent xmlns:mc="http://schemas.openxmlformats.org/markup-compatibility/2006">
+    <mc:Choice xmlns:p14="http://schemas.microsoft.com/office/powerpoint/2010/main" Requires="p14">
+      <p:transition spd="slow" p14:dur="2000" advTm="30000"/>
+    </mc:Choice>
+    <mc:Fallback>
+      <p:transition spd="slow" advTm="30000"/>
+    </mc:Fallback>
+  </mc:AlternateContent>
 </p:sld>
 </file>
 
